--- a/Servidor/Temas/2_0 - JSP y JSTL.pptx
+++ b/Servidor/Temas/2_0 - JSP y JSTL.pptx
@@ -72,7 +72,6 @@
         <a:ea typeface="Arial"/>
         <a:cs typeface="Arial"/>
         <a:sym typeface="Arial"/>
-        <a:rtl val="0"/>
       </a:defRPr>
     </a:lvl1pPr>
     <a:lvl2pPr lvl="1" marR="0" rtl="0" algn="l">
@@ -94,7 +93,6 @@
         <a:ea typeface="Arial"/>
         <a:cs typeface="Arial"/>
         <a:sym typeface="Arial"/>
-        <a:rtl val="0"/>
       </a:defRPr>
     </a:lvl2pPr>
     <a:lvl3pPr lvl="2" marR="0" rtl="0" algn="l">
@@ -116,7 +114,6 @@
         <a:ea typeface="Arial"/>
         <a:cs typeface="Arial"/>
         <a:sym typeface="Arial"/>
-        <a:rtl val="0"/>
       </a:defRPr>
     </a:lvl3pPr>
     <a:lvl4pPr lvl="3" marR="0" rtl="0" algn="l">
@@ -138,7 +135,6 @@
         <a:ea typeface="Arial"/>
         <a:cs typeface="Arial"/>
         <a:sym typeface="Arial"/>
-        <a:rtl val="0"/>
       </a:defRPr>
     </a:lvl4pPr>
     <a:lvl5pPr lvl="4" marR="0" rtl="0" algn="l">
@@ -160,7 +156,6 @@
         <a:ea typeface="Arial"/>
         <a:cs typeface="Arial"/>
         <a:sym typeface="Arial"/>
-        <a:rtl val="0"/>
       </a:defRPr>
     </a:lvl5pPr>
     <a:lvl6pPr lvl="5" marR="0" rtl="0" algn="l">
@@ -182,7 +177,6 @@
         <a:ea typeface="Arial"/>
         <a:cs typeface="Arial"/>
         <a:sym typeface="Arial"/>
-        <a:rtl val="0"/>
       </a:defRPr>
     </a:lvl6pPr>
     <a:lvl7pPr lvl="6" marR="0" rtl="0" algn="l">
@@ -204,7 +198,6 @@
         <a:ea typeface="Arial"/>
         <a:cs typeface="Arial"/>
         <a:sym typeface="Arial"/>
-        <a:rtl val="0"/>
       </a:defRPr>
     </a:lvl7pPr>
     <a:lvl8pPr lvl="7" marR="0" rtl="0" algn="l">
@@ -226,7 +219,6 @@
         <a:ea typeface="Arial"/>
         <a:cs typeface="Arial"/>
         <a:sym typeface="Arial"/>
-        <a:rtl val="0"/>
       </a:defRPr>
     </a:lvl8pPr>
     <a:lvl9pPr lvl="8" marR="0" rtl="0" algn="l">
@@ -248,14 +240,13 @@
         <a:ea typeface="Arial"/>
         <a:cs typeface="Arial"/>
         <a:sym typeface="Arial"/>
-        <a:rtl val="0"/>
       </a:defRPr>
     </a:lvl9pPr>
   </p:defaultTextStyle>
 </p:presentation>
 </file>
 
-<file path=ppt/notesMasters/notesMaster.xml><?xml version="1.0" encoding="utf-8"?>
+<file path=ppt/notesMasters/notesMaster1.xml><?xml version="1.0" encoding="utf-8"?>
 <p:notesMaster xmlns:a="http://schemas.openxmlformats.org/drawingml/2006/main" xmlns:r="http://schemas.openxmlformats.org/officeDocument/2006/relationships" xmlns:mc="http://schemas.openxmlformats.org/markup-compatibility/2006" xmlns:mv="urn:schemas-microsoft-com:mac:vml" xmlns:p="http://schemas.openxmlformats.org/presentationml/2006/main" xmlns:c="http://schemas.openxmlformats.org/drawingml/2006/chart" xmlns:dgm="http://schemas.openxmlformats.org/drawingml/2006/diagram" xmlns:o="urn:schemas-microsoft-com:office:office" xmlns:v="urn:schemas-microsoft-com:vml" xmlns:pvml="urn:schemas-microsoft-com:office:powerpoint" xmlns:com="http://schemas.openxmlformats.org/drawingml/2006/compatibility" xmlns:p14="http://schemas.microsoft.com/office/powerpoint/2010/main">
   <p:cSld>
     <p:spTree>
@@ -404,7 +395,7 @@
 </p:notesMaster>
 </file>
 
-<file path=ppt/notesSlides/notesSlide.xml><?xml version="1.0" encoding="utf-8"?>
+<file path=ppt/notesSlides/notesSlide1.xml><?xml version="1.0" encoding="utf-8"?>
 <p:notes xmlns:a="http://schemas.openxmlformats.org/drawingml/2006/main" xmlns:r="http://schemas.openxmlformats.org/officeDocument/2006/relationships" xmlns:mc="http://schemas.openxmlformats.org/markup-compatibility/2006" xmlns:mv="urn:schemas-microsoft-com:mac:vml" xmlns:p="http://schemas.openxmlformats.org/presentationml/2006/main" xmlns:c="http://schemas.openxmlformats.org/drawingml/2006/chart" xmlns:dgm="http://schemas.openxmlformats.org/drawingml/2006/diagram" xmlns:o="urn:schemas-microsoft-com:office:office" xmlns:v="urn:schemas-microsoft-com:vml" xmlns:pvml="urn:schemas-microsoft-com:office:powerpoint" xmlns:com="http://schemas.openxmlformats.org/drawingml/2006/compatibility" xmlns:p14="http://schemas.microsoft.com/office/powerpoint/2010/main" showMasterPhAnim="0" showMasterSp="0">
   <p:cSld>
     <p:spTree>
@@ -499,12 +490,12 @@
 </p:notes>
 </file>
 
-<file path=ppt/notesSlides/notesSlide1.xml><?xml version="1.0" encoding="utf-8"?>
+<file path=ppt/notesSlides/notesSlide10.xml><?xml version="1.0" encoding="utf-8"?>
 <p:notes xmlns:a="http://schemas.openxmlformats.org/drawingml/2006/main" xmlns:r="http://schemas.openxmlformats.org/officeDocument/2006/relationships" xmlns:mc="http://schemas.openxmlformats.org/markup-compatibility/2006" xmlns:mv="urn:schemas-microsoft-com:mac:vml" xmlns:p="http://schemas.openxmlformats.org/presentationml/2006/main" xmlns:c="http://schemas.openxmlformats.org/drawingml/2006/chart" xmlns:dgm="http://schemas.openxmlformats.org/drawingml/2006/diagram" xmlns:o="urn:schemas-microsoft-com:office:office" xmlns:v="urn:schemas-microsoft-com:vml" xmlns:pvml="urn:schemas-microsoft-com:office:powerpoint" xmlns:com="http://schemas.openxmlformats.org/drawingml/2006/compatibility" xmlns:p14="http://schemas.microsoft.com/office/powerpoint/2010/main" showMasterPhAnim="0" showMasterSp="0">
   <p:cSld>
     <p:spTree>
       <p:nvGrpSpPr>
-        <p:cNvPr id="47" name="Shape 47"/>
+        <p:cNvPr id="95" name="Shape 95"/>
         <p:cNvGrpSpPr/>
         <p:nvPr/>
       </p:nvGrpSpPr>
@@ -518,7 +509,7 @@
       </p:grpSpPr>
       <p:sp>
         <p:nvSpPr>
-          <p:cNvPr id="48" name="Shape 48"/>
+          <p:cNvPr id="96" name="Shape 96"/>
           <p:cNvSpPr/>
           <p:nvPr>
             <p:ph idx="2" type="sldImg"/>
@@ -552,7 +543,7 @@
       </p:sp>
       <p:sp>
         <p:nvSpPr>
-          <p:cNvPr id="49" name="Shape 49"/>
+          <p:cNvPr id="97" name="Shape 97"/>
           <p:cNvSpPr txBox="1"/>
           <p:nvPr>
             <p:ph idx="1" type="body"/>
@@ -594,7 +585,7 @@
 </p:notes>
 </file>
 
-<file path=ppt/notesSlides/notesSlide10.xml><?xml version="1.0" encoding="utf-8"?>
+<file path=ppt/notesSlides/notesSlide11.xml><?xml version="1.0" encoding="utf-8"?>
 <p:notes xmlns:a="http://schemas.openxmlformats.org/drawingml/2006/main" xmlns:r="http://schemas.openxmlformats.org/officeDocument/2006/relationships" xmlns:mc="http://schemas.openxmlformats.org/markup-compatibility/2006" xmlns:mv="urn:schemas-microsoft-com:mac:vml" xmlns:p="http://schemas.openxmlformats.org/presentationml/2006/main" xmlns:c="http://schemas.openxmlformats.org/drawingml/2006/chart" xmlns:dgm="http://schemas.openxmlformats.org/drawingml/2006/diagram" xmlns:o="urn:schemas-microsoft-com:office:office" xmlns:v="urn:schemas-microsoft-com:vml" xmlns:pvml="urn:schemas-microsoft-com:office:powerpoint" xmlns:com="http://schemas.openxmlformats.org/drawingml/2006/compatibility" xmlns:p14="http://schemas.microsoft.com/office/powerpoint/2010/main" showMasterPhAnim="0" showMasterSp="0">
   <p:cSld>
     <p:spTree>
@@ -689,7 +680,7 @@
 </p:notes>
 </file>
 
-<file path=ppt/notesSlides/notesSlide11.xml><?xml version="1.0" encoding="utf-8"?>
+<file path=ppt/notesSlides/notesSlide12.xml><?xml version="1.0" encoding="utf-8"?>
 <p:notes xmlns:a="http://schemas.openxmlformats.org/drawingml/2006/main" xmlns:r="http://schemas.openxmlformats.org/officeDocument/2006/relationships" xmlns:mc="http://schemas.openxmlformats.org/markup-compatibility/2006" xmlns:mv="urn:schemas-microsoft-com:mac:vml" xmlns:p="http://schemas.openxmlformats.org/presentationml/2006/main" xmlns:c="http://schemas.openxmlformats.org/drawingml/2006/chart" xmlns:dgm="http://schemas.openxmlformats.org/drawingml/2006/diagram" xmlns:o="urn:schemas-microsoft-com:office:office" xmlns:v="urn:schemas-microsoft-com:vml" xmlns:pvml="urn:schemas-microsoft-com:office:powerpoint" xmlns:com="http://schemas.openxmlformats.org/drawingml/2006/compatibility" xmlns:p14="http://schemas.microsoft.com/office/powerpoint/2010/main" showMasterPhAnim="0" showMasterSp="0">
   <p:cSld>
     <p:spTree>
@@ -784,7 +775,7 @@
 </p:notes>
 </file>
 
-<file path=ppt/notesSlides/notesSlide12.xml><?xml version="1.0" encoding="utf-8"?>
+<file path=ppt/notesSlides/notesSlide13.xml><?xml version="1.0" encoding="utf-8"?>
 <p:notes xmlns:a="http://schemas.openxmlformats.org/drawingml/2006/main" xmlns:r="http://schemas.openxmlformats.org/officeDocument/2006/relationships" xmlns:mc="http://schemas.openxmlformats.org/markup-compatibility/2006" xmlns:mv="urn:schemas-microsoft-com:mac:vml" xmlns:p="http://schemas.openxmlformats.org/presentationml/2006/main" xmlns:c="http://schemas.openxmlformats.org/drawingml/2006/chart" xmlns:dgm="http://schemas.openxmlformats.org/drawingml/2006/diagram" xmlns:o="urn:schemas-microsoft-com:office:office" xmlns:v="urn:schemas-microsoft-com:vml" xmlns:pvml="urn:schemas-microsoft-com:office:powerpoint" xmlns:com="http://schemas.openxmlformats.org/drawingml/2006/compatibility" xmlns:p14="http://schemas.microsoft.com/office/powerpoint/2010/main" showMasterPhAnim="0" showMasterSp="0">
   <p:cSld>
     <p:spTree>
@@ -879,7 +870,7 @@
 </p:notes>
 </file>
 
-<file path=ppt/notesSlides/notesSlide13.xml><?xml version="1.0" encoding="utf-8"?>
+<file path=ppt/notesSlides/notesSlide14.xml><?xml version="1.0" encoding="utf-8"?>
 <p:notes xmlns:a="http://schemas.openxmlformats.org/drawingml/2006/main" xmlns:r="http://schemas.openxmlformats.org/officeDocument/2006/relationships" xmlns:mc="http://schemas.openxmlformats.org/markup-compatibility/2006" xmlns:mv="urn:schemas-microsoft-com:mac:vml" xmlns:p="http://schemas.openxmlformats.org/presentationml/2006/main" xmlns:c="http://schemas.openxmlformats.org/drawingml/2006/chart" xmlns:dgm="http://schemas.openxmlformats.org/drawingml/2006/diagram" xmlns:o="urn:schemas-microsoft-com:office:office" xmlns:v="urn:schemas-microsoft-com:vml" xmlns:pvml="urn:schemas-microsoft-com:office:powerpoint" xmlns:com="http://schemas.openxmlformats.org/drawingml/2006/compatibility" xmlns:p14="http://schemas.microsoft.com/office/powerpoint/2010/main" showMasterPhAnim="0" showMasterSp="0">
   <p:cSld>
     <p:spTree>
@@ -974,7 +965,7 @@
 </p:notes>
 </file>
 
-<file path=ppt/notesSlides/notesSlide14.xml><?xml version="1.0" encoding="utf-8"?>
+<file path=ppt/notesSlides/notesSlide15.xml><?xml version="1.0" encoding="utf-8"?>
 <p:notes xmlns:a="http://schemas.openxmlformats.org/drawingml/2006/main" xmlns:r="http://schemas.openxmlformats.org/officeDocument/2006/relationships" xmlns:mc="http://schemas.openxmlformats.org/markup-compatibility/2006" xmlns:mv="urn:schemas-microsoft-com:mac:vml" xmlns:p="http://schemas.openxmlformats.org/presentationml/2006/main" xmlns:c="http://schemas.openxmlformats.org/drawingml/2006/chart" xmlns:dgm="http://schemas.openxmlformats.org/drawingml/2006/diagram" xmlns:o="urn:schemas-microsoft-com:office:office" xmlns:v="urn:schemas-microsoft-com:vml" xmlns:pvml="urn:schemas-microsoft-com:office:powerpoint" xmlns:com="http://schemas.openxmlformats.org/drawingml/2006/compatibility" xmlns:p14="http://schemas.microsoft.com/office/powerpoint/2010/main" showMasterPhAnim="0" showMasterSp="0">
   <p:cSld>
     <p:spTree>
@@ -1069,7 +1060,7 @@
 </p:notes>
 </file>
 
-<file path=ppt/notesSlides/notesSlide15.xml><?xml version="1.0" encoding="utf-8"?>
+<file path=ppt/notesSlides/notesSlide16.xml><?xml version="1.0" encoding="utf-8"?>
 <p:notes xmlns:a="http://schemas.openxmlformats.org/drawingml/2006/main" xmlns:r="http://schemas.openxmlformats.org/officeDocument/2006/relationships" xmlns:mc="http://schemas.openxmlformats.org/markup-compatibility/2006" xmlns:mv="urn:schemas-microsoft-com:mac:vml" xmlns:p="http://schemas.openxmlformats.org/presentationml/2006/main" xmlns:c="http://schemas.openxmlformats.org/drawingml/2006/chart" xmlns:dgm="http://schemas.openxmlformats.org/drawingml/2006/diagram" xmlns:o="urn:schemas-microsoft-com:office:office" xmlns:v="urn:schemas-microsoft-com:vml" xmlns:pvml="urn:schemas-microsoft-com:office:powerpoint" xmlns:com="http://schemas.openxmlformats.org/drawingml/2006/compatibility" xmlns:p14="http://schemas.microsoft.com/office/powerpoint/2010/main" showMasterPhAnim="0" showMasterSp="0">
   <p:cSld>
     <p:spTree>
@@ -1164,7 +1155,7 @@
 </p:notes>
 </file>
 
-<file path=ppt/notesSlides/notesSlide16.xml><?xml version="1.0" encoding="utf-8"?>
+<file path=ppt/notesSlides/notesSlide17.xml><?xml version="1.0" encoding="utf-8"?>
 <p:notes xmlns:a="http://schemas.openxmlformats.org/drawingml/2006/main" xmlns:r="http://schemas.openxmlformats.org/officeDocument/2006/relationships" xmlns:mc="http://schemas.openxmlformats.org/markup-compatibility/2006" xmlns:mv="urn:schemas-microsoft-com:mac:vml" xmlns:p="http://schemas.openxmlformats.org/presentationml/2006/main" xmlns:c="http://schemas.openxmlformats.org/drawingml/2006/chart" xmlns:dgm="http://schemas.openxmlformats.org/drawingml/2006/diagram" xmlns:o="urn:schemas-microsoft-com:office:office" xmlns:v="urn:schemas-microsoft-com:vml" xmlns:pvml="urn:schemas-microsoft-com:office:powerpoint" xmlns:com="http://schemas.openxmlformats.org/drawingml/2006/compatibility" xmlns:p14="http://schemas.microsoft.com/office/powerpoint/2010/main" showMasterPhAnim="0" showMasterSp="0">
   <p:cSld>
     <p:spTree>
@@ -1259,7 +1250,7 @@
 </p:notes>
 </file>
 
-<file path=ppt/notesSlides/notesSlide17.xml><?xml version="1.0" encoding="utf-8"?>
+<file path=ppt/notesSlides/notesSlide18.xml><?xml version="1.0" encoding="utf-8"?>
 <p:notes xmlns:a="http://schemas.openxmlformats.org/drawingml/2006/main" xmlns:r="http://schemas.openxmlformats.org/officeDocument/2006/relationships" xmlns:mc="http://schemas.openxmlformats.org/markup-compatibility/2006" xmlns:mv="urn:schemas-microsoft-com:mac:vml" xmlns:p="http://schemas.openxmlformats.org/presentationml/2006/main" xmlns:c="http://schemas.openxmlformats.org/drawingml/2006/chart" xmlns:dgm="http://schemas.openxmlformats.org/drawingml/2006/diagram" xmlns:o="urn:schemas-microsoft-com:office:office" xmlns:v="urn:schemas-microsoft-com:vml" xmlns:pvml="urn:schemas-microsoft-com:office:powerpoint" xmlns:com="http://schemas.openxmlformats.org/drawingml/2006/compatibility" xmlns:p14="http://schemas.microsoft.com/office/powerpoint/2010/main" showMasterPhAnim="0" showMasterSp="0">
   <p:cSld>
     <p:spTree>
@@ -1354,7 +1345,7 @@
 </p:notes>
 </file>
 
-<file path=ppt/notesSlides/notesSlide18.xml><?xml version="1.0" encoding="utf-8"?>
+<file path=ppt/notesSlides/notesSlide19.xml><?xml version="1.0" encoding="utf-8"?>
 <p:notes xmlns:a="http://schemas.openxmlformats.org/drawingml/2006/main" xmlns:r="http://schemas.openxmlformats.org/officeDocument/2006/relationships" xmlns:mc="http://schemas.openxmlformats.org/markup-compatibility/2006" xmlns:mv="urn:schemas-microsoft-com:mac:vml" xmlns:p="http://schemas.openxmlformats.org/presentationml/2006/main" xmlns:c="http://schemas.openxmlformats.org/drawingml/2006/chart" xmlns:dgm="http://schemas.openxmlformats.org/drawingml/2006/diagram" xmlns:o="urn:schemas-microsoft-com:office:office" xmlns:v="urn:schemas-microsoft-com:vml" xmlns:pvml="urn:schemas-microsoft-com:office:powerpoint" xmlns:com="http://schemas.openxmlformats.org/drawingml/2006/compatibility" xmlns:p14="http://schemas.microsoft.com/office/powerpoint/2010/main" showMasterPhAnim="0" showMasterSp="0">
   <p:cSld>
     <p:spTree>
@@ -1449,12 +1440,12 @@
 </p:notes>
 </file>
 
-<file path=ppt/notesSlides/notesSlide19.xml><?xml version="1.0" encoding="utf-8"?>
+<file path=ppt/notesSlides/notesSlide2.xml><?xml version="1.0" encoding="utf-8"?>
 <p:notes xmlns:a="http://schemas.openxmlformats.org/drawingml/2006/main" xmlns:r="http://schemas.openxmlformats.org/officeDocument/2006/relationships" xmlns:mc="http://schemas.openxmlformats.org/markup-compatibility/2006" xmlns:mv="urn:schemas-microsoft-com:mac:vml" xmlns:p="http://schemas.openxmlformats.org/presentationml/2006/main" xmlns:c="http://schemas.openxmlformats.org/drawingml/2006/chart" xmlns:dgm="http://schemas.openxmlformats.org/drawingml/2006/diagram" xmlns:o="urn:schemas-microsoft-com:office:office" xmlns:v="urn:schemas-microsoft-com:vml" xmlns:pvml="urn:schemas-microsoft-com:office:powerpoint" xmlns:com="http://schemas.openxmlformats.org/drawingml/2006/compatibility" xmlns:p14="http://schemas.microsoft.com/office/powerpoint/2010/main" showMasterPhAnim="0" showMasterSp="0">
   <p:cSld>
     <p:spTree>
       <p:nvGrpSpPr>
-        <p:cNvPr id="155" name="Shape 155"/>
+        <p:cNvPr id="47" name="Shape 47"/>
         <p:cNvGrpSpPr/>
         <p:nvPr/>
       </p:nvGrpSpPr>
@@ -1468,7 +1459,7 @@
       </p:grpSpPr>
       <p:sp>
         <p:nvSpPr>
-          <p:cNvPr id="156" name="Shape 156"/>
+          <p:cNvPr id="48" name="Shape 48"/>
           <p:cNvSpPr/>
           <p:nvPr>
             <p:ph idx="2" type="sldImg"/>
@@ -1502,7 +1493,7 @@
       </p:sp>
       <p:sp>
         <p:nvSpPr>
-          <p:cNvPr id="157" name="Shape 157"/>
+          <p:cNvPr id="49" name="Shape 49"/>
           <p:cNvSpPr txBox="1"/>
           <p:nvPr>
             <p:ph idx="1" type="body"/>
@@ -1544,12 +1535,12 @@
 </p:notes>
 </file>
 
-<file path=ppt/notesSlides/notesSlide2.xml><?xml version="1.0" encoding="utf-8"?>
+<file path=ppt/notesSlides/notesSlide20.xml><?xml version="1.0" encoding="utf-8"?>
 <p:notes xmlns:a="http://schemas.openxmlformats.org/drawingml/2006/main" xmlns:r="http://schemas.openxmlformats.org/officeDocument/2006/relationships" xmlns:mc="http://schemas.openxmlformats.org/markup-compatibility/2006" xmlns:mv="urn:schemas-microsoft-com:mac:vml" xmlns:p="http://schemas.openxmlformats.org/presentationml/2006/main" xmlns:c="http://schemas.openxmlformats.org/drawingml/2006/chart" xmlns:dgm="http://schemas.openxmlformats.org/drawingml/2006/diagram" xmlns:o="urn:schemas-microsoft-com:office:office" xmlns:v="urn:schemas-microsoft-com:vml" xmlns:pvml="urn:schemas-microsoft-com:office:powerpoint" xmlns:com="http://schemas.openxmlformats.org/drawingml/2006/compatibility" xmlns:p14="http://schemas.microsoft.com/office/powerpoint/2010/main" showMasterPhAnim="0" showMasterSp="0">
   <p:cSld>
     <p:spTree>
       <p:nvGrpSpPr>
-        <p:cNvPr id="53" name="Shape 53"/>
+        <p:cNvPr id="155" name="Shape 155"/>
         <p:cNvGrpSpPr/>
         <p:nvPr/>
       </p:nvGrpSpPr>
@@ -1563,7 +1554,7 @@
       </p:grpSpPr>
       <p:sp>
         <p:nvSpPr>
-          <p:cNvPr id="54" name="Shape 54"/>
+          <p:cNvPr id="156" name="Shape 156"/>
           <p:cNvSpPr/>
           <p:nvPr>
             <p:ph idx="2" type="sldImg"/>
@@ -1597,7 +1588,7 @@
       </p:sp>
       <p:sp>
         <p:nvSpPr>
-          <p:cNvPr id="55" name="Shape 55"/>
+          <p:cNvPr id="157" name="Shape 157"/>
           <p:cNvSpPr txBox="1"/>
           <p:nvPr>
             <p:ph idx="1" type="body"/>
@@ -1639,7 +1630,7 @@
 </p:notes>
 </file>
 
-<file path=ppt/notesSlides/notesSlide20.xml><?xml version="1.0" encoding="utf-8"?>
+<file path=ppt/notesSlides/notesSlide21.xml><?xml version="1.0" encoding="utf-8"?>
 <p:notes xmlns:a="http://schemas.openxmlformats.org/drawingml/2006/main" xmlns:r="http://schemas.openxmlformats.org/officeDocument/2006/relationships" xmlns:mc="http://schemas.openxmlformats.org/markup-compatibility/2006" xmlns:mv="urn:schemas-microsoft-com:mac:vml" xmlns:p="http://schemas.openxmlformats.org/presentationml/2006/main" xmlns:c="http://schemas.openxmlformats.org/drawingml/2006/chart" xmlns:dgm="http://schemas.openxmlformats.org/drawingml/2006/diagram" xmlns:o="urn:schemas-microsoft-com:office:office" xmlns:v="urn:schemas-microsoft-com:vml" xmlns:pvml="urn:schemas-microsoft-com:office:powerpoint" xmlns:com="http://schemas.openxmlformats.org/drawingml/2006/compatibility" xmlns:p14="http://schemas.microsoft.com/office/powerpoint/2010/main" showMasterPhAnim="0" showMasterSp="0">
   <p:cSld>
     <p:spTree>
@@ -1755,7 +1746,7 @@
 </p:notes>
 </file>
 
-<file path=ppt/notesSlides/notesSlide21.xml><?xml version="1.0" encoding="utf-8"?>
+<file path=ppt/notesSlides/notesSlide22.xml><?xml version="1.0" encoding="utf-8"?>
 <p:notes xmlns:a="http://schemas.openxmlformats.org/drawingml/2006/main" xmlns:r="http://schemas.openxmlformats.org/officeDocument/2006/relationships" xmlns:mc="http://schemas.openxmlformats.org/markup-compatibility/2006" xmlns:mv="urn:schemas-microsoft-com:mac:vml" xmlns:p="http://schemas.openxmlformats.org/presentationml/2006/main" xmlns:c="http://schemas.openxmlformats.org/drawingml/2006/chart" xmlns:dgm="http://schemas.openxmlformats.org/drawingml/2006/diagram" xmlns:o="urn:schemas-microsoft-com:office:office" xmlns:v="urn:schemas-microsoft-com:vml" xmlns:pvml="urn:schemas-microsoft-com:office:powerpoint" xmlns:com="http://schemas.openxmlformats.org/drawingml/2006/compatibility" xmlns:p14="http://schemas.microsoft.com/office/powerpoint/2010/main" showMasterPhAnim="0" showMasterSp="0">
   <p:cSld>
     <p:spTree>
@@ -1850,7 +1841,7 @@
 </p:notes>
 </file>
 
-<file path=ppt/notesSlides/notesSlide22.xml><?xml version="1.0" encoding="utf-8"?>
+<file path=ppt/notesSlides/notesSlide23.xml><?xml version="1.0" encoding="utf-8"?>
 <p:notes xmlns:a="http://schemas.openxmlformats.org/drawingml/2006/main" xmlns:r="http://schemas.openxmlformats.org/officeDocument/2006/relationships" xmlns:mc="http://schemas.openxmlformats.org/markup-compatibility/2006" xmlns:mv="urn:schemas-microsoft-com:mac:vml" xmlns:p="http://schemas.openxmlformats.org/presentationml/2006/main" xmlns:c="http://schemas.openxmlformats.org/drawingml/2006/chart" xmlns:dgm="http://schemas.openxmlformats.org/drawingml/2006/diagram" xmlns:o="urn:schemas-microsoft-com:office:office" xmlns:v="urn:schemas-microsoft-com:vml" xmlns:pvml="urn:schemas-microsoft-com:office:powerpoint" xmlns:com="http://schemas.openxmlformats.org/drawingml/2006/compatibility" xmlns:p14="http://schemas.microsoft.com/office/powerpoint/2010/main" showMasterPhAnim="0" showMasterSp="0">
   <p:cSld>
     <p:spTree>
@@ -1945,7 +1936,7 @@
 </p:notes>
 </file>
 
-<file path=ppt/notesSlides/notesSlide23.xml><?xml version="1.0" encoding="utf-8"?>
+<file path=ppt/notesSlides/notesSlide24.xml><?xml version="1.0" encoding="utf-8"?>
 <p:notes xmlns:a="http://schemas.openxmlformats.org/drawingml/2006/main" xmlns:r="http://schemas.openxmlformats.org/officeDocument/2006/relationships" xmlns:mc="http://schemas.openxmlformats.org/markup-compatibility/2006" xmlns:mv="urn:schemas-microsoft-com:mac:vml" xmlns:p="http://schemas.openxmlformats.org/presentationml/2006/main" xmlns:c="http://schemas.openxmlformats.org/drawingml/2006/chart" xmlns:dgm="http://schemas.openxmlformats.org/drawingml/2006/diagram" xmlns:o="urn:schemas-microsoft-com:office:office" xmlns:v="urn:schemas-microsoft-com:vml" xmlns:pvml="urn:schemas-microsoft-com:office:powerpoint" xmlns:com="http://schemas.openxmlformats.org/drawingml/2006/compatibility" xmlns:p14="http://schemas.microsoft.com/office/powerpoint/2010/main" showMasterPhAnim="0" showMasterSp="0">
   <p:cSld>
     <p:spTree>
@@ -2040,7 +2031,7 @@
 </p:notes>
 </file>
 
-<file path=ppt/notesSlides/notesSlide24.xml><?xml version="1.0" encoding="utf-8"?>
+<file path=ppt/notesSlides/notesSlide25.xml><?xml version="1.0" encoding="utf-8"?>
 <p:notes xmlns:a="http://schemas.openxmlformats.org/drawingml/2006/main" xmlns:r="http://schemas.openxmlformats.org/officeDocument/2006/relationships" xmlns:mc="http://schemas.openxmlformats.org/markup-compatibility/2006" xmlns:mv="urn:schemas-microsoft-com:mac:vml" xmlns:p="http://schemas.openxmlformats.org/presentationml/2006/main" xmlns:c="http://schemas.openxmlformats.org/drawingml/2006/chart" xmlns:dgm="http://schemas.openxmlformats.org/drawingml/2006/diagram" xmlns:o="urn:schemas-microsoft-com:office:office" xmlns:v="urn:schemas-microsoft-com:vml" xmlns:pvml="urn:schemas-microsoft-com:office:powerpoint" xmlns:com="http://schemas.openxmlformats.org/drawingml/2006/compatibility" xmlns:p14="http://schemas.microsoft.com/office/powerpoint/2010/main" showMasterPhAnim="0" showMasterSp="0">
   <p:cSld>
     <p:spTree>
@@ -2135,7 +2126,7 @@
 </p:notes>
 </file>
 
-<file path=ppt/notesSlides/notesSlide25.xml><?xml version="1.0" encoding="utf-8"?>
+<file path=ppt/notesSlides/notesSlide26.xml><?xml version="1.0" encoding="utf-8"?>
 <p:notes xmlns:a="http://schemas.openxmlformats.org/drawingml/2006/main" xmlns:r="http://schemas.openxmlformats.org/officeDocument/2006/relationships" xmlns:mc="http://schemas.openxmlformats.org/markup-compatibility/2006" xmlns:mv="urn:schemas-microsoft-com:mac:vml" xmlns:p="http://schemas.openxmlformats.org/presentationml/2006/main" xmlns:c="http://schemas.openxmlformats.org/drawingml/2006/chart" xmlns:dgm="http://schemas.openxmlformats.org/drawingml/2006/diagram" xmlns:o="urn:schemas-microsoft-com:office:office" xmlns:v="urn:schemas-microsoft-com:vml" xmlns:pvml="urn:schemas-microsoft-com:office:powerpoint" xmlns:com="http://schemas.openxmlformats.org/drawingml/2006/compatibility" xmlns:p14="http://schemas.microsoft.com/office/powerpoint/2010/main" showMasterPhAnim="0" showMasterSp="0">
   <p:cSld>
     <p:spTree>
@@ -2230,7 +2221,7 @@
 </p:notes>
 </file>
 
-<file path=ppt/notesSlides/notesSlide26.xml><?xml version="1.0" encoding="utf-8"?>
+<file path=ppt/notesSlides/notesSlide27.xml><?xml version="1.0" encoding="utf-8"?>
 <p:notes xmlns:a="http://schemas.openxmlformats.org/drawingml/2006/main" xmlns:r="http://schemas.openxmlformats.org/officeDocument/2006/relationships" xmlns:mc="http://schemas.openxmlformats.org/markup-compatibility/2006" xmlns:mv="urn:schemas-microsoft-com:mac:vml" xmlns:p="http://schemas.openxmlformats.org/presentationml/2006/main" xmlns:c="http://schemas.openxmlformats.org/drawingml/2006/chart" xmlns:dgm="http://schemas.openxmlformats.org/drawingml/2006/diagram" xmlns:o="urn:schemas-microsoft-com:office:office" xmlns:v="urn:schemas-microsoft-com:vml" xmlns:pvml="urn:schemas-microsoft-com:office:powerpoint" xmlns:com="http://schemas.openxmlformats.org/drawingml/2006/compatibility" xmlns:p14="http://schemas.microsoft.com/office/powerpoint/2010/main" showMasterPhAnim="0" showMasterSp="0">
   <p:cSld>
     <p:spTree>
@@ -2325,7 +2316,7 @@
 </p:notes>
 </file>
 
-<file path=ppt/notesSlides/notesSlide27.xml><?xml version="1.0" encoding="utf-8"?>
+<file path=ppt/notesSlides/notesSlide28.xml><?xml version="1.0" encoding="utf-8"?>
 <p:notes xmlns:a="http://schemas.openxmlformats.org/drawingml/2006/main" xmlns:r="http://schemas.openxmlformats.org/officeDocument/2006/relationships" xmlns:mc="http://schemas.openxmlformats.org/markup-compatibility/2006" xmlns:mv="urn:schemas-microsoft-com:mac:vml" xmlns:p="http://schemas.openxmlformats.org/presentationml/2006/main" xmlns:c="http://schemas.openxmlformats.org/drawingml/2006/chart" xmlns:dgm="http://schemas.openxmlformats.org/drawingml/2006/diagram" xmlns:o="urn:schemas-microsoft-com:office:office" xmlns:v="urn:schemas-microsoft-com:vml" xmlns:pvml="urn:schemas-microsoft-com:office:powerpoint" xmlns:com="http://schemas.openxmlformats.org/drawingml/2006/compatibility" xmlns:p14="http://schemas.microsoft.com/office/powerpoint/2010/main" showMasterPhAnim="0" showMasterSp="0">
   <p:cSld>
     <p:spTree>
@@ -2420,7 +2411,7 @@
 </p:notes>
 </file>
 
-<file path=ppt/notesSlides/notesSlide28.xml><?xml version="1.0" encoding="utf-8"?>
+<file path=ppt/notesSlides/notesSlide29.xml><?xml version="1.0" encoding="utf-8"?>
 <p:notes xmlns:a="http://schemas.openxmlformats.org/drawingml/2006/main" xmlns:r="http://schemas.openxmlformats.org/officeDocument/2006/relationships" xmlns:mc="http://schemas.openxmlformats.org/markup-compatibility/2006" xmlns:mv="urn:schemas-microsoft-com:mac:vml" xmlns:p="http://schemas.openxmlformats.org/presentationml/2006/main" xmlns:c="http://schemas.openxmlformats.org/drawingml/2006/chart" xmlns:dgm="http://schemas.openxmlformats.org/drawingml/2006/diagram" xmlns:o="urn:schemas-microsoft-com:office:office" xmlns:v="urn:schemas-microsoft-com:vml" xmlns:pvml="urn:schemas-microsoft-com:office:powerpoint" xmlns:com="http://schemas.openxmlformats.org/drawingml/2006/compatibility" xmlns:p14="http://schemas.microsoft.com/office/powerpoint/2010/main" showMasterPhAnim="0" showMasterSp="0">
   <p:cSld>
     <p:spTree>
@@ -2515,12 +2506,12 @@
 </p:notes>
 </file>
 
-<file path=ppt/notesSlides/notesSlide29.xml><?xml version="1.0" encoding="utf-8"?>
+<file path=ppt/notesSlides/notesSlide3.xml><?xml version="1.0" encoding="utf-8"?>
 <p:notes xmlns:a="http://schemas.openxmlformats.org/drawingml/2006/main" xmlns:r="http://schemas.openxmlformats.org/officeDocument/2006/relationships" xmlns:mc="http://schemas.openxmlformats.org/markup-compatibility/2006" xmlns:mv="urn:schemas-microsoft-com:mac:vml" xmlns:p="http://schemas.openxmlformats.org/presentationml/2006/main" xmlns:c="http://schemas.openxmlformats.org/drawingml/2006/chart" xmlns:dgm="http://schemas.openxmlformats.org/drawingml/2006/diagram" xmlns:o="urn:schemas-microsoft-com:office:office" xmlns:v="urn:schemas-microsoft-com:vml" xmlns:pvml="urn:schemas-microsoft-com:office:powerpoint" xmlns:com="http://schemas.openxmlformats.org/drawingml/2006/compatibility" xmlns:p14="http://schemas.microsoft.com/office/powerpoint/2010/main" showMasterPhAnim="0" showMasterSp="0">
   <p:cSld>
     <p:spTree>
       <p:nvGrpSpPr>
-        <p:cNvPr id="215" name="Shape 215"/>
+        <p:cNvPr id="53" name="Shape 53"/>
         <p:cNvGrpSpPr/>
         <p:nvPr/>
       </p:nvGrpSpPr>
@@ -2534,7 +2525,7 @@
       </p:grpSpPr>
       <p:sp>
         <p:nvSpPr>
-          <p:cNvPr id="216" name="Shape 216"/>
+          <p:cNvPr id="54" name="Shape 54"/>
           <p:cNvSpPr/>
           <p:nvPr>
             <p:ph idx="2" type="sldImg"/>
@@ -2568,7 +2559,7 @@
       </p:sp>
       <p:sp>
         <p:nvSpPr>
-          <p:cNvPr id="217" name="Shape 217"/>
+          <p:cNvPr id="55" name="Shape 55"/>
           <p:cNvSpPr txBox="1"/>
           <p:nvPr>
             <p:ph idx="1" type="body"/>
@@ -2588,32 +2579,6 @@
             <a:noAutofit/>
           </a:bodyPr>
           <a:lstStyle/>
-          <a:p>
-            <a:pPr lvl="0" rtl="0">
-              <a:lnSpc>
-                <a:spcPct val="115000"/>
-              </a:lnSpc>
-              <a:spcBef>
-                <a:spcPts val="0"/>
-              </a:spcBef>
-              <a:buNone/>
-            </a:pPr>
-            <a:r>
-              <a:t/>
-            </a:r>
-            <a:endParaRPr sz="1000">
-              <a:solidFill>
-                <a:schemeClr val="dk2"/>
-              </a:solidFill>
-              <a:highlight>
-                <a:srgbClr val="EEEEEE"/>
-              </a:highlight>
-              <a:latin typeface="Consolas"/>
-              <a:ea typeface="Consolas"/>
-              <a:cs typeface="Consolas"/>
-              <a:sym typeface="Consolas"/>
-            </a:endParaRPr>
-          </a:p>
           <a:p>
             <a:pPr lvl="0">
               <a:spcBef>
@@ -2636,12 +2601,12 @@
 </p:notes>
 </file>
 
-<file path=ppt/notesSlides/notesSlide3.xml><?xml version="1.0" encoding="utf-8"?>
+<file path=ppt/notesSlides/notesSlide30.xml><?xml version="1.0" encoding="utf-8"?>
 <p:notes xmlns:a="http://schemas.openxmlformats.org/drawingml/2006/main" xmlns:r="http://schemas.openxmlformats.org/officeDocument/2006/relationships" xmlns:mc="http://schemas.openxmlformats.org/markup-compatibility/2006" xmlns:mv="urn:schemas-microsoft-com:mac:vml" xmlns:p="http://schemas.openxmlformats.org/presentationml/2006/main" xmlns:c="http://schemas.openxmlformats.org/drawingml/2006/chart" xmlns:dgm="http://schemas.openxmlformats.org/drawingml/2006/diagram" xmlns:o="urn:schemas-microsoft-com:office:office" xmlns:v="urn:schemas-microsoft-com:vml" xmlns:pvml="urn:schemas-microsoft-com:office:powerpoint" xmlns:com="http://schemas.openxmlformats.org/drawingml/2006/compatibility" xmlns:p14="http://schemas.microsoft.com/office/powerpoint/2010/main" showMasterPhAnim="0" showMasterSp="0">
   <p:cSld>
     <p:spTree>
       <p:nvGrpSpPr>
-        <p:cNvPr id="59" name="Shape 59"/>
+        <p:cNvPr id="215" name="Shape 215"/>
         <p:cNvGrpSpPr/>
         <p:nvPr/>
       </p:nvGrpSpPr>
@@ -2655,7 +2620,7 @@
       </p:grpSpPr>
       <p:sp>
         <p:nvSpPr>
-          <p:cNvPr id="60" name="Shape 60"/>
+          <p:cNvPr id="216" name="Shape 216"/>
           <p:cNvSpPr/>
           <p:nvPr>
             <p:ph idx="2" type="sldImg"/>
@@ -2689,7 +2654,7 @@
       </p:sp>
       <p:sp>
         <p:nvSpPr>
-          <p:cNvPr id="61" name="Shape 61"/>
+          <p:cNvPr id="217" name="Shape 217"/>
           <p:cNvSpPr txBox="1"/>
           <p:nvPr>
             <p:ph idx="1" type="body"/>
@@ -2709,6 +2674,32 @@
             <a:noAutofit/>
           </a:bodyPr>
           <a:lstStyle/>
+          <a:p>
+            <a:pPr lvl="0" rtl="0">
+              <a:lnSpc>
+                <a:spcPct val="115000"/>
+              </a:lnSpc>
+              <a:spcBef>
+                <a:spcPts val="0"/>
+              </a:spcBef>
+              <a:buNone/>
+            </a:pPr>
+            <a:r>
+              <a:t/>
+            </a:r>
+            <a:endParaRPr sz="1000">
+              <a:solidFill>
+                <a:schemeClr val="dk2"/>
+              </a:solidFill>
+              <a:highlight>
+                <a:srgbClr val="EEEEEE"/>
+              </a:highlight>
+              <a:latin typeface="Consolas"/>
+              <a:ea typeface="Consolas"/>
+              <a:cs typeface="Consolas"/>
+              <a:sym typeface="Consolas"/>
+            </a:endParaRPr>
+          </a:p>
           <a:p>
             <a:pPr lvl="0">
               <a:spcBef>
@@ -2736,7 +2727,7 @@
   <p:cSld>
     <p:spTree>
       <p:nvGrpSpPr>
-        <p:cNvPr id="65" name="Shape 65"/>
+        <p:cNvPr id="59" name="Shape 59"/>
         <p:cNvGrpSpPr/>
         <p:nvPr/>
       </p:nvGrpSpPr>
@@ -2750,7 +2741,7 @@
       </p:grpSpPr>
       <p:sp>
         <p:nvSpPr>
-          <p:cNvPr id="66" name="Shape 66"/>
+          <p:cNvPr id="60" name="Shape 60"/>
           <p:cNvSpPr/>
           <p:nvPr>
             <p:ph idx="2" type="sldImg"/>
@@ -2784,7 +2775,7 @@
       </p:sp>
       <p:sp>
         <p:nvSpPr>
-          <p:cNvPr id="67" name="Shape 67"/>
+          <p:cNvPr id="61" name="Shape 61"/>
           <p:cNvSpPr txBox="1"/>
           <p:nvPr>
             <p:ph idx="1" type="body"/>
@@ -2831,7 +2822,7 @@
   <p:cSld>
     <p:spTree>
       <p:nvGrpSpPr>
-        <p:cNvPr id="71" name="Shape 71"/>
+        <p:cNvPr id="65" name="Shape 65"/>
         <p:cNvGrpSpPr/>
         <p:nvPr/>
       </p:nvGrpSpPr>
@@ -2845,7 +2836,7 @@
       </p:grpSpPr>
       <p:sp>
         <p:nvSpPr>
-          <p:cNvPr id="72" name="Shape 72"/>
+          <p:cNvPr id="66" name="Shape 66"/>
           <p:cNvSpPr/>
           <p:nvPr>
             <p:ph idx="2" type="sldImg"/>
@@ -2879,7 +2870,7 @@
       </p:sp>
       <p:sp>
         <p:nvSpPr>
-          <p:cNvPr id="73" name="Shape 73"/>
+          <p:cNvPr id="67" name="Shape 67"/>
           <p:cNvSpPr txBox="1"/>
           <p:nvPr>
             <p:ph idx="1" type="body"/>
@@ -2926,7 +2917,7 @@
   <p:cSld>
     <p:spTree>
       <p:nvGrpSpPr>
-        <p:cNvPr id="77" name="Shape 77"/>
+        <p:cNvPr id="71" name="Shape 71"/>
         <p:cNvGrpSpPr/>
         <p:nvPr/>
       </p:nvGrpSpPr>
@@ -2940,7 +2931,7 @@
       </p:grpSpPr>
       <p:sp>
         <p:nvSpPr>
-          <p:cNvPr id="78" name="Shape 78"/>
+          <p:cNvPr id="72" name="Shape 72"/>
           <p:cNvSpPr/>
           <p:nvPr>
             <p:ph idx="2" type="sldImg"/>
@@ -2974,7 +2965,7 @@
       </p:sp>
       <p:sp>
         <p:nvSpPr>
-          <p:cNvPr id="79" name="Shape 79"/>
+          <p:cNvPr id="73" name="Shape 73"/>
           <p:cNvSpPr txBox="1"/>
           <p:nvPr>
             <p:ph idx="1" type="body"/>
@@ -3021,7 +3012,7 @@
   <p:cSld>
     <p:spTree>
       <p:nvGrpSpPr>
-        <p:cNvPr id="83" name="Shape 83"/>
+        <p:cNvPr id="77" name="Shape 77"/>
         <p:cNvGrpSpPr/>
         <p:nvPr/>
       </p:nvGrpSpPr>
@@ -3035,7 +3026,7 @@
       </p:grpSpPr>
       <p:sp>
         <p:nvSpPr>
-          <p:cNvPr id="84" name="Shape 84"/>
+          <p:cNvPr id="78" name="Shape 78"/>
           <p:cNvSpPr/>
           <p:nvPr>
             <p:ph idx="2" type="sldImg"/>
@@ -3069,7 +3060,7 @@
       </p:sp>
       <p:sp>
         <p:nvSpPr>
-          <p:cNvPr id="85" name="Shape 85"/>
+          <p:cNvPr id="79" name="Shape 79"/>
           <p:cNvSpPr txBox="1"/>
           <p:nvPr>
             <p:ph idx="1" type="body"/>
@@ -3116,7 +3107,7 @@
   <p:cSld>
     <p:spTree>
       <p:nvGrpSpPr>
-        <p:cNvPr id="89" name="Shape 89"/>
+        <p:cNvPr id="83" name="Shape 83"/>
         <p:cNvGrpSpPr/>
         <p:nvPr/>
       </p:nvGrpSpPr>
@@ -3130,7 +3121,7 @@
       </p:grpSpPr>
       <p:sp>
         <p:nvSpPr>
-          <p:cNvPr id="90" name="Shape 90"/>
+          <p:cNvPr id="84" name="Shape 84"/>
           <p:cNvSpPr/>
           <p:nvPr>
             <p:ph idx="2" type="sldImg"/>
@@ -3164,7 +3155,7 @@
       </p:sp>
       <p:sp>
         <p:nvSpPr>
-          <p:cNvPr id="91" name="Shape 91"/>
+          <p:cNvPr id="85" name="Shape 85"/>
           <p:cNvSpPr txBox="1"/>
           <p:nvPr>
             <p:ph idx="1" type="body"/>
@@ -3211,7 +3202,7 @@
   <p:cSld>
     <p:spTree>
       <p:nvGrpSpPr>
-        <p:cNvPr id="95" name="Shape 95"/>
+        <p:cNvPr id="89" name="Shape 89"/>
         <p:cNvGrpSpPr/>
         <p:nvPr/>
       </p:nvGrpSpPr>
@@ -3225,7 +3216,7 @@
       </p:grpSpPr>
       <p:sp>
         <p:nvSpPr>
-          <p:cNvPr id="96" name="Shape 96"/>
+          <p:cNvPr id="90" name="Shape 90"/>
           <p:cNvSpPr/>
           <p:nvPr>
             <p:ph idx="2" type="sldImg"/>
@@ -3259,7 +3250,7 @@
       </p:sp>
       <p:sp>
         <p:nvSpPr>
-          <p:cNvPr id="97" name="Shape 97"/>
+          <p:cNvPr id="91" name="Shape 91"/>
           <p:cNvSpPr txBox="1"/>
           <p:nvPr>
             <p:ph idx="1" type="body"/>
@@ -3301,7 +3292,7 @@
 </p:notes>
 </file>
 
-<file path=ppt/slideLayouts/slideLayout.xml><?xml version="1.0" encoding="utf-8"?>
+<file path=ppt/slideLayouts/slideLayout1.xml><?xml version="1.0" encoding="utf-8"?>
 <p:sldLayout xmlns:a="http://schemas.openxmlformats.org/drawingml/2006/main" xmlns:r="http://schemas.openxmlformats.org/officeDocument/2006/relationships" xmlns:mc="http://schemas.openxmlformats.org/markup-compatibility/2006" xmlns:mv="urn:schemas-microsoft-com:mac:vml" xmlns:p="http://schemas.openxmlformats.org/presentationml/2006/main" xmlns:c="http://schemas.openxmlformats.org/drawingml/2006/chart" xmlns:dgm="http://schemas.openxmlformats.org/drawingml/2006/diagram" xmlns:o="urn:schemas-microsoft-com:office:office" xmlns:v="urn:schemas-microsoft-com:vml" xmlns:pvml="urn:schemas-microsoft-com:office:powerpoint" xmlns:com="http://schemas.openxmlformats.org/drawingml/2006/compatibility" xmlns:p14="http://schemas.microsoft.com/office/powerpoint/2010/main" type="title">
   <p:cSld name="Title slide">
     <p:spTree>
@@ -3628,7 +3619,7 @@
 </p:sldLayout>
 </file>
 
-<file path=ppt/slideLayouts/slideLayout1.xml><?xml version="1.0" encoding="utf-8"?>
+<file path=ppt/slideLayouts/slideLayout2.xml><?xml version="1.0" encoding="utf-8"?>
 <p:sldLayout xmlns:a="http://schemas.openxmlformats.org/drawingml/2006/main" xmlns:r="http://schemas.openxmlformats.org/officeDocument/2006/relationships" xmlns:mc="http://schemas.openxmlformats.org/markup-compatibility/2006" xmlns:mv="urn:schemas-microsoft-com:mac:vml" xmlns:p="http://schemas.openxmlformats.org/presentationml/2006/main" xmlns:c="http://schemas.openxmlformats.org/drawingml/2006/chart" xmlns:dgm="http://schemas.openxmlformats.org/drawingml/2006/diagram" xmlns:o="urn:schemas-microsoft-com:office:office" xmlns:v="urn:schemas-microsoft-com:vml" xmlns:pvml="urn:schemas-microsoft-com:office:powerpoint" xmlns:com="http://schemas.openxmlformats.org/drawingml/2006/compatibility" xmlns:p14="http://schemas.microsoft.com/office/powerpoint/2010/main" type="tx">
   <p:cSld name="Title and body">
     <p:spTree>
@@ -3930,7 +3921,7 @@
 </p:sldLayout>
 </file>
 
-<file path=ppt/slideLayouts/slideLayout2.xml><?xml version="1.0" encoding="utf-8"?>
+<file path=ppt/slideLayouts/slideLayout3.xml><?xml version="1.0" encoding="utf-8"?>
 <p:sldLayout xmlns:a="http://schemas.openxmlformats.org/drawingml/2006/main" xmlns:r="http://schemas.openxmlformats.org/officeDocument/2006/relationships" xmlns:mc="http://schemas.openxmlformats.org/markup-compatibility/2006" xmlns:mv="urn:schemas-microsoft-com:mac:vml" xmlns:p="http://schemas.openxmlformats.org/presentationml/2006/main" xmlns:c="http://schemas.openxmlformats.org/drawingml/2006/chart" xmlns:dgm="http://schemas.openxmlformats.org/drawingml/2006/diagram" xmlns:o="urn:schemas-microsoft-com:office:office" xmlns:v="urn:schemas-microsoft-com:vml" xmlns:pvml="urn:schemas-microsoft-com:office:powerpoint" xmlns:com="http://schemas.openxmlformats.org/drawingml/2006/compatibility" xmlns:p14="http://schemas.microsoft.com/office/powerpoint/2010/main" type="twoColTx">
   <p:cSld name="Title and two columns">
     <p:spTree>
@@ -4352,7 +4343,7 @@
 </p:sldLayout>
 </file>
 
-<file path=ppt/slideLayouts/slideLayout3.xml><?xml version="1.0" encoding="utf-8"?>
+<file path=ppt/slideLayouts/slideLayout4.xml><?xml version="1.0" encoding="utf-8"?>
 <p:sldLayout xmlns:a="http://schemas.openxmlformats.org/drawingml/2006/main" xmlns:r="http://schemas.openxmlformats.org/officeDocument/2006/relationships" xmlns:mc="http://schemas.openxmlformats.org/markup-compatibility/2006" xmlns:mv="urn:schemas-microsoft-com:mac:vml" xmlns:p="http://schemas.openxmlformats.org/presentationml/2006/main" xmlns:c="http://schemas.openxmlformats.org/drawingml/2006/chart" xmlns:dgm="http://schemas.openxmlformats.org/drawingml/2006/diagram" xmlns:o="urn:schemas-microsoft-com:office:office" xmlns:v="urn:schemas-microsoft-com:vml" xmlns:pvml="urn:schemas-microsoft-com:office:powerpoint" xmlns:com="http://schemas.openxmlformats.org/drawingml/2006/compatibility" xmlns:p14="http://schemas.microsoft.com/office/powerpoint/2010/main" type="titleOnly">
   <p:cSld name="Title only">
     <p:spTree>
@@ -4576,7 +4567,7 @@
 </p:sldLayout>
 </file>
 
-<file path=ppt/slideLayouts/slideLayout4.xml><?xml version="1.0" encoding="utf-8"?>
+<file path=ppt/slideLayouts/slideLayout5.xml><?xml version="1.0" encoding="utf-8"?>
 <p:sldLayout xmlns:a="http://schemas.openxmlformats.org/drawingml/2006/main" xmlns:r="http://schemas.openxmlformats.org/officeDocument/2006/relationships" xmlns:mc="http://schemas.openxmlformats.org/markup-compatibility/2006" xmlns:mv="urn:schemas-microsoft-com:mac:vml" xmlns:p="http://schemas.openxmlformats.org/presentationml/2006/main" xmlns:c="http://schemas.openxmlformats.org/drawingml/2006/chart" xmlns:dgm="http://schemas.openxmlformats.org/drawingml/2006/diagram" xmlns:o="urn:schemas-microsoft-com:office:office" xmlns:v="urn:schemas-microsoft-com:vml" xmlns:pvml="urn:schemas-microsoft-com:office:powerpoint" xmlns:com="http://schemas.openxmlformats.org/drawingml/2006/compatibility" xmlns:p14="http://schemas.microsoft.com/office/powerpoint/2010/main">
   <p:cSld name="Caption">
     <p:spTree>
@@ -4718,7 +4709,7 @@
 </p:sldLayout>
 </file>
 
-<file path=ppt/slideLayouts/slideLayout5.xml><?xml version="1.0" encoding="utf-8"?>
+<file path=ppt/slideLayouts/slideLayout6.xml><?xml version="1.0" encoding="utf-8"?>
 <p:sldLayout xmlns:a="http://schemas.openxmlformats.org/drawingml/2006/main" xmlns:r="http://schemas.openxmlformats.org/officeDocument/2006/relationships" xmlns:mc="http://schemas.openxmlformats.org/markup-compatibility/2006" xmlns:mv="urn:schemas-microsoft-com:mac:vml" xmlns:p="http://schemas.openxmlformats.org/presentationml/2006/main" xmlns:c="http://schemas.openxmlformats.org/drawingml/2006/chart" xmlns:dgm="http://schemas.openxmlformats.org/drawingml/2006/diagram" xmlns:o="urn:schemas-microsoft-com:office:office" xmlns:v="urn:schemas-microsoft-com:vml" xmlns:pvml="urn:schemas-microsoft-com:office:powerpoint" xmlns:com="http://schemas.openxmlformats.org/drawingml/2006/compatibility" xmlns:p14="http://schemas.microsoft.com/office/powerpoint/2010/main" type="blank">
   <p:cSld name="Blank">
     <p:spTree>
@@ -4821,7 +4812,7 @@
 </p:sldLayout>
 </file>
 
-<file path=ppt/slideMasters/slideMaster.xml><?xml version="1.0" encoding="utf-8"?>
+<file path=ppt/slideMasters/slideMaster1.xml><?xml version="1.0" encoding="utf-8"?>
 <p:sldMaster xmlns:a="http://schemas.openxmlformats.org/drawingml/2006/main" xmlns:r="http://schemas.openxmlformats.org/officeDocument/2006/relationships" xmlns:mc="http://schemas.openxmlformats.org/markup-compatibility/2006" xmlns:mv="urn:schemas-microsoft-com:mac:vml" xmlns:p="http://schemas.openxmlformats.org/presentationml/2006/main" xmlns:c="http://schemas.openxmlformats.org/drawingml/2006/chart" xmlns:dgm="http://schemas.openxmlformats.org/drawingml/2006/diagram" xmlns:o="urn:schemas-microsoft-com:office:office" xmlns:v="urn:schemas-microsoft-com:vml" xmlns:pvml="urn:schemas-microsoft-com:office:powerpoint" xmlns:com="http://schemas.openxmlformats.org/drawingml/2006/compatibility" xmlns:p14="http://schemas.microsoft.com/office/powerpoint/2010/main">
   <p:cSld>
     <p:bg>
@@ -5250,7 +5241,6 @@
           <a:ea typeface="Arial"/>
           <a:cs typeface="Arial"/>
           <a:sym typeface="Arial"/>
-          <a:rtl val="0"/>
         </a:defRPr>
       </a:lvl1pPr>
     </p:titleStyle>
@@ -5285,7 +5275,6 @@
           <a:ea typeface="Arial"/>
           <a:cs typeface="Arial"/>
           <a:sym typeface="Arial"/>
-          <a:rtl val="0"/>
         </a:defRPr>
       </a:lvl1pPr>
       <a:lvl2pPr lvl="1" marR="0" rtl="0" algn="l">
@@ -5307,7 +5296,6 @@
           <a:ea typeface="Arial"/>
           <a:cs typeface="Arial"/>
           <a:sym typeface="Arial"/>
-          <a:rtl val="0"/>
         </a:defRPr>
       </a:lvl2pPr>
       <a:lvl3pPr lvl="2" marR="0" rtl="0" algn="l">
@@ -5329,7 +5317,6 @@
           <a:ea typeface="Arial"/>
           <a:cs typeface="Arial"/>
           <a:sym typeface="Arial"/>
-          <a:rtl val="0"/>
         </a:defRPr>
       </a:lvl3pPr>
       <a:lvl4pPr lvl="3" marR="0" rtl="0" algn="l">
@@ -5351,7 +5338,6 @@
           <a:ea typeface="Arial"/>
           <a:cs typeface="Arial"/>
           <a:sym typeface="Arial"/>
-          <a:rtl val="0"/>
         </a:defRPr>
       </a:lvl4pPr>
       <a:lvl5pPr lvl="4" marR="0" rtl="0" algn="l">
@@ -5373,7 +5359,6 @@
           <a:ea typeface="Arial"/>
           <a:cs typeface="Arial"/>
           <a:sym typeface="Arial"/>
-          <a:rtl val="0"/>
         </a:defRPr>
       </a:lvl5pPr>
       <a:lvl6pPr lvl="5" marR="0" rtl="0" algn="l">
@@ -5395,7 +5380,6 @@
           <a:ea typeface="Arial"/>
           <a:cs typeface="Arial"/>
           <a:sym typeface="Arial"/>
-          <a:rtl val="0"/>
         </a:defRPr>
       </a:lvl6pPr>
       <a:lvl7pPr lvl="6" marR="0" rtl="0" algn="l">
@@ -5417,7 +5401,6 @@
           <a:ea typeface="Arial"/>
           <a:cs typeface="Arial"/>
           <a:sym typeface="Arial"/>
-          <a:rtl val="0"/>
         </a:defRPr>
       </a:lvl7pPr>
       <a:lvl8pPr lvl="7" marR="0" rtl="0" algn="l">
@@ -5439,7 +5422,6 @@
           <a:ea typeface="Arial"/>
           <a:cs typeface="Arial"/>
           <a:sym typeface="Arial"/>
-          <a:rtl val="0"/>
         </a:defRPr>
       </a:lvl8pPr>
       <a:lvl9pPr lvl="8" marR="0" rtl="0" algn="l">
@@ -5461,7 +5443,6 @@
           <a:ea typeface="Arial"/>
           <a:cs typeface="Arial"/>
           <a:sym typeface="Arial"/>
-          <a:rtl val="0"/>
         </a:defRPr>
       </a:lvl9pPr>
     </p:bodyStyle>
@@ -5496,7 +5477,6 @@
           <a:ea typeface="Arial"/>
           <a:cs typeface="Arial"/>
           <a:sym typeface="Arial"/>
-          <a:rtl val="0"/>
         </a:defRPr>
       </a:lvl1pPr>
       <a:lvl2pPr lvl="1" marR="0" rtl="0" algn="l">
@@ -5518,7 +5498,6 @@
           <a:ea typeface="Arial"/>
           <a:cs typeface="Arial"/>
           <a:sym typeface="Arial"/>
-          <a:rtl val="0"/>
         </a:defRPr>
       </a:lvl2pPr>
       <a:lvl3pPr lvl="2" marR="0" rtl="0" algn="l">
@@ -5540,7 +5519,6 @@
           <a:ea typeface="Arial"/>
           <a:cs typeface="Arial"/>
           <a:sym typeface="Arial"/>
-          <a:rtl val="0"/>
         </a:defRPr>
       </a:lvl3pPr>
       <a:lvl4pPr lvl="3" marR="0" rtl="0" algn="l">
@@ -5562,7 +5540,6 @@
           <a:ea typeface="Arial"/>
           <a:cs typeface="Arial"/>
           <a:sym typeface="Arial"/>
-          <a:rtl val="0"/>
         </a:defRPr>
       </a:lvl4pPr>
       <a:lvl5pPr lvl="4" marR="0" rtl="0" algn="l">
@@ -5584,7 +5561,6 @@
           <a:ea typeface="Arial"/>
           <a:cs typeface="Arial"/>
           <a:sym typeface="Arial"/>
-          <a:rtl val="0"/>
         </a:defRPr>
       </a:lvl5pPr>
       <a:lvl6pPr lvl="5" marR="0" rtl="0" algn="l">
@@ -5606,7 +5582,6 @@
           <a:ea typeface="Arial"/>
           <a:cs typeface="Arial"/>
           <a:sym typeface="Arial"/>
-          <a:rtl val="0"/>
         </a:defRPr>
       </a:lvl6pPr>
       <a:lvl7pPr lvl="6" marR="0" rtl="0" algn="l">
@@ -5628,7 +5603,6 @@
           <a:ea typeface="Arial"/>
           <a:cs typeface="Arial"/>
           <a:sym typeface="Arial"/>
-          <a:rtl val="0"/>
         </a:defRPr>
       </a:lvl7pPr>
       <a:lvl8pPr lvl="7" marR="0" rtl="0" algn="l">
@@ -5650,7 +5624,6 @@
           <a:ea typeface="Arial"/>
           <a:cs typeface="Arial"/>
           <a:sym typeface="Arial"/>
-          <a:rtl val="0"/>
         </a:defRPr>
       </a:lvl8pPr>
       <a:lvl9pPr lvl="8" marR="0" rtl="0" algn="l">
@@ -5672,7 +5645,6 @@
           <a:ea typeface="Arial"/>
           <a:cs typeface="Arial"/>
           <a:sym typeface="Arial"/>
-          <a:rtl val="0"/>
         </a:defRPr>
       </a:lvl9pPr>
     </p:otherStyle>
@@ -5680,7 +5652,7 @@
 </p:sldMaster>
 </file>
 
-<file path=ppt/slides/slide.xml><?xml version="1.0" encoding="utf-8"?>
+<file path=ppt/slides/slide1.xml><?xml version="1.0" encoding="utf-8"?>
 <p:sld xmlns:a="http://schemas.openxmlformats.org/drawingml/2006/main" xmlns:r="http://schemas.openxmlformats.org/officeDocument/2006/relationships" xmlns:mc="http://schemas.openxmlformats.org/markup-compatibility/2006" xmlns:mv="urn:schemas-microsoft-com:mac:vml" xmlns:p="http://schemas.openxmlformats.org/presentationml/2006/main" xmlns:c="http://schemas.openxmlformats.org/drawingml/2006/chart" xmlns:dgm="http://schemas.openxmlformats.org/drawingml/2006/diagram" xmlns:o="urn:schemas-microsoft-com:office:office" xmlns:v="urn:schemas-microsoft-com:vml" xmlns:pvml="urn:schemas-microsoft-com:office:powerpoint" xmlns:com="http://schemas.openxmlformats.org/drawingml/2006/compatibility" xmlns:p14="http://schemas.microsoft.com/office/powerpoint/2010/main">
   <p:cSld>
     <p:spTree>
@@ -5780,7 +5752,1653 @@
 </p:sld>
 </file>
 
-<file path=ppt/slides/slide1.xml><?xml version="1.0" encoding="utf-8"?>
+<file path=ppt/slides/slide10.xml><?xml version="1.0" encoding="utf-8"?>
+<p:sld xmlns:a="http://schemas.openxmlformats.org/drawingml/2006/main" xmlns:r="http://schemas.openxmlformats.org/officeDocument/2006/relationships" xmlns:mc="http://schemas.openxmlformats.org/markup-compatibility/2006" xmlns:mv="urn:schemas-microsoft-com:mac:vml" xmlns:p="http://schemas.openxmlformats.org/presentationml/2006/main" xmlns:c="http://schemas.openxmlformats.org/drawingml/2006/chart" xmlns:dgm="http://schemas.openxmlformats.org/drawingml/2006/diagram" xmlns:o="urn:schemas-microsoft-com:office:office" xmlns:v="urn:schemas-microsoft-com:vml" xmlns:pvml="urn:schemas-microsoft-com:office:powerpoint" xmlns:com="http://schemas.openxmlformats.org/drawingml/2006/compatibility" xmlns:p14="http://schemas.microsoft.com/office/powerpoint/2010/main">
+  <p:cSld>
+    <p:spTree>
+      <p:nvGrpSpPr>
+        <p:cNvPr id="98" name="Shape 98"/>
+        <p:cNvGrpSpPr/>
+        <p:nvPr/>
+      </p:nvGrpSpPr>
+      <p:grpSpPr>
+        <a:xfrm>
+          <a:off x="0" y="0"/>
+          <a:ext cx="0" cy="0"/>
+          <a:chOff x="0" y="0"/>
+          <a:chExt cx="0" cy="0"/>
+        </a:xfrm>
+      </p:grpSpPr>
+      <p:sp>
+        <p:nvSpPr>
+          <p:cNvPr id="99" name="Shape 99"/>
+          <p:cNvSpPr txBox="1"/>
+          <p:nvPr>
+            <p:ph type="title"/>
+          </p:nvPr>
+        </p:nvSpPr>
+        <p:spPr>
+          <a:xfrm>
+            <a:off x="457200" y="139527"/>
+            <a:ext cx="8229600" cy="857400"/>
+          </a:xfrm>
+          <a:prstGeom prst="rect">
+            <a:avLst/>
+          </a:prstGeom>
+        </p:spPr>
+        <p:txBody>
+          <a:bodyPr anchorCtr="0" anchor="b" bIns="91425" lIns="91425" rIns="91425" tIns="91425">
+            <a:noAutofit/>
+          </a:bodyPr>
+          <a:lstStyle/>
+          <a:p>
+            <a:pPr lvl="0">
+              <a:spcBef>
+                <a:spcPts val="0"/>
+              </a:spcBef>
+              <a:buNone/>
+            </a:pPr>
+            <a:r>
+              <a:rPr lang="es"/>
+              <a:t>Expresiones</a:t>
+            </a:r>
+          </a:p>
+        </p:txBody>
+      </p:sp>
+      <p:sp>
+        <p:nvSpPr>
+          <p:cNvPr id="100" name="Shape 100"/>
+          <p:cNvSpPr txBox="1"/>
+          <p:nvPr>
+            <p:ph idx="1" type="body"/>
+          </p:nvPr>
+        </p:nvSpPr>
+        <p:spPr>
+          <a:xfrm>
+            <a:off x="457200" y="1200150"/>
+            <a:ext cx="8229600" cy="3725699"/>
+          </a:xfrm>
+          <a:prstGeom prst="rect">
+            <a:avLst/>
+          </a:prstGeom>
+        </p:spPr>
+        <p:txBody>
+          <a:bodyPr anchorCtr="0" anchor="t" bIns="91425" lIns="91425" rIns="91425" tIns="91425">
+            <a:noAutofit/>
+          </a:bodyPr>
+          <a:lstStyle/>
+          <a:p>
+            <a:pPr indent="-228600" lvl="0" marL="457200" rtl="0">
+              <a:spcBef>
+                <a:spcPts val="0"/>
+              </a:spcBef>
+            </a:pPr>
+            <a:r>
+              <a:rPr lang="es"/>
+              <a:t>Hacen eco de cualquier expresión que pueda ser resuelta.</a:t>
+            </a:r>
+          </a:p>
+          <a:p>
+            <a:pPr indent="-228600" lvl="0" marL="457200" rtl="0">
+              <a:spcBef>
+                <a:spcPts val="0"/>
+              </a:spcBef>
+            </a:pPr>
+            <a:r>
+              <a:rPr lang="es"/>
+              <a:t>Dos formas</a:t>
+            </a:r>
+          </a:p>
+          <a:p>
+            <a:pPr indent="-228600" lvl="1" marL="914400" rtl="0">
+              <a:spcBef>
+                <a:spcPts val="0"/>
+              </a:spcBef>
+            </a:pPr>
+            <a:r>
+              <a:rPr lang="es">
+                <a:solidFill>
+                  <a:srgbClr val="0000FF"/>
+                </a:solidFill>
+              </a:rPr>
+              <a:t>&lt;%=</a:t>
+            </a:r>
+            <a:r>
+              <a:rPr lang="es"/>
+              <a:t>					</a:t>
+            </a:r>
+            <a:r>
+              <a:rPr lang="es">
+                <a:solidFill>
+                  <a:srgbClr val="980000"/>
+                </a:solidFill>
+              </a:rPr>
+              <a:t>expresión</a:t>
+            </a:r>
+            <a:r>
+              <a:rPr lang="es"/>
+              <a:t>		</a:t>
+            </a:r>
+            <a:r>
+              <a:rPr lang="es">
+                <a:solidFill>
+                  <a:srgbClr val="0000FF"/>
+                </a:solidFill>
+              </a:rPr>
+              <a:t>%&gt;</a:t>
+            </a:r>
+          </a:p>
+          <a:p>
+            <a:pPr indent="-228600" lvl="1" marL="914400" rtl="0">
+              <a:spcBef>
+                <a:spcPts val="0"/>
+              </a:spcBef>
+            </a:pPr>
+            <a:r>
+              <a:rPr lang="es">
+                <a:solidFill>
+                  <a:srgbClr val="0000FF"/>
+                </a:solidFill>
+              </a:rPr>
+              <a:t>&lt;jsp:expression&gt;</a:t>
+            </a:r>
+            <a:r>
+              <a:rPr lang="es"/>
+              <a:t>	</a:t>
+            </a:r>
+            <a:r>
+              <a:rPr lang="es">
+                <a:solidFill>
+                  <a:srgbClr val="980000"/>
+                </a:solidFill>
+              </a:rPr>
+              <a:t>expresión</a:t>
+            </a:r>
+            <a:r>
+              <a:rPr lang="es"/>
+              <a:t>		</a:t>
+            </a:r>
+            <a:r>
+              <a:rPr lang="es">
+                <a:solidFill>
+                  <a:srgbClr val="0000FF"/>
+                </a:solidFill>
+              </a:rPr>
+              <a:t>&lt;/jsp:expression&gt;</a:t>
+            </a:r>
+          </a:p>
+          <a:p>
+            <a:pPr indent="-228600" lvl="0" marL="457200" rtl="0">
+              <a:spcBef>
+                <a:spcPts val="0"/>
+              </a:spcBef>
+            </a:pPr>
+            <a:r>
+              <a:rPr lang="es"/>
+              <a:t>Ejemplo</a:t>
+            </a:r>
+          </a:p>
+          <a:p>
+            <a:pPr indent="-228600" lvl="1" marL="914400">
+              <a:spcBef>
+                <a:spcPts val="0"/>
+              </a:spcBef>
+            </a:pPr>
+            <a:r>
+              <a:rPr lang="es">
+                <a:solidFill>
+                  <a:srgbClr val="0000FF"/>
+                </a:solidFill>
+              </a:rPr>
+              <a:t>&lt;%=</a:t>
+            </a:r>
+            <a:r>
+              <a:rPr lang="es"/>
+              <a:t>	doble(8)	</a:t>
+            </a:r>
+            <a:r>
+              <a:rPr lang="es">
+                <a:solidFill>
+                  <a:srgbClr val="0000FF"/>
+                </a:solidFill>
+              </a:rPr>
+              <a:t>%&gt; </a:t>
+            </a:r>
+          </a:p>
+        </p:txBody>
+      </p:sp>
+    </p:spTree>
+  </p:cSld>
+  <p:clrMapOvr>
+    <a:masterClrMapping/>
+  </p:clrMapOvr>
+  <p:transition spd="slow">
+    <p:cut/>
+  </p:transition>
+</p:sld>
+</file>
+
+<file path=ppt/slides/slide11.xml><?xml version="1.0" encoding="utf-8"?>
+<p:sld xmlns:a="http://schemas.openxmlformats.org/drawingml/2006/main" xmlns:r="http://schemas.openxmlformats.org/officeDocument/2006/relationships" xmlns:mc="http://schemas.openxmlformats.org/markup-compatibility/2006" xmlns:mv="urn:schemas-microsoft-com:mac:vml" xmlns:p="http://schemas.openxmlformats.org/presentationml/2006/main" xmlns:c="http://schemas.openxmlformats.org/drawingml/2006/chart" xmlns:dgm="http://schemas.openxmlformats.org/drawingml/2006/diagram" xmlns:o="urn:schemas-microsoft-com:office:office" xmlns:v="urn:schemas-microsoft-com:vml" xmlns:pvml="urn:schemas-microsoft-com:office:powerpoint" xmlns:com="http://schemas.openxmlformats.org/drawingml/2006/compatibility" xmlns:p14="http://schemas.microsoft.com/office/powerpoint/2010/main">
+  <p:cSld>
+    <p:spTree>
+      <p:nvGrpSpPr>
+        <p:cNvPr id="104" name="Shape 104"/>
+        <p:cNvGrpSpPr/>
+        <p:nvPr/>
+      </p:nvGrpSpPr>
+      <p:grpSpPr>
+        <a:xfrm>
+          <a:off x="0" y="0"/>
+          <a:ext cx="0" cy="0"/>
+          <a:chOff x="0" y="0"/>
+          <a:chExt cx="0" cy="0"/>
+        </a:xfrm>
+      </p:grpSpPr>
+      <p:sp>
+        <p:nvSpPr>
+          <p:cNvPr id="105" name="Shape 105"/>
+          <p:cNvSpPr txBox="1"/>
+          <p:nvPr>
+            <p:ph type="title"/>
+          </p:nvPr>
+        </p:nvSpPr>
+        <p:spPr>
+          <a:xfrm>
+            <a:off x="457200" y="139527"/>
+            <a:ext cx="8229600" cy="857400"/>
+          </a:xfrm>
+          <a:prstGeom prst="rect">
+            <a:avLst/>
+          </a:prstGeom>
+        </p:spPr>
+        <p:txBody>
+          <a:bodyPr anchorCtr="0" anchor="b" bIns="91425" lIns="91425" rIns="91425" tIns="91425">
+            <a:noAutofit/>
+          </a:bodyPr>
+          <a:lstStyle/>
+          <a:p>
+            <a:pPr lvl="0">
+              <a:spcBef>
+                <a:spcPts val="0"/>
+              </a:spcBef>
+              <a:buNone/>
+            </a:pPr>
+            <a:r>
+              <a:rPr lang="es"/>
+              <a:t>Comentarios</a:t>
+            </a:r>
+          </a:p>
+        </p:txBody>
+      </p:sp>
+      <p:sp>
+        <p:nvSpPr>
+          <p:cNvPr id="106" name="Shape 106"/>
+          <p:cNvSpPr txBox="1"/>
+          <p:nvPr>
+            <p:ph idx="1" type="body"/>
+          </p:nvPr>
+        </p:nvSpPr>
+        <p:spPr>
+          <a:xfrm>
+            <a:off x="457200" y="1200150"/>
+            <a:ext cx="8229600" cy="3725699"/>
+          </a:xfrm>
+          <a:prstGeom prst="rect">
+            <a:avLst/>
+          </a:prstGeom>
+        </p:spPr>
+        <p:txBody>
+          <a:bodyPr anchorCtr="0" anchor="t" bIns="91425" lIns="91425" rIns="91425" tIns="91425">
+            <a:noAutofit/>
+          </a:bodyPr>
+          <a:lstStyle/>
+          <a:p>
+            <a:pPr indent="-228600" lvl="0" marL="457200" rtl="0">
+              <a:spcBef>
+                <a:spcPts val="0"/>
+              </a:spcBef>
+            </a:pPr>
+            <a:r>
+              <a:rPr lang="es"/>
+              <a:t>Son comentarios al código JSP que </a:t>
+            </a:r>
+            <a:r>
+              <a:rPr lang="es" u="sng"/>
+              <a:t>NO</a:t>
+            </a:r>
+            <a:r>
+              <a:rPr lang="es"/>
+              <a:t> se verán en la página HTML generada.</a:t>
+            </a:r>
+          </a:p>
+          <a:p>
+            <a:pPr indent="-228600" lvl="0" marL="457200">
+              <a:spcBef>
+                <a:spcPts val="0"/>
+              </a:spcBef>
+            </a:pPr>
+            <a:r>
+              <a:rPr lang="es">
+                <a:solidFill>
+                  <a:srgbClr val="0000FF"/>
+                </a:solidFill>
+              </a:rPr>
+              <a:t>&lt;%-- </a:t>
+            </a:r>
+            <a:r>
+              <a:rPr lang="es"/>
+              <a:t>	</a:t>
+            </a:r>
+            <a:r>
+              <a:rPr lang="es">
+                <a:solidFill>
+                  <a:srgbClr val="980000"/>
+                </a:solidFill>
+              </a:rPr>
+              <a:t>comentario</a:t>
+            </a:r>
+            <a:r>
+              <a:rPr lang="es"/>
+              <a:t> 	</a:t>
+            </a:r>
+            <a:r>
+              <a:rPr lang="es">
+                <a:solidFill>
+                  <a:srgbClr val="0000FF"/>
+                </a:solidFill>
+              </a:rPr>
+              <a:t>--%&gt;</a:t>
+            </a:r>
+          </a:p>
+        </p:txBody>
+      </p:sp>
+    </p:spTree>
+  </p:cSld>
+  <p:clrMapOvr>
+    <a:masterClrMapping/>
+  </p:clrMapOvr>
+  <p:transition spd="slow">
+    <p:cut/>
+  </p:transition>
+</p:sld>
+</file>
+
+<file path=ppt/slides/slide12.xml><?xml version="1.0" encoding="utf-8"?>
+<p:sld xmlns:a="http://schemas.openxmlformats.org/drawingml/2006/main" xmlns:r="http://schemas.openxmlformats.org/officeDocument/2006/relationships" xmlns:mc="http://schemas.openxmlformats.org/markup-compatibility/2006" xmlns:mv="urn:schemas-microsoft-com:mac:vml" xmlns:p="http://schemas.openxmlformats.org/presentationml/2006/main" xmlns:c="http://schemas.openxmlformats.org/drawingml/2006/chart" xmlns:dgm="http://schemas.openxmlformats.org/drawingml/2006/diagram" xmlns:o="urn:schemas-microsoft-com:office:office" xmlns:v="urn:schemas-microsoft-com:vml" xmlns:pvml="urn:schemas-microsoft-com:office:powerpoint" xmlns:com="http://schemas.openxmlformats.org/drawingml/2006/compatibility" xmlns:p14="http://schemas.microsoft.com/office/powerpoint/2010/main">
+  <p:cSld>
+    <p:spTree>
+      <p:nvGrpSpPr>
+        <p:cNvPr id="110" name="Shape 110"/>
+        <p:cNvGrpSpPr/>
+        <p:nvPr/>
+      </p:nvGrpSpPr>
+      <p:grpSpPr>
+        <a:xfrm>
+          <a:off x="0" y="0"/>
+          <a:ext cx="0" cy="0"/>
+          <a:chOff x="0" y="0"/>
+          <a:chExt cx="0" cy="0"/>
+        </a:xfrm>
+      </p:grpSpPr>
+      <p:sp>
+        <p:nvSpPr>
+          <p:cNvPr id="111" name="Shape 111"/>
+          <p:cNvSpPr txBox="1"/>
+          <p:nvPr>
+            <p:ph type="title"/>
+          </p:nvPr>
+        </p:nvSpPr>
+        <p:spPr>
+          <a:xfrm>
+            <a:off x="457200" y="139527"/>
+            <a:ext cx="8229600" cy="857400"/>
+          </a:xfrm>
+          <a:prstGeom prst="rect">
+            <a:avLst/>
+          </a:prstGeom>
+        </p:spPr>
+        <p:txBody>
+          <a:bodyPr anchorCtr="0" anchor="b" bIns="91425" lIns="91425" rIns="91425" tIns="91425">
+            <a:noAutofit/>
+          </a:bodyPr>
+          <a:lstStyle/>
+          <a:p>
+            <a:pPr lvl="0">
+              <a:spcBef>
+                <a:spcPts val="0"/>
+              </a:spcBef>
+              <a:buNone/>
+            </a:pPr>
+            <a:r>
+              <a:rPr lang="es"/>
+              <a:t>Directivas</a:t>
+            </a:r>
+          </a:p>
+        </p:txBody>
+      </p:sp>
+      <p:sp>
+        <p:nvSpPr>
+          <p:cNvPr id="112" name="Shape 112"/>
+          <p:cNvSpPr txBox="1"/>
+          <p:nvPr>
+            <p:ph idx="1" type="body"/>
+          </p:nvPr>
+        </p:nvSpPr>
+        <p:spPr>
+          <a:xfrm>
+            <a:off x="533400" y="1200150"/>
+            <a:ext cx="8229600" cy="3725699"/>
+          </a:xfrm>
+          <a:prstGeom prst="rect">
+            <a:avLst/>
+          </a:prstGeom>
+        </p:spPr>
+        <p:txBody>
+          <a:bodyPr anchorCtr="0" anchor="t" bIns="91425" lIns="91425" rIns="91425" tIns="91425">
+            <a:noAutofit/>
+          </a:bodyPr>
+          <a:lstStyle/>
+          <a:p>
+            <a:pPr indent="-228600" lvl="0" marL="457200" rtl="0">
+              <a:spcBef>
+                <a:spcPts val="0"/>
+              </a:spcBef>
+            </a:pPr>
+            <a:r>
+              <a:rPr lang="es"/>
+              <a:t>&lt;%@page 		%&gt;</a:t>
+            </a:r>
+          </a:p>
+          <a:p>
+            <a:pPr indent="-228600" lvl="0" marL="457200" rtl="0">
+              <a:spcBef>
+                <a:spcPts val="0"/>
+              </a:spcBef>
+            </a:pPr>
+            <a:r>
+              <a:rPr lang="es"/>
+              <a:t>&lt;%@include 		%&gt;</a:t>
+            </a:r>
+          </a:p>
+          <a:p>
+            <a:pPr indent="-228600" lvl="0" marL="457200" rtl="0">
+              <a:spcBef>
+                <a:spcPts val="0"/>
+              </a:spcBef>
+            </a:pPr>
+            <a:r>
+              <a:rPr lang="es"/>
+              <a:t>&lt;%@taglib 		%&gt;</a:t>
+            </a:r>
+          </a:p>
+          <a:p>
+            <a:pPr lvl="0">
+              <a:spcBef>
+                <a:spcPts val="0"/>
+              </a:spcBef>
+              <a:buNone/>
+            </a:pPr>
+            <a:r>
+              <a:t/>
+            </a:r>
+            <a:endParaRPr/>
+          </a:p>
+        </p:txBody>
+      </p:sp>
+    </p:spTree>
+  </p:cSld>
+  <p:clrMapOvr>
+    <a:masterClrMapping/>
+  </p:clrMapOvr>
+  <p:transition spd="slow">
+    <p:cut/>
+  </p:transition>
+</p:sld>
+</file>
+
+<file path=ppt/slides/slide13.xml><?xml version="1.0" encoding="utf-8"?>
+<p:sld xmlns:a="http://schemas.openxmlformats.org/drawingml/2006/main" xmlns:r="http://schemas.openxmlformats.org/officeDocument/2006/relationships" xmlns:mc="http://schemas.openxmlformats.org/markup-compatibility/2006" xmlns:mv="urn:schemas-microsoft-com:mac:vml" xmlns:p="http://schemas.openxmlformats.org/presentationml/2006/main" xmlns:c="http://schemas.openxmlformats.org/drawingml/2006/chart" xmlns:dgm="http://schemas.openxmlformats.org/drawingml/2006/diagram" xmlns:o="urn:schemas-microsoft-com:office:office" xmlns:v="urn:schemas-microsoft-com:vml" xmlns:pvml="urn:schemas-microsoft-com:office:powerpoint" xmlns:com="http://schemas.openxmlformats.org/drawingml/2006/compatibility" xmlns:p14="http://schemas.microsoft.com/office/powerpoint/2010/main">
+  <p:cSld>
+    <p:spTree>
+      <p:nvGrpSpPr>
+        <p:cNvPr id="116" name="Shape 116"/>
+        <p:cNvGrpSpPr/>
+        <p:nvPr/>
+      </p:nvGrpSpPr>
+      <p:grpSpPr>
+        <a:xfrm>
+          <a:off x="0" y="0"/>
+          <a:ext cx="0" cy="0"/>
+          <a:chOff x="0" y="0"/>
+          <a:chExt cx="0" cy="0"/>
+        </a:xfrm>
+      </p:grpSpPr>
+      <p:sp>
+        <p:nvSpPr>
+          <p:cNvPr id="117" name="Shape 117"/>
+          <p:cNvSpPr txBox="1"/>
+          <p:nvPr>
+            <p:ph type="title"/>
+          </p:nvPr>
+        </p:nvSpPr>
+        <p:spPr>
+          <a:xfrm>
+            <a:off x="457200" y="139527"/>
+            <a:ext cx="8229600" cy="857400"/>
+          </a:xfrm>
+          <a:prstGeom prst="rect">
+            <a:avLst/>
+          </a:prstGeom>
+        </p:spPr>
+        <p:txBody>
+          <a:bodyPr anchorCtr="0" anchor="b" bIns="91425" lIns="91425" rIns="91425" tIns="91425">
+            <a:noAutofit/>
+          </a:bodyPr>
+          <a:lstStyle/>
+          <a:p>
+            <a:pPr lvl="0">
+              <a:spcBef>
+                <a:spcPts val="0"/>
+              </a:spcBef>
+              <a:buNone/>
+            </a:pPr>
+            <a:r>
+              <a:rPr lang="es"/>
+              <a:t>Directiva @page</a:t>
+            </a:r>
+          </a:p>
+        </p:txBody>
+      </p:sp>
+      <p:sp>
+        <p:nvSpPr>
+          <p:cNvPr id="118" name="Shape 118"/>
+          <p:cNvSpPr txBox="1"/>
+          <p:nvPr>
+            <p:ph idx="1" type="body"/>
+          </p:nvPr>
+        </p:nvSpPr>
+        <p:spPr>
+          <a:xfrm>
+            <a:off x="457200" y="1200150"/>
+            <a:ext cx="8229600" cy="3725699"/>
+          </a:xfrm>
+          <a:prstGeom prst="rect">
+            <a:avLst/>
+          </a:prstGeom>
+        </p:spPr>
+        <p:txBody>
+          <a:bodyPr anchorCtr="0" anchor="t" bIns="91425" lIns="91425" rIns="91425" tIns="91425">
+            <a:noAutofit/>
+          </a:bodyPr>
+          <a:lstStyle/>
+          <a:p>
+            <a:pPr indent="-228600" lvl="0" marL="457200" rtl="0">
+              <a:spcBef>
+                <a:spcPts val="0"/>
+              </a:spcBef>
+            </a:pPr>
+            <a:r>
+              <a:rPr lang="es"/>
+              <a:t>Permite fijar propiedades generales del archivo JSP</a:t>
+            </a:r>
+          </a:p>
+          <a:p>
+            <a:pPr indent="-228600" lvl="1" marL="914400" rtl="0">
+              <a:spcBef>
+                <a:spcPts val="0"/>
+              </a:spcBef>
+            </a:pPr>
+            <a:r>
+              <a:rPr lang="es"/>
+              <a:t>import</a:t>
+            </a:r>
+          </a:p>
+          <a:p>
+            <a:pPr indent="-228600" lvl="1" marL="914400" rtl="0">
+              <a:spcBef>
+                <a:spcPts val="0"/>
+              </a:spcBef>
+            </a:pPr>
+            <a:r>
+              <a:rPr lang="es"/>
+              <a:t>contentType</a:t>
+            </a:r>
+          </a:p>
+          <a:p>
+            <a:pPr indent="-228600" lvl="1" marL="914400" rtl="0">
+              <a:spcBef>
+                <a:spcPts val="0"/>
+              </a:spcBef>
+            </a:pPr>
+            <a:r>
+              <a:rPr lang="es"/>
+              <a:t>errorPage</a:t>
+            </a:r>
+          </a:p>
+          <a:p>
+            <a:pPr indent="-228600" lvl="1" marL="914400" rtl="0">
+              <a:spcBef>
+                <a:spcPts val="0"/>
+              </a:spcBef>
+            </a:pPr>
+            <a:r>
+              <a:rPr lang="es"/>
+              <a:t>extends</a:t>
+            </a:r>
+          </a:p>
+          <a:p>
+            <a:pPr indent="-228600" lvl="1" marL="914400" rtl="0">
+              <a:spcBef>
+                <a:spcPts val="0"/>
+              </a:spcBef>
+            </a:pPr>
+            <a:r>
+              <a:rPr lang="es"/>
+              <a:t>session</a:t>
+            </a:r>
+          </a:p>
+          <a:p>
+            <a:pPr indent="-228600" lvl="1" marL="914400" rtl="0">
+              <a:spcBef>
+                <a:spcPts val="0"/>
+              </a:spcBef>
+            </a:pPr>
+            <a:r>
+              <a:rPr lang="es"/>
+              <a:t>language</a:t>
+            </a:r>
+          </a:p>
+        </p:txBody>
+      </p:sp>
+    </p:spTree>
+  </p:cSld>
+  <p:clrMapOvr>
+    <a:masterClrMapping/>
+  </p:clrMapOvr>
+  <p:transition spd="slow">
+    <p:cut/>
+  </p:transition>
+</p:sld>
+</file>
+
+<file path=ppt/slides/slide14.xml><?xml version="1.0" encoding="utf-8"?>
+<p:sld xmlns:a="http://schemas.openxmlformats.org/drawingml/2006/main" xmlns:r="http://schemas.openxmlformats.org/officeDocument/2006/relationships" xmlns:mc="http://schemas.openxmlformats.org/markup-compatibility/2006" xmlns:mv="urn:schemas-microsoft-com:mac:vml" xmlns:p="http://schemas.openxmlformats.org/presentationml/2006/main" xmlns:c="http://schemas.openxmlformats.org/drawingml/2006/chart" xmlns:dgm="http://schemas.openxmlformats.org/drawingml/2006/diagram" xmlns:o="urn:schemas-microsoft-com:office:office" xmlns:v="urn:schemas-microsoft-com:vml" xmlns:pvml="urn:schemas-microsoft-com:office:powerpoint" xmlns:com="http://schemas.openxmlformats.org/drawingml/2006/compatibility" xmlns:p14="http://schemas.microsoft.com/office/powerpoint/2010/main">
+  <p:cSld>
+    <p:spTree>
+      <p:nvGrpSpPr>
+        <p:cNvPr id="122" name="Shape 122"/>
+        <p:cNvGrpSpPr/>
+        <p:nvPr/>
+      </p:nvGrpSpPr>
+      <p:grpSpPr>
+        <a:xfrm>
+          <a:off x="0" y="0"/>
+          <a:ext cx="0" cy="0"/>
+          <a:chOff x="0" y="0"/>
+          <a:chExt cx="0" cy="0"/>
+        </a:xfrm>
+      </p:grpSpPr>
+      <p:sp>
+        <p:nvSpPr>
+          <p:cNvPr id="123" name="Shape 123"/>
+          <p:cNvSpPr txBox="1"/>
+          <p:nvPr>
+            <p:ph type="title"/>
+          </p:nvPr>
+        </p:nvSpPr>
+        <p:spPr>
+          <a:xfrm>
+            <a:off x="457200" y="139527"/>
+            <a:ext cx="8229600" cy="857400"/>
+          </a:xfrm>
+          <a:prstGeom prst="rect">
+            <a:avLst/>
+          </a:prstGeom>
+        </p:spPr>
+        <p:txBody>
+          <a:bodyPr anchorCtr="0" anchor="b" bIns="91425" lIns="91425" rIns="91425" tIns="91425">
+            <a:noAutofit/>
+          </a:bodyPr>
+          <a:lstStyle/>
+          <a:p>
+            <a:pPr lvl="0">
+              <a:spcBef>
+                <a:spcPts val="0"/>
+              </a:spcBef>
+              <a:buNone/>
+            </a:pPr>
+            <a:r>
+              <a:rPr lang="es"/>
+              <a:t>Directiva @page import</a:t>
+            </a:r>
+          </a:p>
+        </p:txBody>
+      </p:sp>
+      <p:sp>
+        <p:nvSpPr>
+          <p:cNvPr id="124" name="Shape 124"/>
+          <p:cNvSpPr txBox="1"/>
+          <p:nvPr>
+            <p:ph idx="1" type="body"/>
+          </p:nvPr>
+        </p:nvSpPr>
+        <p:spPr>
+          <a:xfrm>
+            <a:off x="457200" y="1200150"/>
+            <a:ext cx="8229600" cy="3725699"/>
+          </a:xfrm>
+          <a:prstGeom prst="rect">
+            <a:avLst/>
+          </a:prstGeom>
+        </p:spPr>
+        <p:txBody>
+          <a:bodyPr anchorCtr="0" anchor="t" bIns="91425" lIns="91425" rIns="91425" tIns="91425">
+            <a:noAutofit/>
+          </a:bodyPr>
+          <a:lstStyle/>
+          <a:p>
+            <a:pPr indent="-228600" lvl="0" marL="457200" rtl="0">
+              <a:spcBef>
+                <a:spcPts val="0"/>
+              </a:spcBef>
+            </a:pPr>
+            <a:r>
+              <a:rPr lang="es"/>
+              <a:t>Indica qué clases (accesibles en nuestro classpath) se han de utilizar en este JSP</a:t>
+            </a:r>
+          </a:p>
+          <a:p>
+            <a:pPr indent="-228600" lvl="0" marL="457200" rtl="0">
+              <a:spcBef>
+                <a:spcPts val="0"/>
+              </a:spcBef>
+            </a:pPr>
+            <a:r>
+              <a:rPr lang="es"/>
+              <a:t>Ejemplo</a:t>
+            </a:r>
+          </a:p>
+          <a:p>
+            <a:pPr indent="-228600" lvl="1" marL="914400">
+              <a:spcBef>
+                <a:spcPts val="0"/>
+              </a:spcBef>
+            </a:pPr>
+            <a:r>
+              <a:rPr lang="es">
+                <a:solidFill>
+                  <a:srgbClr val="0000FF"/>
+                </a:solidFill>
+              </a:rPr>
+              <a:t>&lt;%@page</a:t>
+            </a:r>
+            <a:r>
+              <a:rPr lang="es"/>
+              <a:t> </a:t>
+            </a:r>
+            <a:r>
+              <a:rPr lang="es">
+                <a:solidFill>
+                  <a:srgbClr val="980000"/>
+                </a:solidFill>
+              </a:rPr>
+              <a:t>import</a:t>
+            </a:r>
+            <a:r>
+              <a:rPr lang="es"/>
+              <a:t>="java.util.Vector"	</a:t>
+            </a:r>
+            <a:r>
+              <a:rPr lang="es">
+                <a:solidFill>
+                  <a:srgbClr val="0000FF"/>
+                </a:solidFill>
+              </a:rPr>
+              <a:t>%&gt;</a:t>
+            </a:r>
+          </a:p>
+        </p:txBody>
+      </p:sp>
+    </p:spTree>
+  </p:cSld>
+  <p:clrMapOvr>
+    <a:masterClrMapping/>
+  </p:clrMapOvr>
+  <p:transition spd="slow">
+    <p:cut/>
+  </p:transition>
+</p:sld>
+</file>
+
+<file path=ppt/slides/slide15.xml><?xml version="1.0" encoding="utf-8"?>
+<p:sld xmlns:a="http://schemas.openxmlformats.org/drawingml/2006/main" xmlns:r="http://schemas.openxmlformats.org/officeDocument/2006/relationships" xmlns:mc="http://schemas.openxmlformats.org/markup-compatibility/2006" xmlns:mv="urn:schemas-microsoft-com:mac:vml" xmlns:p="http://schemas.openxmlformats.org/presentationml/2006/main" xmlns:c="http://schemas.openxmlformats.org/drawingml/2006/chart" xmlns:dgm="http://schemas.openxmlformats.org/drawingml/2006/diagram" xmlns:o="urn:schemas-microsoft-com:office:office" xmlns:v="urn:schemas-microsoft-com:vml" xmlns:pvml="urn:schemas-microsoft-com:office:powerpoint" xmlns:com="http://schemas.openxmlformats.org/drawingml/2006/compatibility" xmlns:p14="http://schemas.microsoft.com/office/powerpoint/2010/main">
+  <p:cSld>
+    <p:spTree>
+      <p:nvGrpSpPr>
+        <p:cNvPr id="128" name="Shape 128"/>
+        <p:cNvGrpSpPr/>
+        <p:nvPr/>
+      </p:nvGrpSpPr>
+      <p:grpSpPr>
+        <a:xfrm>
+          <a:off x="0" y="0"/>
+          <a:ext cx="0" cy="0"/>
+          <a:chOff x="0" y="0"/>
+          <a:chExt cx="0" cy="0"/>
+        </a:xfrm>
+      </p:grpSpPr>
+      <p:sp>
+        <p:nvSpPr>
+          <p:cNvPr id="129" name="Shape 129"/>
+          <p:cNvSpPr txBox="1"/>
+          <p:nvPr>
+            <p:ph type="title"/>
+          </p:nvPr>
+        </p:nvSpPr>
+        <p:spPr>
+          <a:xfrm>
+            <a:off x="457200" y="139527"/>
+            <a:ext cx="8229600" cy="857400"/>
+          </a:xfrm>
+          <a:prstGeom prst="rect">
+            <a:avLst/>
+          </a:prstGeom>
+        </p:spPr>
+        <p:txBody>
+          <a:bodyPr anchorCtr="0" anchor="b" bIns="91425" lIns="91425" rIns="91425" tIns="91425">
+            <a:noAutofit/>
+          </a:bodyPr>
+          <a:lstStyle/>
+          <a:p>
+            <a:pPr lvl="0">
+              <a:spcBef>
+                <a:spcPts val="0"/>
+              </a:spcBef>
+              <a:buNone/>
+            </a:pPr>
+            <a:r>
+              <a:rPr lang="es"/>
+              <a:t>Directiva @page contentType</a:t>
+            </a:r>
+          </a:p>
+        </p:txBody>
+      </p:sp>
+      <p:sp>
+        <p:nvSpPr>
+          <p:cNvPr id="130" name="Shape 130"/>
+          <p:cNvSpPr txBox="1"/>
+          <p:nvPr>
+            <p:ph idx="1" type="body"/>
+          </p:nvPr>
+        </p:nvSpPr>
+        <p:spPr>
+          <a:xfrm>
+            <a:off x="457200" y="1200150"/>
+            <a:ext cx="8229600" cy="3725699"/>
+          </a:xfrm>
+          <a:prstGeom prst="rect">
+            <a:avLst/>
+          </a:prstGeom>
+        </p:spPr>
+        <p:txBody>
+          <a:bodyPr anchorCtr="0" anchor="t" bIns="91425" lIns="91425" rIns="91425" tIns="91425">
+            <a:noAutofit/>
+          </a:bodyPr>
+          <a:lstStyle/>
+          <a:p>
+            <a:pPr indent="-228600" lvl="0" marL="457200" rtl="0">
+              <a:spcBef>
+                <a:spcPts val="0"/>
+              </a:spcBef>
+            </a:pPr>
+            <a:r>
+              <a:rPr lang="es"/>
+              <a:t>Fija el tipo MIME y el juego de caracteres de la paǵina JSP</a:t>
+            </a:r>
+          </a:p>
+          <a:p>
+            <a:pPr indent="-228600" lvl="0" marL="457200" rtl="0">
+              <a:spcBef>
+                <a:spcPts val="0"/>
+              </a:spcBef>
+            </a:pPr>
+            <a:r>
+              <a:rPr lang="es"/>
+              <a:t>Ejemplo</a:t>
+            </a:r>
+          </a:p>
+          <a:p>
+            <a:pPr indent="-368300" lvl="1" marL="914400" rtl="0">
+              <a:spcBef>
+                <a:spcPts val="0"/>
+              </a:spcBef>
+              <a:buSzPct val="100000"/>
+            </a:pPr>
+            <a:r>
+              <a:rPr lang="es" sz="2200">
+                <a:solidFill>
+                  <a:srgbClr val="0000FF"/>
+                </a:solidFill>
+              </a:rPr>
+              <a:t>&lt;%@page</a:t>
+            </a:r>
+            <a:r>
+              <a:rPr lang="es" sz="2200"/>
+              <a:t> </a:t>
+            </a:r>
+            <a:r>
+              <a:rPr lang="es" sz="2200">
+                <a:solidFill>
+                  <a:srgbClr val="980000"/>
+                </a:solidFill>
+              </a:rPr>
+              <a:t>contentType</a:t>
+            </a:r>
+            <a:r>
+              <a:rPr lang="es" sz="2200"/>
+              <a:t>="text/html;charset=UTF-8" </a:t>
+            </a:r>
+            <a:r>
+              <a:rPr lang="es" sz="2200">
+                <a:solidFill>
+                  <a:srgbClr val="0000FF"/>
+                </a:solidFill>
+              </a:rPr>
+              <a:t>%&gt;</a:t>
+            </a:r>
+          </a:p>
+        </p:txBody>
+      </p:sp>
+    </p:spTree>
+  </p:cSld>
+  <p:clrMapOvr>
+    <a:masterClrMapping/>
+  </p:clrMapOvr>
+  <p:transition spd="slow">
+    <p:cut/>
+  </p:transition>
+</p:sld>
+</file>
+
+<file path=ppt/slides/slide16.xml><?xml version="1.0" encoding="utf-8"?>
+<p:sld xmlns:a="http://schemas.openxmlformats.org/drawingml/2006/main" xmlns:r="http://schemas.openxmlformats.org/officeDocument/2006/relationships" xmlns:mc="http://schemas.openxmlformats.org/markup-compatibility/2006" xmlns:mv="urn:schemas-microsoft-com:mac:vml" xmlns:p="http://schemas.openxmlformats.org/presentationml/2006/main" xmlns:c="http://schemas.openxmlformats.org/drawingml/2006/chart" xmlns:dgm="http://schemas.openxmlformats.org/drawingml/2006/diagram" xmlns:o="urn:schemas-microsoft-com:office:office" xmlns:v="urn:schemas-microsoft-com:vml" xmlns:pvml="urn:schemas-microsoft-com:office:powerpoint" xmlns:com="http://schemas.openxmlformats.org/drawingml/2006/compatibility" xmlns:p14="http://schemas.microsoft.com/office/powerpoint/2010/main">
+  <p:cSld>
+    <p:spTree>
+      <p:nvGrpSpPr>
+        <p:cNvPr id="134" name="Shape 134"/>
+        <p:cNvGrpSpPr/>
+        <p:nvPr/>
+      </p:nvGrpSpPr>
+      <p:grpSpPr>
+        <a:xfrm>
+          <a:off x="0" y="0"/>
+          <a:ext cx="0" cy="0"/>
+          <a:chOff x="0" y="0"/>
+          <a:chExt cx="0" cy="0"/>
+        </a:xfrm>
+      </p:grpSpPr>
+      <p:sp>
+        <p:nvSpPr>
+          <p:cNvPr id="135" name="Shape 135"/>
+          <p:cNvSpPr txBox="1"/>
+          <p:nvPr>
+            <p:ph type="title"/>
+          </p:nvPr>
+        </p:nvSpPr>
+        <p:spPr>
+          <a:xfrm>
+            <a:off x="457200" y="139527"/>
+            <a:ext cx="8229600" cy="857400"/>
+          </a:xfrm>
+          <a:prstGeom prst="rect">
+            <a:avLst/>
+          </a:prstGeom>
+        </p:spPr>
+        <p:txBody>
+          <a:bodyPr anchorCtr="0" anchor="b" bIns="91425" lIns="91425" rIns="91425" tIns="91425">
+            <a:noAutofit/>
+          </a:bodyPr>
+          <a:lstStyle/>
+          <a:p>
+            <a:pPr lvl="0">
+              <a:spcBef>
+                <a:spcPts val="0"/>
+              </a:spcBef>
+              <a:buNone/>
+            </a:pPr>
+            <a:r>
+              <a:rPr lang="es" sz="3300"/>
+              <a:t>Directiva @page errorPage, isErrorPage</a:t>
+            </a:r>
+          </a:p>
+        </p:txBody>
+      </p:sp>
+      <p:sp>
+        <p:nvSpPr>
+          <p:cNvPr id="136" name="Shape 136"/>
+          <p:cNvSpPr txBox="1"/>
+          <p:nvPr>
+            <p:ph idx="1" type="body"/>
+          </p:nvPr>
+        </p:nvSpPr>
+        <p:spPr>
+          <a:xfrm>
+            <a:off x="457200" y="1200150"/>
+            <a:ext cx="8229600" cy="3725699"/>
+          </a:xfrm>
+          <a:prstGeom prst="rect">
+            <a:avLst/>
+          </a:prstGeom>
+        </p:spPr>
+        <p:txBody>
+          <a:bodyPr anchorCtr="0" anchor="t" bIns="91425" lIns="91425" rIns="91425" tIns="91425">
+            <a:noAutofit/>
+          </a:bodyPr>
+          <a:lstStyle/>
+          <a:p>
+            <a:pPr indent="-228600" lvl="0" marL="457200" rtl="0">
+              <a:spcBef>
+                <a:spcPts val="0"/>
+              </a:spcBef>
+            </a:pPr>
+            <a:r>
+              <a:rPr lang="es"/>
+              <a:t>Se usa para redirigir las excepciones no manejadas en esta página a la página indicada.</a:t>
+            </a:r>
+          </a:p>
+          <a:p>
+            <a:pPr indent="-228600" lvl="0" marL="457200" rtl="0">
+              <a:spcBef>
+                <a:spcPts val="0"/>
+              </a:spcBef>
+            </a:pPr>
+            <a:r>
+              <a:rPr lang="es"/>
+              <a:t>Ejemplo</a:t>
+            </a:r>
+          </a:p>
+          <a:p>
+            <a:pPr indent="-228600" lvl="1" marL="914400" rtl="0">
+              <a:spcBef>
+                <a:spcPts val="0"/>
+              </a:spcBef>
+            </a:pPr>
+            <a:r>
+              <a:rPr lang="es">
+                <a:solidFill>
+                  <a:srgbClr val="0000FF"/>
+                </a:solidFill>
+              </a:rPr>
+              <a:t> &lt;%@page</a:t>
+            </a:r>
+            <a:r>
+              <a:rPr lang="es"/>
+              <a:t> </a:t>
+            </a:r>
+            <a:r>
+              <a:rPr lang="es">
+                <a:solidFill>
+                  <a:srgbClr val="980000"/>
+                </a:solidFill>
+              </a:rPr>
+              <a:t>errorPage</a:t>
+            </a:r>
+            <a:r>
+              <a:rPr lang="es">
+                <a:solidFill>
+                  <a:srgbClr val="000000"/>
+                </a:solidFill>
+              </a:rPr>
+              <a:t>="error.jsp"</a:t>
+            </a:r>
+            <a:r>
+              <a:rPr lang="es"/>
+              <a:t> </a:t>
+            </a:r>
+            <a:r>
+              <a:rPr lang="es">
+                <a:solidFill>
+                  <a:srgbClr val="0000FF"/>
+                </a:solidFill>
+              </a:rPr>
+              <a:t>%&gt;</a:t>
+            </a:r>
+          </a:p>
+          <a:p>
+            <a:pPr indent="-228600" lvl="1" marL="914400" rtl="0">
+              <a:spcBef>
+                <a:spcPts val="0"/>
+              </a:spcBef>
+              <a:buClr>
+                <a:srgbClr val="000000"/>
+              </a:buClr>
+            </a:pPr>
+            <a:r>
+              <a:rPr lang="es">
+                <a:solidFill>
+                  <a:srgbClr val="000000"/>
+                </a:solidFill>
+              </a:rPr>
+              <a:t>En este ejemplo “error.jsp” deberá tener la directiva</a:t>
+            </a:r>
+          </a:p>
+          <a:p>
+            <a:pPr indent="-228600" lvl="2" marL="1371600">
+              <a:spcBef>
+                <a:spcPts val="0"/>
+              </a:spcBef>
+              <a:buClr>
+                <a:srgbClr val="0000FF"/>
+              </a:buClr>
+            </a:pPr>
+            <a:r>
+              <a:rPr lang="es">
+                <a:solidFill>
+                  <a:srgbClr val="0000FF"/>
+                </a:solidFill>
+              </a:rPr>
+              <a:t>&lt;%@page </a:t>
+            </a:r>
+            <a:r>
+              <a:rPr lang="es">
+                <a:solidFill>
+                  <a:srgbClr val="980000"/>
+                </a:solidFill>
+              </a:rPr>
+              <a:t>isErrorPage</a:t>
+            </a:r>
+            <a:r>
+              <a:rPr lang="es">
+                <a:solidFill>
+                  <a:srgbClr val="000000"/>
+                </a:solidFill>
+              </a:rPr>
+              <a:t>="true" </a:t>
+            </a:r>
+            <a:r>
+              <a:rPr lang="es">
+                <a:solidFill>
+                  <a:srgbClr val="0000FF"/>
+                </a:solidFill>
+              </a:rPr>
+              <a:t>%&gt;</a:t>
+            </a:r>
+          </a:p>
+        </p:txBody>
+      </p:sp>
+    </p:spTree>
+  </p:cSld>
+  <p:clrMapOvr>
+    <a:masterClrMapping/>
+  </p:clrMapOvr>
+  <p:transition spd="slow">
+    <p:cut/>
+  </p:transition>
+</p:sld>
+</file>
+
+<file path=ppt/slides/slide17.xml><?xml version="1.0" encoding="utf-8"?>
+<p:sld xmlns:a="http://schemas.openxmlformats.org/drawingml/2006/main" xmlns:r="http://schemas.openxmlformats.org/officeDocument/2006/relationships" xmlns:mc="http://schemas.openxmlformats.org/markup-compatibility/2006" xmlns:mv="urn:schemas-microsoft-com:mac:vml" xmlns:p="http://schemas.openxmlformats.org/presentationml/2006/main" xmlns:c="http://schemas.openxmlformats.org/drawingml/2006/chart" xmlns:dgm="http://schemas.openxmlformats.org/drawingml/2006/diagram" xmlns:o="urn:schemas-microsoft-com:office:office" xmlns:v="urn:schemas-microsoft-com:vml" xmlns:pvml="urn:schemas-microsoft-com:office:powerpoint" xmlns:com="http://schemas.openxmlformats.org/drawingml/2006/compatibility" xmlns:p14="http://schemas.microsoft.com/office/powerpoint/2010/main">
+  <p:cSld>
+    <p:spTree>
+      <p:nvGrpSpPr>
+        <p:cNvPr id="140" name="Shape 140"/>
+        <p:cNvGrpSpPr/>
+        <p:nvPr/>
+      </p:nvGrpSpPr>
+      <p:grpSpPr>
+        <a:xfrm>
+          <a:off x="0" y="0"/>
+          <a:ext cx="0" cy="0"/>
+          <a:chOff x="0" y="0"/>
+          <a:chExt cx="0" cy="0"/>
+        </a:xfrm>
+      </p:grpSpPr>
+      <p:sp>
+        <p:nvSpPr>
+          <p:cNvPr id="141" name="Shape 141"/>
+          <p:cNvSpPr txBox="1"/>
+          <p:nvPr>
+            <p:ph type="title"/>
+          </p:nvPr>
+        </p:nvSpPr>
+        <p:spPr>
+          <a:xfrm>
+            <a:off x="457200" y="139527"/>
+            <a:ext cx="8229600" cy="857400"/>
+          </a:xfrm>
+          <a:prstGeom prst="rect">
+            <a:avLst/>
+          </a:prstGeom>
+        </p:spPr>
+        <p:txBody>
+          <a:bodyPr anchorCtr="0" anchor="b" bIns="91425" lIns="91425" rIns="91425" tIns="91425">
+            <a:noAutofit/>
+          </a:bodyPr>
+          <a:lstStyle/>
+          <a:p>
+            <a:pPr lvl="0">
+              <a:spcBef>
+                <a:spcPts val="0"/>
+              </a:spcBef>
+              <a:buNone/>
+            </a:pPr>
+            <a:r>
+              <a:rPr lang="es"/>
+              <a:t>Directiva @page extends</a:t>
+            </a:r>
+          </a:p>
+        </p:txBody>
+      </p:sp>
+      <p:sp>
+        <p:nvSpPr>
+          <p:cNvPr id="142" name="Shape 142"/>
+          <p:cNvSpPr txBox="1"/>
+          <p:nvPr>
+            <p:ph idx="1" type="body"/>
+          </p:nvPr>
+        </p:nvSpPr>
+        <p:spPr>
+          <a:xfrm>
+            <a:off x="457200" y="1200150"/>
+            <a:ext cx="8229600" cy="3725699"/>
+          </a:xfrm>
+          <a:prstGeom prst="rect">
+            <a:avLst/>
+          </a:prstGeom>
+        </p:spPr>
+        <p:txBody>
+          <a:bodyPr anchorCtr="0" anchor="t" bIns="91425" lIns="91425" rIns="91425" tIns="91425">
+            <a:noAutofit/>
+          </a:bodyPr>
+          <a:lstStyle/>
+          <a:p>
+            <a:pPr indent="-228600" lvl="0" marL="457200" rtl="0">
+              <a:spcBef>
+                <a:spcPts val="0"/>
+              </a:spcBef>
+            </a:pPr>
+            <a:r>
+              <a:rPr lang="es"/>
+              <a:t>Permite extender una clase mediante el mecanismo de herencia.</a:t>
+            </a:r>
+          </a:p>
+          <a:p>
+            <a:pPr indent="-228600" lvl="0" marL="457200" rtl="0">
+              <a:spcBef>
+                <a:spcPts val="0"/>
+              </a:spcBef>
+            </a:pPr>
+            <a:r>
+              <a:rPr lang="es"/>
+              <a:t>Ejemplo</a:t>
+            </a:r>
+          </a:p>
+          <a:p>
+            <a:pPr indent="-393700" lvl="1" marL="914400" rtl="0">
+              <a:spcBef>
+                <a:spcPts val="0"/>
+              </a:spcBef>
+              <a:buSzPct val="100000"/>
+            </a:pPr>
+            <a:r>
+              <a:rPr lang="es" sz="2600">
+                <a:solidFill>
+                  <a:srgbClr val="0000FF"/>
+                </a:solidFill>
+              </a:rPr>
+              <a:t>&lt;%@page </a:t>
+            </a:r>
+            <a:r>
+              <a:rPr lang="es" sz="2600">
+                <a:solidFill>
+                  <a:srgbClr val="980000"/>
+                </a:solidFill>
+              </a:rPr>
+              <a:t>extends</a:t>
+            </a:r>
+            <a:r>
+              <a:rPr lang="es" sz="2600"/>
+              <a:t>= "unPaquete.UnaClase" </a:t>
+            </a:r>
+            <a:r>
+              <a:rPr lang="es" sz="2600">
+                <a:solidFill>
+                  <a:srgbClr val="0000FF"/>
+                </a:solidFill>
+              </a:rPr>
+              <a:t>%&gt;</a:t>
+            </a:r>
+          </a:p>
+        </p:txBody>
+      </p:sp>
+    </p:spTree>
+  </p:cSld>
+  <p:clrMapOvr>
+    <a:masterClrMapping/>
+  </p:clrMapOvr>
+  <p:transition spd="slow">
+    <p:cut/>
+  </p:transition>
+</p:sld>
+</file>
+
+<file path=ppt/slides/slide18.xml><?xml version="1.0" encoding="utf-8"?>
+<p:sld xmlns:a="http://schemas.openxmlformats.org/drawingml/2006/main" xmlns:r="http://schemas.openxmlformats.org/officeDocument/2006/relationships" xmlns:mc="http://schemas.openxmlformats.org/markup-compatibility/2006" xmlns:mv="urn:schemas-microsoft-com:mac:vml" xmlns:p="http://schemas.openxmlformats.org/presentationml/2006/main" xmlns:c="http://schemas.openxmlformats.org/drawingml/2006/chart" xmlns:dgm="http://schemas.openxmlformats.org/drawingml/2006/diagram" xmlns:o="urn:schemas-microsoft-com:office:office" xmlns:v="urn:schemas-microsoft-com:vml" xmlns:pvml="urn:schemas-microsoft-com:office:powerpoint" xmlns:com="http://schemas.openxmlformats.org/drawingml/2006/compatibility" xmlns:p14="http://schemas.microsoft.com/office/powerpoint/2010/main">
+  <p:cSld>
+    <p:spTree>
+      <p:nvGrpSpPr>
+        <p:cNvPr id="146" name="Shape 146"/>
+        <p:cNvGrpSpPr/>
+        <p:nvPr/>
+      </p:nvGrpSpPr>
+      <p:grpSpPr>
+        <a:xfrm>
+          <a:off x="0" y="0"/>
+          <a:ext cx="0" cy="0"/>
+          <a:chOff x="0" y="0"/>
+          <a:chExt cx="0" cy="0"/>
+        </a:xfrm>
+      </p:grpSpPr>
+      <p:sp>
+        <p:nvSpPr>
+          <p:cNvPr id="147" name="Shape 147"/>
+          <p:cNvSpPr txBox="1"/>
+          <p:nvPr>
+            <p:ph type="title"/>
+          </p:nvPr>
+        </p:nvSpPr>
+        <p:spPr>
+          <a:xfrm>
+            <a:off x="457200" y="139527"/>
+            <a:ext cx="8229600" cy="857400"/>
+          </a:xfrm>
+          <a:prstGeom prst="rect">
+            <a:avLst/>
+          </a:prstGeom>
+        </p:spPr>
+        <p:txBody>
+          <a:bodyPr anchorCtr="0" anchor="b" bIns="91425" lIns="91425" rIns="91425" tIns="91425">
+            <a:noAutofit/>
+          </a:bodyPr>
+          <a:lstStyle/>
+          <a:p>
+            <a:pPr lvl="0">
+              <a:spcBef>
+                <a:spcPts val="0"/>
+              </a:spcBef>
+              <a:buNone/>
+            </a:pPr>
+            <a:r>
+              <a:rPr lang="es"/>
+              <a:t>Directiva @page session</a:t>
+            </a:r>
+          </a:p>
+        </p:txBody>
+      </p:sp>
+      <p:sp>
+        <p:nvSpPr>
+          <p:cNvPr id="148" name="Shape 148"/>
+          <p:cNvSpPr txBox="1"/>
+          <p:nvPr>
+            <p:ph idx="1" type="body"/>
+          </p:nvPr>
+        </p:nvSpPr>
+        <p:spPr>
+          <a:xfrm>
+            <a:off x="457200" y="1200150"/>
+            <a:ext cx="8229600" cy="3725699"/>
+          </a:xfrm>
+          <a:prstGeom prst="rect">
+            <a:avLst/>
+          </a:prstGeom>
+        </p:spPr>
+        <p:txBody>
+          <a:bodyPr anchorCtr="0" anchor="t" bIns="91425" lIns="91425" rIns="91425" tIns="91425">
+            <a:noAutofit/>
+          </a:bodyPr>
+          <a:lstStyle/>
+          <a:p>
+            <a:pPr indent="-228600" lvl="0" marL="457200" rtl="0">
+              <a:spcBef>
+                <a:spcPts val="0"/>
+              </a:spcBef>
+            </a:pPr>
+            <a:r>
+              <a:rPr lang="es"/>
+              <a:t>Indica si el objeto sesión está activo o no para esta página.</a:t>
+            </a:r>
+          </a:p>
+          <a:p>
+            <a:pPr indent="-228600" lvl="1" marL="914400" rtl="0">
+              <a:spcBef>
+                <a:spcPts val="0"/>
+              </a:spcBef>
+            </a:pPr>
+            <a:r>
+              <a:rPr lang="es"/>
+              <a:t>¡¡OJO!! por defecto está activado y consume recursos. Si no se va a utilizar, conviene desactivarlo por motivos de rendimiento.</a:t>
+            </a:r>
+          </a:p>
+          <a:p>
+            <a:pPr indent="-228600" lvl="0" marL="457200" rtl="0">
+              <a:spcBef>
+                <a:spcPts val="0"/>
+              </a:spcBef>
+            </a:pPr>
+            <a:r>
+              <a:rPr lang="es"/>
+              <a:t>Ejemplo</a:t>
+            </a:r>
+          </a:p>
+          <a:p>
+            <a:pPr indent="-228600" lvl="1" marL="914400">
+              <a:spcBef>
+                <a:spcPts val="0"/>
+              </a:spcBef>
+            </a:pPr>
+            <a:r>
+              <a:rPr lang="es">
+                <a:solidFill>
+                  <a:srgbClr val="0000FF"/>
+                </a:solidFill>
+              </a:rPr>
+              <a:t>&lt;%@page </a:t>
+            </a:r>
+            <a:r>
+              <a:rPr lang="es">
+                <a:solidFill>
+                  <a:srgbClr val="980000"/>
+                </a:solidFill>
+              </a:rPr>
+              <a:t>session</a:t>
+            </a:r>
+            <a:r>
+              <a:rPr lang="es"/>
+              <a:t>="false" </a:t>
+            </a:r>
+            <a:r>
+              <a:rPr lang="es">
+                <a:solidFill>
+                  <a:srgbClr val="0000FF"/>
+                </a:solidFill>
+              </a:rPr>
+              <a:t>%&gt;</a:t>
+            </a:r>
+          </a:p>
+        </p:txBody>
+      </p:sp>
+    </p:spTree>
+  </p:cSld>
+  <p:clrMapOvr>
+    <a:masterClrMapping/>
+  </p:clrMapOvr>
+  <p:transition spd="slow">
+    <p:cut/>
+  </p:transition>
+</p:sld>
+</file>
+
+<file path=ppt/slides/slide19.xml><?xml version="1.0" encoding="utf-8"?>
+<p:sld xmlns:a="http://schemas.openxmlformats.org/drawingml/2006/main" xmlns:r="http://schemas.openxmlformats.org/officeDocument/2006/relationships" xmlns:mc="http://schemas.openxmlformats.org/markup-compatibility/2006" xmlns:mv="urn:schemas-microsoft-com:mac:vml" xmlns:p="http://schemas.openxmlformats.org/presentationml/2006/main" xmlns:c="http://schemas.openxmlformats.org/drawingml/2006/chart" xmlns:dgm="http://schemas.openxmlformats.org/drawingml/2006/diagram" xmlns:o="urn:schemas-microsoft-com:office:office" xmlns:v="urn:schemas-microsoft-com:vml" xmlns:pvml="urn:schemas-microsoft-com:office:powerpoint" xmlns:com="http://schemas.openxmlformats.org/drawingml/2006/compatibility" xmlns:p14="http://schemas.microsoft.com/office/powerpoint/2010/main">
+  <p:cSld>
+    <p:spTree>
+      <p:nvGrpSpPr>
+        <p:cNvPr id="152" name="Shape 152"/>
+        <p:cNvGrpSpPr/>
+        <p:nvPr/>
+      </p:nvGrpSpPr>
+      <p:grpSpPr>
+        <a:xfrm>
+          <a:off x="0" y="0"/>
+          <a:ext cx="0" cy="0"/>
+          <a:chOff x="0" y="0"/>
+          <a:chExt cx="0" cy="0"/>
+        </a:xfrm>
+      </p:grpSpPr>
+      <p:sp>
+        <p:nvSpPr>
+          <p:cNvPr id="153" name="Shape 153"/>
+          <p:cNvSpPr txBox="1"/>
+          <p:nvPr>
+            <p:ph type="title"/>
+          </p:nvPr>
+        </p:nvSpPr>
+        <p:spPr>
+          <a:xfrm>
+            <a:off x="457200" y="139527"/>
+            <a:ext cx="8229600" cy="857400"/>
+          </a:xfrm>
+          <a:prstGeom prst="rect">
+            <a:avLst/>
+          </a:prstGeom>
+        </p:spPr>
+        <p:txBody>
+          <a:bodyPr anchorCtr="0" anchor="b" bIns="91425" lIns="91425" rIns="91425" tIns="91425">
+            <a:noAutofit/>
+          </a:bodyPr>
+          <a:lstStyle/>
+          <a:p>
+            <a:pPr lvl="0">
+              <a:spcBef>
+                <a:spcPts val="0"/>
+              </a:spcBef>
+              <a:buNone/>
+            </a:pPr>
+            <a:r>
+              <a:rPr lang="es"/>
+              <a:t>Directiva @page language</a:t>
+            </a:r>
+          </a:p>
+        </p:txBody>
+      </p:sp>
+      <p:sp>
+        <p:nvSpPr>
+          <p:cNvPr id="154" name="Shape 154"/>
+          <p:cNvSpPr txBox="1"/>
+          <p:nvPr>
+            <p:ph idx="1" type="body"/>
+          </p:nvPr>
+        </p:nvSpPr>
+        <p:spPr>
+          <a:xfrm>
+            <a:off x="457200" y="1200150"/>
+            <a:ext cx="8229600" cy="3725699"/>
+          </a:xfrm>
+          <a:prstGeom prst="rect">
+            <a:avLst/>
+          </a:prstGeom>
+        </p:spPr>
+        <p:txBody>
+          <a:bodyPr anchorCtr="0" anchor="t" bIns="91425" lIns="91425" rIns="91425" tIns="91425">
+            <a:noAutofit/>
+          </a:bodyPr>
+          <a:lstStyle/>
+          <a:p>
+            <a:pPr indent="-228600" lvl="0" marL="457200" rtl="0">
+              <a:spcBef>
+                <a:spcPts val="0"/>
+              </a:spcBef>
+            </a:pPr>
+            <a:r>
+              <a:rPr lang="es"/>
+              <a:t>lenguaje de programación que usa la página (sólo válido Java)</a:t>
+            </a:r>
+          </a:p>
+          <a:p>
+            <a:pPr indent="-228600" lvl="0" marL="457200" rtl="0">
+              <a:spcBef>
+                <a:spcPts val="0"/>
+              </a:spcBef>
+            </a:pPr>
+            <a:r>
+              <a:rPr lang="es"/>
+              <a:t>Ejemplo</a:t>
+            </a:r>
+          </a:p>
+          <a:p>
+            <a:pPr indent="-412750" lvl="1" marL="914400" rtl="0">
+              <a:spcBef>
+                <a:spcPts val="0"/>
+              </a:spcBef>
+              <a:buSzPct val="100000"/>
+            </a:pPr>
+            <a:r>
+              <a:rPr lang="es" sz="2900">
+                <a:solidFill>
+                  <a:srgbClr val="0000FF"/>
+                </a:solidFill>
+              </a:rPr>
+              <a:t>&lt;%@page </a:t>
+            </a:r>
+            <a:r>
+              <a:rPr lang="es" sz="2900">
+                <a:solidFill>
+                  <a:srgbClr val="980000"/>
+                </a:solidFill>
+              </a:rPr>
+              <a:t>language</a:t>
+            </a:r>
+            <a:r>
+              <a:rPr lang="es" sz="2900"/>
+              <a:t>="java" </a:t>
+            </a:r>
+            <a:r>
+              <a:rPr lang="es" sz="2900">
+                <a:solidFill>
+                  <a:srgbClr val="0000FF"/>
+                </a:solidFill>
+              </a:rPr>
+              <a:t>%&gt;</a:t>
+            </a:r>
+          </a:p>
+          <a:p>
+            <a:pPr lvl="0">
+              <a:spcBef>
+                <a:spcPts val="0"/>
+              </a:spcBef>
+              <a:buNone/>
+            </a:pPr>
+            <a:r>
+              <a:t/>
+            </a:r>
+            <a:endParaRPr/>
+          </a:p>
+        </p:txBody>
+      </p:sp>
+    </p:spTree>
+  </p:cSld>
+  <p:clrMapOvr>
+    <a:masterClrMapping/>
+  </p:clrMapOvr>
+  <p:transition spd="slow">
+    <p:cut/>
+  </p:transition>
+</p:sld>
+</file>
+
+<file path=ppt/slides/slide2.xml><?xml version="1.0" encoding="utf-8"?>
 <p:sld xmlns:a="http://schemas.openxmlformats.org/drawingml/2006/main" xmlns:r="http://schemas.openxmlformats.org/officeDocument/2006/relationships" xmlns:mc="http://schemas.openxmlformats.org/markup-compatibility/2006" xmlns:mv="urn:schemas-microsoft-com:mac:vml" xmlns:p="http://schemas.openxmlformats.org/presentationml/2006/main" xmlns:c="http://schemas.openxmlformats.org/drawingml/2006/chart" xmlns:dgm="http://schemas.openxmlformats.org/drawingml/2006/diagram" xmlns:o="urn:schemas-microsoft-com:office:office" xmlns:v="urn:schemas-microsoft-com:vml" xmlns:pvml="urn:schemas-microsoft-com:office:powerpoint" xmlns:com="http://schemas.openxmlformats.org/drawingml/2006/compatibility" xmlns:p14="http://schemas.microsoft.com/office/powerpoint/2010/main">
   <p:cSld>
     <p:spTree>
@@ -5982,1427 +7600,7 @@
 </p:sld>
 </file>
 
-<file path=ppt/slides/slide10.xml><?xml version="1.0" encoding="utf-8"?>
-<p:sld xmlns:a="http://schemas.openxmlformats.org/drawingml/2006/main" xmlns:r="http://schemas.openxmlformats.org/officeDocument/2006/relationships" xmlns:mc="http://schemas.openxmlformats.org/markup-compatibility/2006" xmlns:mv="urn:schemas-microsoft-com:mac:vml" xmlns:p="http://schemas.openxmlformats.org/presentationml/2006/main" xmlns:c="http://schemas.openxmlformats.org/drawingml/2006/chart" xmlns:dgm="http://schemas.openxmlformats.org/drawingml/2006/diagram" xmlns:o="urn:schemas-microsoft-com:office:office" xmlns:v="urn:schemas-microsoft-com:vml" xmlns:pvml="urn:schemas-microsoft-com:office:powerpoint" xmlns:com="http://schemas.openxmlformats.org/drawingml/2006/compatibility" xmlns:p14="http://schemas.microsoft.com/office/powerpoint/2010/main">
-  <p:cSld>
-    <p:spTree>
-      <p:nvGrpSpPr>
-        <p:cNvPr id="104" name="Shape 104"/>
-        <p:cNvGrpSpPr/>
-        <p:nvPr/>
-      </p:nvGrpSpPr>
-      <p:grpSpPr>
-        <a:xfrm>
-          <a:off x="0" y="0"/>
-          <a:ext cx="0" cy="0"/>
-          <a:chOff x="0" y="0"/>
-          <a:chExt cx="0" cy="0"/>
-        </a:xfrm>
-      </p:grpSpPr>
-      <p:sp>
-        <p:nvSpPr>
-          <p:cNvPr id="105" name="Shape 105"/>
-          <p:cNvSpPr txBox="1"/>
-          <p:nvPr>
-            <p:ph type="title"/>
-          </p:nvPr>
-        </p:nvSpPr>
-        <p:spPr>
-          <a:xfrm>
-            <a:off x="457200" y="139527"/>
-            <a:ext cx="8229600" cy="857400"/>
-          </a:xfrm>
-          <a:prstGeom prst="rect">
-            <a:avLst/>
-          </a:prstGeom>
-        </p:spPr>
-        <p:txBody>
-          <a:bodyPr anchorCtr="0" anchor="b" bIns="91425" lIns="91425" rIns="91425" tIns="91425">
-            <a:noAutofit/>
-          </a:bodyPr>
-          <a:lstStyle/>
-          <a:p>
-            <a:pPr lvl="0">
-              <a:spcBef>
-                <a:spcPts val="0"/>
-              </a:spcBef>
-              <a:buNone/>
-            </a:pPr>
-            <a:r>
-              <a:rPr lang="es"/>
-              <a:t>Comentarios</a:t>
-            </a:r>
-          </a:p>
-        </p:txBody>
-      </p:sp>
-      <p:sp>
-        <p:nvSpPr>
-          <p:cNvPr id="106" name="Shape 106"/>
-          <p:cNvSpPr txBox="1"/>
-          <p:nvPr>
-            <p:ph idx="1" type="body"/>
-          </p:nvPr>
-        </p:nvSpPr>
-        <p:spPr>
-          <a:xfrm>
-            <a:off x="457200" y="1200150"/>
-            <a:ext cx="8229600" cy="3725699"/>
-          </a:xfrm>
-          <a:prstGeom prst="rect">
-            <a:avLst/>
-          </a:prstGeom>
-        </p:spPr>
-        <p:txBody>
-          <a:bodyPr anchorCtr="0" anchor="t" bIns="91425" lIns="91425" rIns="91425" tIns="91425">
-            <a:noAutofit/>
-          </a:bodyPr>
-          <a:lstStyle/>
-          <a:p>
-            <a:pPr indent="-228600" lvl="0" marL="457200" rtl="0">
-              <a:spcBef>
-                <a:spcPts val="0"/>
-              </a:spcBef>
-            </a:pPr>
-            <a:r>
-              <a:rPr lang="es"/>
-              <a:t>Son comentarios al código JSP que </a:t>
-            </a:r>
-            <a:r>
-              <a:rPr lang="es" u="sng"/>
-              <a:t>NO</a:t>
-            </a:r>
-            <a:r>
-              <a:rPr lang="es"/>
-              <a:t> se verán en la página HTML generada.</a:t>
-            </a:r>
-          </a:p>
-          <a:p>
-            <a:pPr indent="-228600" lvl="0" marL="457200">
-              <a:spcBef>
-                <a:spcPts val="0"/>
-              </a:spcBef>
-            </a:pPr>
-            <a:r>
-              <a:rPr lang="es">
-                <a:solidFill>
-                  <a:srgbClr val="0000FF"/>
-                </a:solidFill>
-              </a:rPr>
-              <a:t>&lt;%-- </a:t>
-            </a:r>
-            <a:r>
-              <a:rPr lang="es"/>
-              <a:t>	</a:t>
-            </a:r>
-            <a:r>
-              <a:rPr lang="es">
-                <a:solidFill>
-                  <a:srgbClr val="980000"/>
-                </a:solidFill>
-              </a:rPr>
-              <a:t>comentario</a:t>
-            </a:r>
-            <a:r>
-              <a:rPr lang="es"/>
-              <a:t> 	</a:t>
-            </a:r>
-            <a:r>
-              <a:rPr lang="es">
-                <a:solidFill>
-                  <a:srgbClr val="0000FF"/>
-                </a:solidFill>
-              </a:rPr>
-              <a:t>--%&gt;</a:t>
-            </a:r>
-          </a:p>
-        </p:txBody>
-      </p:sp>
-    </p:spTree>
-  </p:cSld>
-  <p:clrMapOvr>
-    <a:masterClrMapping/>
-  </p:clrMapOvr>
-  <p:transition spd="slow">
-    <p:cut/>
-  </p:transition>
-</p:sld>
-</file>
-
-<file path=ppt/slides/slide11.xml><?xml version="1.0" encoding="utf-8"?>
-<p:sld xmlns:a="http://schemas.openxmlformats.org/drawingml/2006/main" xmlns:r="http://schemas.openxmlformats.org/officeDocument/2006/relationships" xmlns:mc="http://schemas.openxmlformats.org/markup-compatibility/2006" xmlns:mv="urn:schemas-microsoft-com:mac:vml" xmlns:p="http://schemas.openxmlformats.org/presentationml/2006/main" xmlns:c="http://schemas.openxmlformats.org/drawingml/2006/chart" xmlns:dgm="http://schemas.openxmlformats.org/drawingml/2006/diagram" xmlns:o="urn:schemas-microsoft-com:office:office" xmlns:v="urn:schemas-microsoft-com:vml" xmlns:pvml="urn:schemas-microsoft-com:office:powerpoint" xmlns:com="http://schemas.openxmlformats.org/drawingml/2006/compatibility" xmlns:p14="http://schemas.microsoft.com/office/powerpoint/2010/main">
-  <p:cSld>
-    <p:spTree>
-      <p:nvGrpSpPr>
-        <p:cNvPr id="110" name="Shape 110"/>
-        <p:cNvGrpSpPr/>
-        <p:nvPr/>
-      </p:nvGrpSpPr>
-      <p:grpSpPr>
-        <a:xfrm>
-          <a:off x="0" y="0"/>
-          <a:ext cx="0" cy="0"/>
-          <a:chOff x="0" y="0"/>
-          <a:chExt cx="0" cy="0"/>
-        </a:xfrm>
-      </p:grpSpPr>
-      <p:sp>
-        <p:nvSpPr>
-          <p:cNvPr id="111" name="Shape 111"/>
-          <p:cNvSpPr txBox="1"/>
-          <p:nvPr>
-            <p:ph type="title"/>
-          </p:nvPr>
-        </p:nvSpPr>
-        <p:spPr>
-          <a:xfrm>
-            <a:off x="457200" y="139527"/>
-            <a:ext cx="8229600" cy="857400"/>
-          </a:xfrm>
-          <a:prstGeom prst="rect">
-            <a:avLst/>
-          </a:prstGeom>
-        </p:spPr>
-        <p:txBody>
-          <a:bodyPr anchorCtr="0" anchor="b" bIns="91425" lIns="91425" rIns="91425" tIns="91425">
-            <a:noAutofit/>
-          </a:bodyPr>
-          <a:lstStyle/>
-          <a:p>
-            <a:pPr lvl="0">
-              <a:spcBef>
-                <a:spcPts val="0"/>
-              </a:spcBef>
-              <a:buNone/>
-            </a:pPr>
-            <a:r>
-              <a:rPr lang="es"/>
-              <a:t>Directivas</a:t>
-            </a:r>
-          </a:p>
-        </p:txBody>
-      </p:sp>
-      <p:sp>
-        <p:nvSpPr>
-          <p:cNvPr id="112" name="Shape 112"/>
-          <p:cNvSpPr txBox="1"/>
-          <p:nvPr>
-            <p:ph idx="1" type="body"/>
-          </p:nvPr>
-        </p:nvSpPr>
-        <p:spPr>
-          <a:xfrm>
-            <a:off x="533400" y="1200150"/>
-            <a:ext cx="8229600" cy="3725699"/>
-          </a:xfrm>
-          <a:prstGeom prst="rect">
-            <a:avLst/>
-          </a:prstGeom>
-        </p:spPr>
-        <p:txBody>
-          <a:bodyPr anchorCtr="0" anchor="t" bIns="91425" lIns="91425" rIns="91425" tIns="91425">
-            <a:noAutofit/>
-          </a:bodyPr>
-          <a:lstStyle/>
-          <a:p>
-            <a:pPr indent="-228600" lvl="0" marL="457200" rtl="0">
-              <a:spcBef>
-                <a:spcPts val="0"/>
-              </a:spcBef>
-            </a:pPr>
-            <a:r>
-              <a:rPr lang="es"/>
-              <a:t>&lt;%@page 		%&gt;</a:t>
-            </a:r>
-          </a:p>
-          <a:p>
-            <a:pPr indent="-228600" lvl="0" marL="457200" rtl="0">
-              <a:spcBef>
-                <a:spcPts val="0"/>
-              </a:spcBef>
-            </a:pPr>
-            <a:r>
-              <a:rPr lang="es"/>
-              <a:t>&lt;%@include 		%&gt;</a:t>
-            </a:r>
-          </a:p>
-          <a:p>
-            <a:pPr indent="-228600" lvl="0" marL="457200" rtl="0">
-              <a:spcBef>
-                <a:spcPts val="0"/>
-              </a:spcBef>
-            </a:pPr>
-            <a:r>
-              <a:rPr lang="es"/>
-              <a:t>&lt;%@taglib 		%&gt;</a:t>
-            </a:r>
-          </a:p>
-          <a:p>
-            <a:pPr lvl="0">
-              <a:spcBef>
-                <a:spcPts val="0"/>
-              </a:spcBef>
-              <a:buNone/>
-            </a:pPr>
-            <a:r>
-              <a:t/>
-            </a:r>
-            <a:endParaRPr/>
-          </a:p>
-        </p:txBody>
-      </p:sp>
-    </p:spTree>
-  </p:cSld>
-  <p:clrMapOvr>
-    <a:masterClrMapping/>
-  </p:clrMapOvr>
-  <p:transition spd="slow">
-    <p:cut/>
-  </p:transition>
-</p:sld>
-</file>
-
-<file path=ppt/slides/slide12.xml><?xml version="1.0" encoding="utf-8"?>
-<p:sld xmlns:a="http://schemas.openxmlformats.org/drawingml/2006/main" xmlns:r="http://schemas.openxmlformats.org/officeDocument/2006/relationships" xmlns:mc="http://schemas.openxmlformats.org/markup-compatibility/2006" xmlns:mv="urn:schemas-microsoft-com:mac:vml" xmlns:p="http://schemas.openxmlformats.org/presentationml/2006/main" xmlns:c="http://schemas.openxmlformats.org/drawingml/2006/chart" xmlns:dgm="http://schemas.openxmlformats.org/drawingml/2006/diagram" xmlns:o="urn:schemas-microsoft-com:office:office" xmlns:v="urn:schemas-microsoft-com:vml" xmlns:pvml="urn:schemas-microsoft-com:office:powerpoint" xmlns:com="http://schemas.openxmlformats.org/drawingml/2006/compatibility" xmlns:p14="http://schemas.microsoft.com/office/powerpoint/2010/main">
-  <p:cSld>
-    <p:spTree>
-      <p:nvGrpSpPr>
-        <p:cNvPr id="116" name="Shape 116"/>
-        <p:cNvGrpSpPr/>
-        <p:nvPr/>
-      </p:nvGrpSpPr>
-      <p:grpSpPr>
-        <a:xfrm>
-          <a:off x="0" y="0"/>
-          <a:ext cx="0" cy="0"/>
-          <a:chOff x="0" y="0"/>
-          <a:chExt cx="0" cy="0"/>
-        </a:xfrm>
-      </p:grpSpPr>
-      <p:sp>
-        <p:nvSpPr>
-          <p:cNvPr id="117" name="Shape 117"/>
-          <p:cNvSpPr txBox="1"/>
-          <p:nvPr>
-            <p:ph type="title"/>
-          </p:nvPr>
-        </p:nvSpPr>
-        <p:spPr>
-          <a:xfrm>
-            <a:off x="457200" y="139527"/>
-            <a:ext cx="8229600" cy="857400"/>
-          </a:xfrm>
-          <a:prstGeom prst="rect">
-            <a:avLst/>
-          </a:prstGeom>
-        </p:spPr>
-        <p:txBody>
-          <a:bodyPr anchorCtr="0" anchor="b" bIns="91425" lIns="91425" rIns="91425" tIns="91425">
-            <a:noAutofit/>
-          </a:bodyPr>
-          <a:lstStyle/>
-          <a:p>
-            <a:pPr lvl="0">
-              <a:spcBef>
-                <a:spcPts val="0"/>
-              </a:spcBef>
-              <a:buNone/>
-            </a:pPr>
-            <a:r>
-              <a:rPr lang="es"/>
-              <a:t>Directiva @page</a:t>
-            </a:r>
-          </a:p>
-        </p:txBody>
-      </p:sp>
-      <p:sp>
-        <p:nvSpPr>
-          <p:cNvPr id="118" name="Shape 118"/>
-          <p:cNvSpPr txBox="1"/>
-          <p:nvPr>
-            <p:ph idx="1" type="body"/>
-          </p:nvPr>
-        </p:nvSpPr>
-        <p:spPr>
-          <a:xfrm>
-            <a:off x="457200" y="1200150"/>
-            <a:ext cx="8229600" cy="3725699"/>
-          </a:xfrm>
-          <a:prstGeom prst="rect">
-            <a:avLst/>
-          </a:prstGeom>
-        </p:spPr>
-        <p:txBody>
-          <a:bodyPr anchorCtr="0" anchor="t" bIns="91425" lIns="91425" rIns="91425" tIns="91425">
-            <a:noAutofit/>
-          </a:bodyPr>
-          <a:lstStyle/>
-          <a:p>
-            <a:pPr indent="-228600" lvl="0" marL="457200" rtl="0">
-              <a:spcBef>
-                <a:spcPts val="0"/>
-              </a:spcBef>
-            </a:pPr>
-            <a:r>
-              <a:rPr lang="es"/>
-              <a:t>Permite fijar propiedades generales del archivo JSP</a:t>
-            </a:r>
-          </a:p>
-          <a:p>
-            <a:pPr indent="-228600" lvl="1" marL="914400" rtl="0">
-              <a:spcBef>
-                <a:spcPts val="0"/>
-              </a:spcBef>
-            </a:pPr>
-            <a:r>
-              <a:rPr lang="es"/>
-              <a:t>import</a:t>
-            </a:r>
-          </a:p>
-          <a:p>
-            <a:pPr indent="-228600" lvl="1" marL="914400" rtl="0">
-              <a:spcBef>
-                <a:spcPts val="0"/>
-              </a:spcBef>
-            </a:pPr>
-            <a:r>
-              <a:rPr lang="es"/>
-              <a:t>contentType</a:t>
-            </a:r>
-          </a:p>
-          <a:p>
-            <a:pPr indent="-228600" lvl="1" marL="914400" rtl="0">
-              <a:spcBef>
-                <a:spcPts val="0"/>
-              </a:spcBef>
-            </a:pPr>
-            <a:r>
-              <a:rPr lang="es"/>
-              <a:t>errorPage</a:t>
-            </a:r>
-          </a:p>
-          <a:p>
-            <a:pPr indent="-228600" lvl="1" marL="914400" rtl="0">
-              <a:spcBef>
-                <a:spcPts val="0"/>
-              </a:spcBef>
-            </a:pPr>
-            <a:r>
-              <a:rPr lang="es"/>
-              <a:t>extends</a:t>
-            </a:r>
-          </a:p>
-          <a:p>
-            <a:pPr indent="-228600" lvl="1" marL="914400" rtl="0">
-              <a:spcBef>
-                <a:spcPts val="0"/>
-              </a:spcBef>
-            </a:pPr>
-            <a:r>
-              <a:rPr lang="es"/>
-              <a:t>session</a:t>
-            </a:r>
-          </a:p>
-          <a:p>
-            <a:pPr indent="-228600" lvl="1" marL="914400" rtl="0">
-              <a:spcBef>
-                <a:spcPts val="0"/>
-              </a:spcBef>
-            </a:pPr>
-            <a:r>
-              <a:rPr lang="es"/>
-              <a:t>language</a:t>
-            </a:r>
-          </a:p>
-        </p:txBody>
-      </p:sp>
-    </p:spTree>
-  </p:cSld>
-  <p:clrMapOvr>
-    <a:masterClrMapping/>
-  </p:clrMapOvr>
-  <p:transition spd="slow">
-    <p:cut/>
-  </p:transition>
-</p:sld>
-</file>
-
-<file path=ppt/slides/slide13.xml><?xml version="1.0" encoding="utf-8"?>
-<p:sld xmlns:a="http://schemas.openxmlformats.org/drawingml/2006/main" xmlns:r="http://schemas.openxmlformats.org/officeDocument/2006/relationships" xmlns:mc="http://schemas.openxmlformats.org/markup-compatibility/2006" xmlns:mv="urn:schemas-microsoft-com:mac:vml" xmlns:p="http://schemas.openxmlformats.org/presentationml/2006/main" xmlns:c="http://schemas.openxmlformats.org/drawingml/2006/chart" xmlns:dgm="http://schemas.openxmlformats.org/drawingml/2006/diagram" xmlns:o="urn:schemas-microsoft-com:office:office" xmlns:v="urn:schemas-microsoft-com:vml" xmlns:pvml="urn:schemas-microsoft-com:office:powerpoint" xmlns:com="http://schemas.openxmlformats.org/drawingml/2006/compatibility" xmlns:p14="http://schemas.microsoft.com/office/powerpoint/2010/main">
-  <p:cSld>
-    <p:spTree>
-      <p:nvGrpSpPr>
-        <p:cNvPr id="122" name="Shape 122"/>
-        <p:cNvGrpSpPr/>
-        <p:nvPr/>
-      </p:nvGrpSpPr>
-      <p:grpSpPr>
-        <a:xfrm>
-          <a:off x="0" y="0"/>
-          <a:ext cx="0" cy="0"/>
-          <a:chOff x="0" y="0"/>
-          <a:chExt cx="0" cy="0"/>
-        </a:xfrm>
-      </p:grpSpPr>
-      <p:sp>
-        <p:nvSpPr>
-          <p:cNvPr id="123" name="Shape 123"/>
-          <p:cNvSpPr txBox="1"/>
-          <p:nvPr>
-            <p:ph type="title"/>
-          </p:nvPr>
-        </p:nvSpPr>
-        <p:spPr>
-          <a:xfrm>
-            <a:off x="457200" y="139527"/>
-            <a:ext cx="8229600" cy="857400"/>
-          </a:xfrm>
-          <a:prstGeom prst="rect">
-            <a:avLst/>
-          </a:prstGeom>
-        </p:spPr>
-        <p:txBody>
-          <a:bodyPr anchorCtr="0" anchor="b" bIns="91425" lIns="91425" rIns="91425" tIns="91425">
-            <a:noAutofit/>
-          </a:bodyPr>
-          <a:lstStyle/>
-          <a:p>
-            <a:pPr lvl="0">
-              <a:spcBef>
-                <a:spcPts val="0"/>
-              </a:spcBef>
-              <a:buNone/>
-            </a:pPr>
-            <a:r>
-              <a:rPr lang="es"/>
-              <a:t>Directiva @page import</a:t>
-            </a:r>
-          </a:p>
-        </p:txBody>
-      </p:sp>
-      <p:sp>
-        <p:nvSpPr>
-          <p:cNvPr id="124" name="Shape 124"/>
-          <p:cNvSpPr txBox="1"/>
-          <p:nvPr>
-            <p:ph idx="1" type="body"/>
-          </p:nvPr>
-        </p:nvSpPr>
-        <p:spPr>
-          <a:xfrm>
-            <a:off x="457200" y="1200150"/>
-            <a:ext cx="8229600" cy="3725699"/>
-          </a:xfrm>
-          <a:prstGeom prst="rect">
-            <a:avLst/>
-          </a:prstGeom>
-        </p:spPr>
-        <p:txBody>
-          <a:bodyPr anchorCtr="0" anchor="t" bIns="91425" lIns="91425" rIns="91425" tIns="91425">
-            <a:noAutofit/>
-          </a:bodyPr>
-          <a:lstStyle/>
-          <a:p>
-            <a:pPr indent="-228600" lvl="0" marL="457200" rtl="0">
-              <a:spcBef>
-                <a:spcPts val="0"/>
-              </a:spcBef>
-            </a:pPr>
-            <a:r>
-              <a:rPr lang="es"/>
-              <a:t>Indica qué clases (accesibles en nuestro classpath) se han de utilizar en este JSP</a:t>
-            </a:r>
-          </a:p>
-          <a:p>
-            <a:pPr indent="-228600" lvl="0" marL="457200" rtl="0">
-              <a:spcBef>
-                <a:spcPts val="0"/>
-              </a:spcBef>
-            </a:pPr>
-            <a:r>
-              <a:rPr lang="es"/>
-              <a:t>Ejemplo</a:t>
-            </a:r>
-          </a:p>
-          <a:p>
-            <a:pPr indent="-228600" lvl="1" marL="914400">
-              <a:spcBef>
-                <a:spcPts val="0"/>
-              </a:spcBef>
-            </a:pPr>
-            <a:r>
-              <a:rPr lang="es">
-                <a:solidFill>
-                  <a:srgbClr val="0000FF"/>
-                </a:solidFill>
-              </a:rPr>
-              <a:t>&lt;%@page</a:t>
-            </a:r>
-            <a:r>
-              <a:rPr lang="es"/>
-              <a:t> </a:t>
-            </a:r>
-            <a:r>
-              <a:rPr lang="es">
-                <a:solidFill>
-                  <a:srgbClr val="980000"/>
-                </a:solidFill>
-              </a:rPr>
-              <a:t>import</a:t>
-            </a:r>
-            <a:r>
-              <a:rPr lang="es"/>
-              <a:t>="java.util.Vector"	</a:t>
-            </a:r>
-            <a:r>
-              <a:rPr lang="es">
-                <a:solidFill>
-                  <a:srgbClr val="0000FF"/>
-                </a:solidFill>
-              </a:rPr>
-              <a:t>%&gt;</a:t>
-            </a:r>
-          </a:p>
-        </p:txBody>
-      </p:sp>
-    </p:spTree>
-  </p:cSld>
-  <p:clrMapOvr>
-    <a:masterClrMapping/>
-  </p:clrMapOvr>
-  <p:transition spd="slow">
-    <p:cut/>
-  </p:transition>
-</p:sld>
-</file>
-
-<file path=ppt/slides/slide14.xml><?xml version="1.0" encoding="utf-8"?>
-<p:sld xmlns:a="http://schemas.openxmlformats.org/drawingml/2006/main" xmlns:r="http://schemas.openxmlformats.org/officeDocument/2006/relationships" xmlns:mc="http://schemas.openxmlformats.org/markup-compatibility/2006" xmlns:mv="urn:schemas-microsoft-com:mac:vml" xmlns:p="http://schemas.openxmlformats.org/presentationml/2006/main" xmlns:c="http://schemas.openxmlformats.org/drawingml/2006/chart" xmlns:dgm="http://schemas.openxmlformats.org/drawingml/2006/diagram" xmlns:o="urn:schemas-microsoft-com:office:office" xmlns:v="urn:schemas-microsoft-com:vml" xmlns:pvml="urn:schemas-microsoft-com:office:powerpoint" xmlns:com="http://schemas.openxmlformats.org/drawingml/2006/compatibility" xmlns:p14="http://schemas.microsoft.com/office/powerpoint/2010/main">
-  <p:cSld>
-    <p:spTree>
-      <p:nvGrpSpPr>
-        <p:cNvPr id="128" name="Shape 128"/>
-        <p:cNvGrpSpPr/>
-        <p:nvPr/>
-      </p:nvGrpSpPr>
-      <p:grpSpPr>
-        <a:xfrm>
-          <a:off x="0" y="0"/>
-          <a:ext cx="0" cy="0"/>
-          <a:chOff x="0" y="0"/>
-          <a:chExt cx="0" cy="0"/>
-        </a:xfrm>
-      </p:grpSpPr>
-      <p:sp>
-        <p:nvSpPr>
-          <p:cNvPr id="129" name="Shape 129"/>
-          <p:cNvSpPr txBox="1"/>
-          <p:nvPr>
-            <p:ph type="title"/>
-          </p:nvPr>
-        </p:nvSpPr>
-        <p:spPr>
-          <a:xfrm>
-            <a:off x="457200" y="139527"/>
-            <a:ext cx="8229600" cy="857400"/>
-          </a:xfrm>
-          <a:prstGeom prst="rect">
-            <a:avLst/>
-          </a:prstGeom>
-        </p:spPr>
-        <p:txBody>
-          <a:bodyPr anchorCtr="0" anchor="b" bIns="91425" lIns="91425" rIns="91425" tIns="91425">
-            <a:noAutofit/>
-          </a:bodyPr>
-          <a:lstStyle/>
-          <a:p>
-            <a:pPr lvl="0">
-              <a:spcBef>
-                <a:spcPts val="0"/>
-              </a:spcBef>
-              <a:buNone/>
-            </a:pPr>
-            <a:r>
-              <a:rPr lang="es"/>
-              <a:t>Directiva @page contentType</a:t>
-            </a:r>
-          </a:p>
-        </p:txBody>
-      </p:sp>
-      <p:sp>
-        <p:nvSpPr>
-          <p:cNvPr id="130" name="Shape 130"/>
-          <p:cNvSpPr txBox="1"/>
-          <p:nvPr>
-            <p:ph idx="1" type="body"/>
-          </p:nvPr>
-        </p:nvSpPr>
-        <p:spPr>
-          <a:xfrm>
-            <a:off x="457200" y="1200150"/>
-            <a:ext cx="8229600" cy="3725699"/>
-          </a:xfrm>
-          <a:prstGeom prst="rect">
-            <a:avLst/>
-          </a:prstGeom>
-        </p:spPr>
-        <p:txBody>
-          <a:bodyPr anchorCtr="0" anchor="t" bIns="91425" lIns="91425" rIns="91425" tIns="91425">
-            <a:noAutofit/>
-          </a:bodyPr>
-          <a:lstStyle/>
-          <a:p>
-            <a:pPr indent="-228600" lvl="0" marL="457200" rtl="0">
-              <a:spcBef>
-                <a:spcPts val="0"/>
-              </a:spcBef>
-            </a:pPr>
-            <a:r>
-              <a:rPr lang="es"/>
-              <a:t>Fija el tipo MIME y el juego de caracteres de la paǵina JSP</a:t>
-            </a:r>
-          </a:p>
-          <a:p>
-            <a:pPr indent="-228600" lvl="0" marL="457200" rtl="0">
-              <a:spcBef>
-                <a:spcPts val="0"/>
-              </a:spcBef>
-            </a:pPr>
-            <a:r>
-              <a:rPr lang="es"/>
-              <a:t>Ejemplo</a:t>
-            </a:r>
-          </a:p>
-          <a:p>
-            <a:pPr indent="-368300" lvl="1" marL="914400" rtl="0">
-              <a:spcBef>
-                <a:spcPts val="0"/>
-              </a:spcBef>
-              <a:buSzPct val="100000"/>
-            </a:pPr>
-            <a:r>
-              <a:rPr lang="es" sz="2200">
-                <a:solidFill>
-                  <a:srgbClr val="0000FF"/>
-                </a:solidFill>
-              </a:rPr>
-              <a:t>&lt;%@page</a:t>
-            </a:r>
-            <a:r>
-              <a:rPr lang="es" sz="2200"/>
-              <a:t> </a:t>
-            </a:r>
-            <a:r>
-              <a:rPr lang="es" sz="2200">
-                <a:solidFill>
-                  <a:srgbClr val="980000"/>
-                </a:solidFill>
-              </a:rPr>
-              <a:t>contentType</a:t>
-            </a:r>
-            <a:r>
-              <a:rPr lang="es" sz="2200"/>
-              <a:t>="text/html;charset=UTF-8" </a:t>
-            </a:r>
-            <a:r>
-              <a:rPr lang="es" sz="2200">
-                <a:solidFill>
-                  <a:srgbClr val="0000FF"/>
-                </a:solidFill>
-              </a:rPr>
-              <a:t>%&gt;</a:t>
-            </a:r>
-          </a:p>
-        </p:txBody>
-      </p:sp>
-    </p:spTree>
-  </p:cSld>
-  <p:clrMapOvr>
-    <a:masterClrMapping/>
-  </p:clrMapOvr>
-  <p:transition spd="slow">
-    <p:cut/>
-  </p:transition>
-</p:sld>
-</file>
-
-<file path=ppt/slides/slide15.xml><?xml version="1.0" encoding="utf-8"?>
-<p:sld xmlns:a="http://schemas.openxmlformats.org/drawingml/2006/main" xmlns:r="http://schemas.openxmlformats.org/officeDocument/2006/relationships" xmlns:mc="http://schemas.openxmlformats.org/markup-compatibility/2006" xmlns:mv="urn:schemas-microsoft-com:mac:vml" xmlns:p="http://schemas.openxmlformats.org/presentationml/2006/main" xmlns:c="http://schemas.openxmlformats.org/drawingml/2006/chart" xmlns:dgm="http://schemas.openxmlformats.org/drawingml/2006/diagram" xmlns:o="urn:schemas-microsoft-com:office:office" xmlns:v="urn:schemas-microsoft-com:vml" xmlns:pvml="urn:schemas-microsoft-com:office:powerpoint" xmlns:com="http://schemas.openxmlformats.org/drawingml/2006/compatibility" xmlns:p14="http://schemas.microsoft.com/office/powerpoint/2010/main">
-  <p:cSld>
-    <p:spTree>
-      <p:nvGrpSpPr>
-        <p:cNvPr id="134" name="Shape 134"/>
-        <p:cNvGrpSpPr/>
-        <p:nvPr/>
-      </p:nvGrpSpPr>
-      <p:grpSpPr>
-        <a:xfrm>
-          <a:off x="0" y="0"/>
-          <a:ext cx="0" cy="0"/>
-          <a:chOff x="0" y="0"/>
-          <a:chExt cx="0" cy="0"/>
-        </a:xfrm>
-      </p:grpSpPr>
-      <p:sp>
-        <p:nvSpPr>
-          <p:cNvPr id="135" name="Shape 135"/>
-          <p:cNvSpPr txBox="1"/>
-          <p:nvPr>
-            <p:ph type="title"/>
-          </p:nvPr>
-        </p:nvSpPr>
-        <p:spPr>
-          <a:xfrm>
-            <a:off x="457200" y="139527"/>
-            <a:ext cx="8229600" cy="857400"/>
-          </a:xfrm>
-          <a:prstGeom prst="rect">
-            <a:avLst/>
-          </a:prstGeom>
-        </p:spPr>
-        <p:txBody>
-          <a:bodyPr anchorCtr="0" anchor="b" bIns="91425" lIns="91425" rIns="91425" tIns="91425">
-            <a:noAutofit/>
-          </a:bodyPr>
-          <a:lstStyle/>
-          <a:p>
-            <a:pPr lvl="0">
-              <a:spcBef>
-                <a:spcPts val="0"/>
-              </a:spcBef>
-              <a:buNone/>
-            </a:pPr>
-            <a:r>
-              <a:rPr lang="es" sz="3300"/>
-              <a:t>Directiva @page errorPage, isErrorPage</a:t>
-            </a:r>
-          </a:p>
-        </p:txBody>
-      </p:sp>
-      <p:sp>
-        <p:nvSpPr>
-          <p:cNvPr id="136" name="Shape 136"/>
-          <p:cNvSpPr txBox="1"/>
-          <p:nvPr>
-            <p:ph idx="1" type="body"/>
-          </p:nvPr>
-        </p:nvSpPr>
-        <p:spPr>
-          <a:xfrm>
-            <a:off x="457200" y="1200150"/>
-            <a:ext cx="8229600" cy="3725699"/>
-          </a:xfrm>
-          <a:prstGeom prst="rect">
-            <a:avLst/>
-          </a:prstGeom>
-        </p:spPr>
-        <p:txBody>
-          <a:bodyPr anchorCtr="0" anchor="t" bIns="91425" lIns="91425" rIns="91425" tIns="91425">
-            <a:noAutofit/>
-          </a:bodyPr>
-          <a:lstStyle/>
-          <a:p>
-            <a:pPr indent="-228600" lvl="0" marL="457200" rtl="0">
-              <a:spcBef>
-                <a:spcPts val="0"/>
-              </a:spcBef>
-            </a:pPr>
-            <a:r>
-              <a:rPr lang="es"/>
-              <a:t>Se usa para redirigir las excepciones no manejadas en esta página a la página indicada.</a:t>
-            </a:r>
-          </a:p>
-          <a:p>
-            <a:pPr indent="-228600" lvl="0" marL="457200" rtl="0">
-              <a:spcBef>
-                <a:spcPts val="0"/>
-              </a:spcBef>
-            </a:pPr>
-            <a:r>
-              <a:rPr lang="es"/>
-              <a:t>Ejemplo</a:t>
-            </a:r>
-          </a:p>
-          <a:p>
-            <a:pPr indent="-228600" lvl="1" marL="914400" rtl="0">
-              <a:spcBef>
-                <a:spcPts val="0"/>
-              </a:spcBef>
-            </a:pPr>
-            <a:r>
-              <a:rPr lang="es">
-                <a:solidFill>
-                  <a:srgbClr val="0000FF"/>
-                </a:solidFill>
-              </a:rPr>
-              <a:t> &lt;%@page</a:t>
-            </a:r>
-            <a:r>
-              <a:rPr lang="es"/>
-              <a:t> </a:t>
-            </a:r>
-            <a:r>
-              <a:rPr lang="es">
-                <a:solidFill>
-                  <a:srgbClr val="980000"/>
-                </a:solidFill>
-              </a:rPr>
-              <a:t>errorPage</a:t>
-            </a:r>
-            <a:r>
-              <a:rPr lang="es">
-                <a:solidFill>
-                  <a:srgbClr val="000000"/>
-                </a:solidFill>
-              </a:rPr>
-              <a:t>="error.jsp"</a:t>
-            </a:r>
-            <a:r>
-              <a:rPr lang="es"/>
-              <a:t> </a:t>
-            </a:r>
-            <a:r>
-              <a:rPr lang="es">
-                <a:solidFill>
-                  <a:srgbClr val="0000FF"/>
-                </a:solidFill>
-              </a:rPr>
-              <a:t>%&gt;</a:t>
-            </a:r>
-          </a:p>
-          <a:p>
-            <a:pPr indent="-228600" lvl="1" marL="914400" rtl="0">
-              <a:spcBef>
-                <a:spcPts val="0"/>
-              </a:spcBef>
-              <a:buClr>
-                <a:srgbClr val="000000"/>
-              </a:buClr>
-            </a:pPr>
-            <a:r>
-              <a:rPr lang="es">
-                <a:solidFill>
-                  <a:srgbClr val="000000"/>
-                </a:solidFill>
-              </a:rPr>
-              <a:t>En este ejemplo “error.jsp” deberá tener la directiva</a:t>
-            </a:r>
-          </a:p>
-          <a:p>
-            <a:pPr indent="-228600" lvl="2" marL="1371600">
-              <a:spcBef>
-                <a:spcPts val="0"/>
-              </a:spcBef>
-              <a:buClr>
-                <a:srgbClr val="0000FF"/>
-              </a:buClr>
-            </a:pPr>
-            <a:r>
-              <a:rPr lang="es">
-                <a:solidFill>
-                  <a:srgbClr val="0000FF"/>
-                </a:solidFill>
-              </a:rPr>
-              <a:t>&lt;%@page </a:t>
-            </a:r>
-            <a:r>
-              <a:rPr lang="es">
-                <a:solidFill>
-                  <a:srgbClr val="980000"/>
-                </a:solidFill>
-              </a:rPr>
-              <a:t>isErrorPage</a:t>
-            </a:r>
-            <a:r>
-              <a:rPr lang="es">
-                <a:solidFill>
-                  <a:srgbClr val="000000"/>
-                </a:solidFill>
-              </a:rPr>
-              <a:t>="true" </a:t>
-            </a:r>
-            <a:r>
-              <a:rPr lang="es">
-                <a:solidFill>
-                  <a:srgbClr val="0000FF"/>
-                </a:solidFill>
-              </a:rPr>
-              <a:t>%&gt;</a:t>
-            </a:r>
-          </a:p>
-        </p:txBody>
-      </p:sp>
-    </p:spTree>
-  </p:cSld>
-  <p:clrMapOvr>
-    <a:masterClrMapping/>
-  </p:clrMapOvr>
-  <p:transition spd="slow">
-    <p:cut/>
-  </p:transition>
-</p:sld>
-</file>
-
-<file path=ppt/slides/slide16.xml><?xml version="1.0" encoding="utf-8"?>
-<p:sld xmlns:a="http://schemas.openxmlformats.org/drawingml/2006/main" xmlns:r="http://schemas.openxmlformats.org/officeDocument/2006/relationships" xmlns:mc="http://schemas.openxmlformats.org/markup-compatibility/2006" xmlns:mv="urn:schemas-microsoft-com:mac:vml" xmlns:p="http://schemas.openxmlformats.org/presentationml/2006/main" xmlns:c="http://schemas.openxmlformats.org/drawingml/2006/chart" xmlns:dgm="http://schemas.openxmlformats.org/drawingml/2006/diagram" xmlns:o="urn:schemas-microsoft-com:office:office" xmlns:v="urn:schemas-microsoft-com:vml" xmlns:pvml="urn:schemas-microsoft-com:office:powerpoint" xmlns:com="http://schemas.openxmlformats.org/drawingml/2006/compatibility" xmlns:p14="http://schemas.microsoft.com/office/powerpoint/2010/main">
-  <p:cSld>
-    <p:spTree>
-      <p:nvGrpSpPr>
-        <p:cNvPr id="140" name="Shape 140"/>
-        <p:cNvGrpSpPr/>
-        <p:nvPr/>
-      </p:nvGrpSpPr>
-      <p:grpSpPr>
-        <a:xfrm>
-          <a:off x="0" y="0"/>
-          <a:ext cx="0" cy="0"/>
-          <a:chOff x="0" y="0"/>
-          <a:chExt cx="0" cy="0"/>
-        </a:xfrm>
-      </p:grpSpPr>
-      <p:sp>
-        <p:nvSpPr>
-          <p:cNvPr id="141" name="Shape 141"/>
-          <p:cNvSpPr txBox="1"/>
-          <p:nvPr>
-            <p:ph type="title"/>
-          </p:nvPr>
-        </p:nvSpPr>
-        <p:spPr>
-          <a:xfrm>
-            <a:off x="457200" y="139527"/>
-            <a:ext cx="8229600" cy="857400"/>
-          </a:xfrm>
-          <a:prstGeom prst="rect">
-            <a:avLst/>
-          </a:prstGeom>
-        </p:spPr>
-        <p:txBody>
-          <a:bodyPr anchorCtr="0" anchor="b" bIns="91425" lIns="91425" rIns="91425" tIns="91425">
-            <a:noAutofit/>
-          </a:bodyPr>
-          <a:lstStyle/>
-          <a:p>
-            <a:pPr lvl="0">
-              <a:spcBef>
-                <a:spcPts val="0"/>
-              </a:spcBef>
-              <a:buNone/>
-            </a:pPr>
-            <a:r>
-              <a:rPr lang="es"/>
-              <a:t>Directiva @page extends</a:t>
-            </a:r>
-          </a:p>
-        </p:txBody>
-      </p:sp>
-      <p:sp>
-        <p:nvSpPr>
-          <p:cNvPr id="142" name="Shape 142"/>
-          <p:cNvSpPr txBox="1"/>
-          <p:nvPr>
-            <p:ph idx="1" type="body"/>
-          </p:nvPr>
-        </p:nvSpPr>
-        <p:spPr>
-          <a:xfrm>
-            <a:off x="457200" y="1200150"/>
-            <a:ext cx="8229600" cy="3725699"/>
-          </a:xfrm>
-          <a:prstGeom prst="rect">
-            <a:avLst/>
-          </a:prstGeom>
-        </p:spPr>
-        <p:txBody>
-          <a:bodyPr anchorCtr="0" anchor="t" bIns="91425" lIns="91425" rIns="91425" tIns="91425">
-            <a:noAutofit/>
-          </a:bodyPr>
-          <a:lstStyle/>
-          <a:p>
-            <a:pPr indent="-228600" lvl="0" marL="457200" rtl="0">
-              <a:spcBef>
-                <a:spcPts val="0"/>
-              </a:spcBef>
-            </a:pPr>
-            <a:r>
-              <a:rPr lang="es"/>
-              <a:t>Permite extender una clase mediante el mecanismo de herencia.</a:t>
-            </a:r>
-          </a:p>
-          <a:p>
-            <a:pPr indent="-228600" lvl="0" marL="457200" rtl="0">
-              <a:spcBef>
-                <a:spcPts val="0"/>
-              </a:spcBef>
-            </a:pPr>
-            <a:r>
-              <a:rPr lang="es"/>
-              <a:t>Ejemplo</a:t>
-            </a:r>
-          </a:p>
-          <a:p>
-            <a:pPr indent="-393700" lvl="1" marL="914400" rtl="0">
-              <a:spcBef>
-                <a:spcPts val="0"/>
-              </a:spcBef>
-              <a:buSzPct val="100000"/>
-            </a:pPr>
-            <a:r>
-              <a:rPr lang="es" sz="2600">
-                <a:solidFill>
-                  <a:srgbClr val="0000FF"/>
-                </a:solidFill>
-              </a:rPr>
-              <a:t>&lt;%@page </a:t>
-            </a:r>
-            <a:r>
-              <a:rPr lang="es" sz="2600">
-                <a:solidFill>
-                  <a:srgbClr val="980000"/>
-                </a:solidFill>
-              </a:rPr>
-              <a:t>extends</a:t>
-            </a:r>
-            <a:r>
-              <a:rPr lang="es" sz="2600"/>
-              <a:t>= "unPaquete.UnaClase" </a:t>
-            </a:r>
-            <a:r>
-              <a:rPr lang="es" sz="2600">
-                <a:solidFill>
-                  <a:srgbClr val="0000FF"/>
-                </a:solidFill>
-              </a:rPr>
-              <a:t>%&gt;</a:t>
-            </a:r>
-          </a:p>
-        </p:txBody>
-      </p:sp>
-    </p:spTree>
-  </p:cSld>
-  <p:clrMapOvr>
-    <a:masterClrMapping/>
-  </p:clrMapOvr>
-  <p:transition spd="slow">
-    <p:cut/>
-  </p:transition>
-</p:sld>
-</file>
-
-<file path=ppt/slides/slide17.xml><?xml version="1.0" encoding="utf-8"?>
-<p:sld xmlns:a="http://schemas.openxmlformats.org/drawingml/2006/main" xmlns:r="http://schemas.openxmlformats.org/officeDocument/2006/relationships" xmlns:mc="http://schemas.openxmlformats.org/markup-compatibility/2006" xmlns:mv="urn:schemas-microsoft-com:mac:vml" xmlns:p="http://schemas.openxmlformats.org/presentationml/2006/main" xmlns:c="http://schemas.openxmlformats.org/drawingml/2006/chart" xmlns:dgm="http://schemas.openxmlformats.org/drawingml/2006/diagram" xmlns:o="urn:schemas-microsoft-com:office:office" xmlns:v="urn:schemas-microsoft-com:vml" xmlns:pvml="urn:schemas-microsoft-com:office:powerpoint" xmlns:com="http://schemas.openxmlformats.org/drawingml/2006/compatibility" xmlns:p14="http://schemas.microsoft.com/office/powerpoint/2010/main">
-  <p:cSld>
-    <p:spTree>
-      <p:nvGrpSpPr>
-        <p:cNvPr id="146" name="Shape 146"/>
-        <p:cNvGrpSpPr/>
-        <p:nvPr/>
-      </p:nvGrpSpPr>
-      <p:grpSpPr>
-        <a:xfrm>
-          <a:off x="0" y="0"/>
-          <a:ext cx="0" cy="0"/>
-          <a:chOff x="0" y="0"/>
-          <a:chExt cx="0" cy="0"/>
-        </a:xfrm>
-      </p:grpSpPr>
-      <p:sp>
-        <p:nvSpPr>
-          <p:cNvPr id="147" name="Shape 147"/>
-          <p:cNvSpPr txBox="1"/>
-          <p:nvPr>
-            <p:ph type="title"/>
-          </p:nvPr>
-        </p:nvSpPr>
-        <p:spPr>
-          <a:xfrm>
-            <a:off x="457200" y="139527"/>
-            <a:ext cx="8229600" cy="857400"/>
-          </a:xfrm>
-          <a:prstGeom prst="rect">
-            <a:avLst/>
-          </a:prstGeom>
-        </p:spPr>
-        <p:txBody>
-          <a:bodyPr anchorCtr="0" anchor="b" bIns="91425" lIns="91425" rIns="91425" tIns="91425">
-            <a:noAutofit/>
-          </a:bodyPr>
-          <a:lstStyle/>
-          <a:p>
-            <a:pPr lvl="0">
-              <a:spcBef>
-                <a:spcPts val="0"/>
-              </a:spcBef>
-              <a:buNone/>
-            </a:pPr>
-            <a:r>
-              <a:rPr lang="es"/>
-              <a:t>Directiva @page session</a:t>
-            </a:r>
-          </a:p>
-        </p:txBody>
-      </p:sp>
-      <p:sp>
-        <p:nvSpPr>
-          <p:cNvPr id="148" name="Shape 148"/>
-          <p:cNvSpPr txBox="1"/>
-          <p:nvPr>
-            <p:ph idx="1" type="body"/>
-          </p:nvPr>
-        </p:nvSpPr>
-        <p:spPr>
-          <a:xfrm>
-            <a:off x="457200" y="1200150"/>
-            <a:ext cx="8229600" cy="3725699"/>
-          </a:xfrm>
-          <a:prstGeom prst="rect">
-            <a:avLst/>
-          </a:prstGeom>
-        </p:spPr>
-        <p:txBody>
-          <a:bodyPr anchorCtr="0" anchor="t" bIns="91425" lIns="91425" rIns="91425" tIns="91425">
-            <a:noAutofit/>
-          </a:bodyPr>
-          <a:lstStyle/>
-          <a:p>
-            <a:pPr indent="-228600" lvl="0" marL="457200" rtl="0">
-              <a:spcBef>
-                <a:spcPts val="0"/>
-              </a:spcBef>
-            </a:pPr>
-            <a:r>
-              <a:rPr lang="es"/>
-              <a:t>Indica si el objeto sesión está activo o no para esta página.</a:t>
-            </a:r>
-          </a:p>
-          <a:p>
-            <a:pPr indent="-228600" lvl="1" marL="914400" rtl="0">
-              <a:spcBef>
-                <a:spcPts val="0"/>
-              </a:spcBef>
-            </a:pPr>
-            <a:r>
-              <a:rPr lang="es"/>
-              <a:t>¡¡OJO!! por defecto está activado y consume recursos. Si no se va a utilizar, conviene desactivarlo por motivos de rendimiento.</a:t>
-            </a:r>
-          </a:p>
-          <a:p>
-            <a:pPr indent="-228600" lvl="0" marL="457200" rtl="0">
-              <a:spcBef>
-                <a:spcPts val="0"/>
-              </a:spcBef>
-            </a:pPr>
-            <a:r>
-              <a:rPr lang="es"/>
-              <a:t>Ejemplo</a:t>
-            </a:r>
-          </a:p>
-          <a:p>
-            <a:pPr indent="-228600" lvl="1" marL="914400">
-              <a:spcBef>
-                <a:spcPts val="0"/>
-              </a:spcBef>
-            </a:pPr>
-            <a:r>
-              <a:rPr lang="es">
-                <a:solidFill>
-                  <a:srgbClr val="0000FF"/>
-                </a:solidFill>
-              </a:rPr>
-              <a:t>&lt;%@page </a:t>
-            </a:r>
-            <a:r>
-              <a:rPr lang="es">
-                <a:solidFill>
-                  <a:srgbClr val="980000"/>
-                </a:solidFill>
-              </a:rPr>
-              <a:t>session</a:t>
-            </a:r>
-            <a:r>
-              <a:rPr lang="es"/>
-              <a:t>="false" </a:t>
-            </a:r>
-            <a:r>
-              <a:rPr lang="es">
-                <a:solidFill>
-                  <a:srgbClr val="0000FF"/>
-                </a:solidFill>
-              </a:rPr>
-              <a:t>%&gt;</a:t>
-            </a:r>
-          </a:p>
-        </p:txBody>
-      </p:sp>
-    </p:spTree>
-  </p:cSld>
-  <p:clrMapOvr>
-    <a:masterClrMapping/>
-  </p:clrMapOvr>
-  <p:transition spd="slow">
-    <p:cut/>
-  </p:transition>
-</p:sld>
-</file>
-
-<file path=ppt/slides/slide18.xml><?xml version="1.0" encoding="utf-8"?>
-<p:sld xmlns:a="http://schemas.openxmlformats.org/drawingml/2006/main" xmlns:r="http://schemas.openxmlformats.org/officeDocument/2006/relationships" xmlns:mc="http://schemas.openxmlformats.org/markup-compatibility/2006" xmlns:mv="urn:schemas-microsoft-com:mac:vml" xmlns:p="http://schemas.openxmlformats.org/presentationml/2006/main" xmlns:c="http://schemas.openxmlformats.org/drawingml/2006/chart" xmlns:dgm="http://schemas.openxmlformats.org/drawingml/2006/diagram" xmlns:o="urn:schemas-microsoft-com:office:office" xmlns:v="urn:schemas-microsoft-com:vml" xmlns:pvml="urn:schemas-microsoft-com:office:powerpoint" xmlns:com="http://schemas.openxmlformats.org/drawingml/2006/compatibility" xmlns:p14="http://schemas.microsoft.com/office/powerpoint/2010/main">
-  <p:cSld>
-    <p:spTree>
-      <p:nvGrpSpPr>
-        <p:cNvPr id="152" name="Shape 152"/>
-        <p:cNvGrpSpPr/>
-        <p:nvPr/>
-      </p:nvGrpSpPr>
-      <p:grpSpPr>
-        <a:xfrm>
-          <a:off x="0" y="0"/>
-          <a:ext cx="0" cy="0"/>
-          <a:chOff x="0" y="0"/>
-          <a:chExt cx="0" cy="0"/>
-        </a:xfrm>
-      </p:grpSpPr>
-      <p:sp>
-        <p:nvSpPr>
-          <p:cNvPr id="153" name="Shape 153"/>
-          <p:cNvSpPr txBox="1"/>
-          <p:nvPr>
-            <p:ph type="title"/>
-          </p:nvPr>
-        </p:nvSpPr>
-        <p:spPr>
-          <a:xfrm>
-            <a:off x="457200" y="139527"/>
-            <a:ext cx="8229600" cy="857400"/>
-          </a:xfrm>
-          <a:prstGeom prst="rect">
-            <a:avLst/>
-          </a:prstGeom>
-        </p:spPr>
-        <p:txBody>
-          <a:bodyPr anchorCtr="0" anchor="b" bIns="91425" lIns="91425" rIns="91425" tIns="91425">
-            <a:noAutofit/>
-          </a:bodyPr>
-          <a:lstStyle/>
-          <a:p>
-            <a:pPr lvl="0">
-              <a:spcBef>
-                <a:spcPts val="0"/>
-              </a:spcBef>
-              <a:buNone/>
-            </a:pPr>
-            <a:r>
-              <a:rPr lang="es"/>
-              <a:t>Directiva @page language</a:t>
-            </a:r>
-          </a:p>
-        </p:txBody>
-      </p:sp>
-      <p:sp>
-        <p:nvSpPr>
-          <p:cNvPr id="154" name="Shape 154"/>
-          <p:cNvSpPr txBox="1"/>
-          <p:nvPr>
-            <p:ph idx="1" type="body"/>
-          </p:nvPr>
-        </p:nvSpPr>
-        <p:spPr>
-          <a:xfrm>
-            <a:off x="457200" y="1200150"/>
-            <a:ext cx="8229600" cy="3725699"/>
-          </a:xfrm>
-          <a:prstGeom prst="rect">
-            <a:avLst/>
-          </a:prstGeom>
-        </p:spPr>
-        <p:txBody>
-          <a:bodyPr anchorCtr="0" anchor="t" bIns="91425" lIns="91425" rIns="91425" tIns="91425">
-            <a:noAutofit/>
-          </a:bodyPr>
-          <a:lstStyle/>
-          <a:p>
-            <a:pPr indent="-228600" lvl="0" marL="457200" rtl="0">
-              <a:spcBef>
-                <a:spcPts val="0"/>
-              </a:spcBef>
-            </a:pPr>
-            <a:r>
-              <a:rPr lang="es"/>
-              <a:t>lenguaje de programación que usa la página (sólo válido Java)</a:t>
-            </a:r>
-          </a:p>
-          <a:p>
-            <a:pPr indent="-228600" lvl="0" marL="457200" rtl="0">
-              <a:spcBef>
-                <a:spcPts val="0"/>
-              </a:spcBef>
-            </a:pPr>
-            <a:r>
-              <a:rPr lang="es"/>
-              <a:t>Ejemplo</a:t>
-            </a:r>
-          </a:p>
-          <a:p>
-            <a:pPr indent="-412750" lvl="1" marL="914400" rtl="0">
-              <a:spcBef>
-                <a:spcPts val="0"/>
-              </a:spcBef>
-              <a:buSzPct val="100000"/>
-            </a:pPr>
-            <a:r>
-              <a:rPr lang="es" sz="2900">
-                <a:solidFill>
-                  <a:srgbClr val="0000FF"/>
-                </a:solidFill>
-              </a:rPr>
-              <a:t>&lt;%@page </a:t>
-            </a:r>
-            <a:r>
-              <a:rPr lang="es" sz="2900">
-                <a:solidFill>
-                  <a:srgbClr val="980000"/>
-                </a:solidFill>
-              </a:rPr>
-              <a:t>language</a:t>
-            </a:r>
-            <a:r>
-              <a:rPr lang="es" sz="2900"/>
-              <a:t>="java" </a:t>
-            </a:r>
-            <a:r>
-              <a:rPr lang="es" sz="2900">
-                <a:solidFill>
-                  <a:srgbClr val="0000FF"/>
-                </a:solidFill>
-              </a:rPr>
-              <a:t>%&gt;</a:t>
-            </a:r>
-          </a:p>
-          <a:p>
-            <a:pPr lvl="0">
-              <a:spcBef>
-                <a:spcPts val="0"/>
-              </a:spcBef>
-              <a:buNone/>
-            </a:pPr>
-            <a:r>
-              <a:t/>
-            </a:r>
-            <a:endParaRPr/>
-          </a:p>
-        </p:txBody>
-      </p:sp>
-    </p:spTree>
-  </p:cSld>
-  <p:clrMapOvr>
-    <a:masterClrMapping/>
-  </p:clrMapOvr>
-  <p:transition spd="slow">
-    <p:cut/>
-  </p:transition>
-</p:sld>
-</file>
-
-<file path=ppt/slides/slide19.xml><?xml version="1.0" encoding="utf-8"?>
+<file path=ppt/slides/slide20.xml><?xml version="1.0" encoding="utf-8"?>
 <p:sld xmlns:a="http://schemas.openxmlformats.org/drawingml/2006/main" xmlns:r="http://schemas.openxmlformats.org/officeDocument/2006/relationships" xmlns:mc="http://schemas.openxmlformats.org/markup-compatibility/2006" xmlns:mv="urn:schemas-microsoft-com:mac:vml" xmlns:p="http://schemas.openxmlformats.org/presentationml/2006/main" xmlns:c="http://schemas.openxmlformats.org/drawingml/2006/chart" xmlns:dgm="http://schemas.openxmlformats.org/drawingml/2006/diagram" xmlns:o="urn:schemas-microsoft-com:office:office" xmlns:v="urn:schemas-microsoft-com:vml" xmlns:pvml="urn:schemas-microsoft-com:office:powerpoint" xmlns:com="http://schemas.openxmlformats.org/drawingml/2006/compatibility" xmlns:p14="http://schemas.microsoft.com/office/powerpoint/2010/main">
   <p:cSld>
     <p:spTree>
@@ -7574,135 +7772,7 @@
 </p:sld>
 </file>
 
-<file path=ppt/slides/slide2.xml><?xml version="1.0" encoding="utf-8"?>
-<p:sld xmlns:a="http://schemas.openxmlformats.org/drawingml/2006/main" xmlns:r="http://schemas.openxmlformats.org/officeDocument/2006/relationships" xmlns:mc="http://schemas.openxmlformats.org/markup-compatibility/2006" xmlns:mv="urn:schemas-microsoft-com:mac:vml" xmlns:p="http://schemas.openxmlformats.org/presentationml/2006/main" xmlns:c="http://schemas.openxmlformats.org/drawingml/2006/chart" xmlns:dgm="http://schemas.openxmlformats.org/drawingml/2006/diagram" xmlns:o="urn:schemas-microsoft-com:office:office" xmlns:v="urn:schemas-microsoft-com:vml" xmlns:pvml="urn:schemas-microsoft-com:office:powerpoint" xmlns:com="http://schemas.openxmlformats.org/drawingml/2006/compatibility" xmlns:p14="http://schemas.microsoft.com/office/powerpoint/2010/main">
-  <p:cSld>
-    <p:spTree>
-      <p:nvGrpSpPr>
-        <p:cNvPr id="56" name="Shape 56"/>
-        <p:cNvGrpSpPr/>
-        <p:nvPr/>
-      </p:nvGrpSpPr>
-      <p:grpSpPr>
-        <a:xfrm>
-          <a:off x="0" y="0"/>
-          <a:ext cx="0" cy="0"/>
-          <a:chOff x="0" y="0"/>
-          <a:chExt cx="0" cy="0"/>
-        </a:xfrm>
-      </p:grpSpPr>
-      <p:sp>
-        <p:nvSpPr>
-          <p:cNvPr id="57" name="Shape 57"/>
-          <p:cNvSpPr txBox="1"/>
-          <p:nvPr>
-            <p:ph type="title"/>
-          </p:nvPr>
-        </p:nvSpPr>
-        <p:spPr>
-          <a:xfrm>
-            <a:off x="457200" y="139527"/>
-            <a:ext cx="8229600" cy="857400"/>
-          </a:xfrm>
-          <a:prstGeom prst="rect">
-            <a:avLst/>
-          </a:prstGeom>
-        </p:spPr>
-        <p:txBody>
-          <a:bodyPr anchorCtr="0" anchor="b" bIns="91425" lIns="91425" rIns="91425" tIns="91425">
-            <a:noAutofit/>
-          </a:bodyPr>
-          <a:lstStyle/>
-          <a:p>
-            <a:pPr lvl="0">
-              <a:spcBef>
-                <a:spcPts val="0"/>
-              </a:spcBef>
-              <a:buNone/>
-            </a:pPr>
-            <a:r>
-              <a:rPr lang="es"/>
-              <a:t>Conceptos generales</a:t>
-            </a:r>
-          </a:p>
-        </p:txBody>
-      </p:sp>
-      <p:sp>
-        <p:nvSpPr>
-          <p:cNvPr id="58" name="Shape 58"/>
-          <p:cNvSpPr txBox="1"/>
-          <p:nvPr>
-            <p:ph idx="1" type="body"/>
-          </p:nvPr>
-        </p:nvSpPr>
-        <p:spPr>
-          <a:xfrm>
-            <a:off x="457200" y="1200150"/>
-            <a:ext cx="8229600" cy="3725699"/>
-          </a:xfrm>
-          <a:prstGeom prst="rect">
-            <a:avLst/>
-          </a:prstGeom>
-        </p:spPr>
-        <p:txBody>
-          <a:bodyPr anchorCtr="0" anchor="t" bIns="91425" lIns="91425" rIns="91425" tIns="91425">
-            <a:noAutofit/>
-          </a:bodyPr>
-          <a:lstStyle/>
-          <a:p>
-            <a:pPr indent="-400050" lvl="0" marL="457200" rtl="0">
-              <a:spcBef>
-                <a:spcPts val="0"/>
-              </a:spcBef>
-              <a:buSzPct val="100000"/>
-            </a:pPr>
-            <a:r>
-              <a:rPr lang="es" sz="2700"/>
-              <a:t>JSP (Java Server Pages) es una tecnología que nos ayuda a crear páginas web dinámicas a base de incrustar código JAVA dentro de código HTML</a:t>
-            </a:r>
-          </a:p>
-          <a:p>
-            <a:pPr indent="-400050" lvl="0" marL="457200">
-              <a:spcBef>
-                <a:spcPts val="0"/>
-              </a:spcBef>
-              <a:buSzPct val="100000"/>
-            </a:pPr>
-            <a:r>
-              <a:rPr lang="es" sz="2700"/>
-              <a:t>Un fichero JSP (HTML con código JAVA embebido) </a:t>
-            </a:r>
-            <a:r>
-              <a:rPr lang="es" sz="2700" u="sng"/>
-              <a:t>es un servlet</a:t>
-            </a:r>
-            <a:r>
-              <a:rPr lang="es" sz="2700"/>
-              <a:t>, de hecho lo primero que hace el contenedor de servlets es </a:t>
-            </a:r>
-            <a:r>
-              <a:rPr lang="es" sz="2700" u="sng"/>
-              <a:t>traducir y compilar el JSP invocado</a:t>
-            </a:r>
-            <a:r>
-              <a:rPr lang="es" sz="2700"/>
-              <a:t> a un servlet.</a:t>
-            </a:r>
-          </a:p>
-        </p:txBody>
-      </p:sp>
-    </p:spTree>
-  </p:cSld>
-  <p:clrMapOvr>
-    <a:masterClrMapping/>
-  </p:clrMapOvr>
-  <p:transition spd="slow">
-    <p:cut/>
-  </p:transition>
-</p:sld>
-</file>
-
-<file path=ppt/slides/slide20.xml><?xml version="1.0" encoding="utf-8"?>
+<file path=ppt/slides/slide21.xml><?xml version="1.0" encoding="utf-8"?>
 <p:sld xmlns:a="http://schemas.openxmlformats.org/drawingml/2006/main" xmlns:r="http://schemas.openxmlformats.org/officeDocument/2006/relationships" xmlns:mc="http://schemas.openxmlformats.org/markup-compatibility/2006" xmlns:mv="urn:schemas-microsoft-com:mac:vml" xmlns:p="http://schemas.openxmlformats.org/presentationml/2006/main" xmlns:c="http://schemas.openxmlformats.org/drawingml/2006/chart" xmlns:dgm="http://schemas.openxmlformats.org/drawingml/2006/diagram" xmlns:o="urn:schemas-microsoft-com:office:office" xmlns:v="urn:schemas-microsoft-com:vml" xmlns:pvml="urn:schemas-microsoft-com:office:powerpoint" xmlns:com="http://schemas.openxmlformats.org/drawingml/2006/compatibility" xmlns:p14="http://schemas.microsoft.com/office/powerpoint/2010/main">
   <p:cSld>
     <p:spTree>
@@ -7925,7 +7995,7 @@
 </p:sld>
 </file>
 
-<file path=ppt/slides/slide21.xml><?xml version="1.0" encoding="utf-8"?>
+<file path=ppt/slides/slide22.xml><?xml version="1.0" encoding="utf-8"?>
 <p:sld xmlns:a="http://schemas.openxmlformats.org/drawingml/2006/main" xmlns:r="http://schemas.openxmlformats.org/officeDocument/2006/relationships" xmlns:mc="http://schemas.openxmlformats.org/markup-compatibility/2006" xmlns:mv="urn:schemas-microsoft-com:mac:vml" xmlns:p="http://schemas.openxmlformats.org/presentationml/2006/main" xmlns:c="http://schemas.openxmlformats.org/drawingml/2006/chart" xmlns:dgm="http://schemas.openxmlformats.org/drawingml/2006/diagram" xmlns:o="urn:schemas-microsoft-com:office:office" xmlns:v="urn:schemas-microsoft-com:vml" xmlns:pvml="urn:schemas-microsoft-com:office:powerpoint" xmlns:com="http://schemas.openxmlformats.org/drawingml/2006/compatibility" xmlns:p14="http://schemas.microsoft.com/office/powerpoint/2010/main">
   <p:cSld>
     <p:spTree>
@@ -8069,7 +8139,7 @@
 </p:sld>
 </file>
 
-<file path=ppt/slides/slide22.xml><?xml version="1.0" encoding="utf-8"?>
+<file path=ppt/slides/slide23.xml><?xml version="1.0" encoding="utf-8"?>
 <p:sld xmlns:a="http://schemas.openxmlformats.org/drawingml/2006/main" xmlns:r="http://schemas.openxmlformats.org/officeDocument/2006/relationships" xmlns:mc="http://schemas.openxmlformats.org/markup-compatibility/2006" xmlns:mv="urn:schemas-microsoft-com:mac:vml" xmlns:p="http://schemas.openxmlformats.org/presentationml/2006/main" xmlns:c="http://schemas.openxmlformats.org/drawingml/2006/chart" xmlns:dgm="http://schemas.openxmlformats.org/drawingml/2006/diagram" xmlns:o="urn:schemas-microsoft-com:office:office" xmlns:v="urn:schemas-microsoft-com:vml" xmlns:pvml="urn:schemas-microsoft-com:office:powerpoint" xmlns:com="http://schemas.openxmlformats.org/drawingml/2006/compatibility" xmlns:p14="http://schemas.microsoft.com/office/powerpoint/2010/main">
   <p:cSld>
     <p:spTree>
@@ -8137,7 +8207,7 @@
             <a:tbl>
               <a:tblPr>
                 <a:noFill/>
-                <a:tableStyleId>{1358CBC1-C401-46A0-9C68-2384639C17DD}</a:tableStyleId>
+                <a:tableStyleId>{3A852F4D-D79D-4A98-BE97-3EEEA5825D54}</a:tableStyleId>
               </a:tblPr>
               <a:tblGrid>
                 <a:gridCol w="1755250"/>
@@ -8734,7 +8804,7 @@
 </p:sld>
 </file>
 
-<file path=ppt/slides/slide23.xml><?xml version="1.0" encoding="utf-8"?>
+<file path=ppt/slides/slide24.xml><?xml version="1.0" encoding="utf-8"?>
 <p:sld xmlns:a="http://schemas.openxmlformats.org/drawingml/2006/main" xmlns:r="http://schemas.openxmlformats.org/officeDocument/2006/relationships" xmlns:mc="http://schemas.openxmlformats.org/markup-compatibility/2006" xmlns:mv="urn:schemas-microsoft-com:mac:vml" xmlns:p="http://schemas.openxmlformats.org/presentationml/2006/main" xmlns:c="http://schemas.openxmlformats.org/drawingml/2006/chart" xmlns:dgm="http://schemas.openxmlformats.org/drawingml/2006/diagram" xmlns:o="urn:schemas-microsoft-com:office:office" xmlns:v="urn:schemas-microsoft-com:vml" xmlns:pvml="urn:schemas-microsoft-com:office:powerpoint" xmlns:com="http://schemas.openxmlformats.org/drawingml/2006/compatibility" xmlns:p14="http://schemas.microsoft.com/office/powerpoint/2010/main">
   <p:cSld>
     <p:spTree>
@@ -8842,6 +8912,18 @@
             </a:pPr>
             <a:r>
               <a:rPr lang="es" sz="2400"/>
+              <a:t>Comparten los objetos request y response</a:t>
+            </a:r>
+          </a:p>
+          <a:p>
+            <a:pPr indent="-381000" lvl="0" marL="457200" rtl="0">
+              <a:spcBef>
+                <a:spcPts val="0"/>
+              </a:spcBef>
+              <a:buSzPct val="100000"/>
+            </a:pPr>
+            <a:r>
+              <a:rPr lang="es" sz="2400"/>
               <a:t>El contenido incluido no aparece directamente en el Servlet generado.</a:t>
             </a:r>
           </a:p>
@@ -8909,7 +8991,7 @@
 </p:sld>
 </file>
 
-<file path=ppt/slides/slide24.xml><?xml version="1.0" encoding="utf-8"?>
+<file path=ppt/slides/slide25.xml><?xml version="1.0" encoding="utf-8"?>
 <p:sld xmlns:a="http://schemas.openxmlformats.org/drawingml/2006/main" xmlns:r="http://schemas.openxmlformats.org/officeDocument/2006/relationships" xmlns:mc="http://schemas.openxmlformats.org/markup-compatibility/2006" xmlns:mv="urn:schemas-microsoft-com:mac:vml" xmlns:p="http://schemas.openxmlformats.org/presentationml/2006/main" xmlns:c="http://schemas.openxmlformats.org/drawingml/2006/chart" xmlns:dgm="http://schemas.openxmlformats.org/drawingml/2006/diagram" xmlns:o="urn:schemas-microsoft-com:office:office" xmlns:v="urn:schemas-microsoft-com:vml" xmlns:pvml="urn:schemas-microsoft-com:office:powerpoint" xmlns:com="http://schemas.openxmlformats.org/drawingml/2006/compatibility" xmlns:p14="http://schemas.microsoft.com/office/powerpoint/2010/main">
   <p:cSld>
     <p:spTree>
@@ -8977,7 +9059,7 @@
             <a:tbl>
               <a:tblPr>
                 <a:noFill/>
-                <a:tableStyleId>{1358CBC1-C401-46A0-9C68-2384639C17DD}</a:tableStyleId>
+                <a:tableStyleId>{3A852F4D-D79D-4A98-BE97-3EEEA5825D54}</a:tableStyleId>
               </a:tblPr>
               <a:tblGrid>
                 <a:gridCol w="5315975"/>
@@ -9215,9 +9297,9 @@
                         <a:buNone/>
                       </a:pPr>
                       <a:r>
-                        <a:t/>
+                        <a:rPr lang="es"/>
+                        <a:t>ServletContext (get/setAttribute)</a:t>
                       </a:r>
-                      <a:endParaRPr/>
                     </a:p>
                   </a:txBody>
                   <a:tcPr marT="91425" marB="91425" marR="91425" marL="91425"/>
@@ -9263,9 +9345,9 @@
                         <a:buNone/>
                       </a:pPr>
                       <a:r>
-                        <a:t/>
+                        <a:rPr lang="es"/>
+                        <a:t>ServletConfig</a:t>
                       </a:r>
-                      <a:endParaRPr/>
                     </a:p>
                   </a:txBody>
                   <a:tcPr marT="91425" marB="91425" marR="91425" marL="91425"/>
@@ -9311,9 +9393,9 @@
                         <a:buNone/>
                       </a:pPr>
                       <a:r>
-                        <a:t/>
+                        <a:rPr lang="es"/>
+                        <a:t>PageContext</a:t>
                       </a:r>
-                      <a:endParaRPr/>
                     </a:p>
                   </a:txBody>
                   <a:tcPr marT="91425" marB="91425" marR="91425" marL="91425"/>
@@ -9430,7 +9512,7 @@
 </p:sld>
 </file>
 
-<file path=ppt/slides/slide25.xml><?xml version="1.0" encoding="utf-8"?>
+<file path=ppt/slides/slide26.xml><?xml version="1.0" encoding="utf-8"?>
 <p:sld xmlns:a="http://schemas.openxmlformats.org/drawingml/2006/main" xmlns:r="http://schemas.openxmlformats.org/officeDocument/2006/relationships" xmlns:mc="http://schemas.openxmlformats.org/markup-compatibility/2006" xmlns:mv="urn:schemas-microsoft-com:mac:vml" xmlns:p="http://schemas.openxmlformats.org/presentationml/2006/main" xmlns:c="http://schemas.openxmlformats.org/drawingml/2006/chart" xmlns:dgm="http://schemas.openxmlformats.org/drawingml/2006/diagram" xmlns:o="urn:schemas-microsoft-com:office:office" xmlns:v="urn:schemas-microsoft-com:vml" xmlns:pvml="urn:schemas-microsoft-com:office:powerpoint" xmlns:com="http://schemas.openxmlformats.org/drawingml/2006/compatibility" xmlns:p14="http://schemas.microsoft.com/office/powerpoint/2010/main">
   <p:cSld>
     <p:spTree>
@@ -9522,7 +9604,7 @@
 </p:sld>
 </file>
 
-<file path=ppt/slides/slide26.xml><?xml version="1.0" encoding="utf-8"?>
+<file path=ppt/slides/slide27.xml><?xml version="1.0" encoding="utf-8"?>
 <p:sld xmlns:a="http://schemas.openxmlformats.org/drawingml/2006/main" xmlns:r="http://schemas.openxmlformats.org/officeDocument/2006/relationships" xmlns:mc="http://schemas.openxmlformats.org/markup-compatibility/2006" xmlns:mv="urn:schemas-microsoft-com:mac:vml" xmlns:p="http://schemas.openxmlformats.org/presentationml/2006/main" xmlns:c="http://schemas.openxmlformats.org/drawingml/2006/chart" xmlns:dgm="http://schemas.openxmlformats.org/drawingml/2006/diagram" xmlns:o="urn:schemas-microsoft-com:office:office" xmlns:v="urn:schemas-microsoft-com:vml" xmlns:pvml="urn:schemas-microsoft-com:office:powerpoint" xmlns:com="http://schemas.openxmlformats.org/drawingml/2006/compatibility" xmlns:p14="http://schemas.microsoft.com/office/powerpoint/2010/main">
   <p:cSld>
     <p:spTree>
@@ -9643,7 +9725,7 @@
 </p:sld>
 </file>
 
-<file path=ppt/slides/slide27.xml><?xml version="1.0" encoding="utf-8"?>
+<file path=ppt/slides/slide28.xml><?xml version="1.0" encoding="utf-8"?>
 <p:sld xmlns:a="http://schemas.openxmlformats.org/drawingml/2006/main" xmlns:r="http://schemas.openxmlformats.org/officeDocument/2006/relationships" xmlns:mc="http://schemas.openxmlformats.org/markup-compatibility/2006" xmlns:mv="urn:schemas-microsoft-com:mac:vml" xmlns:p="http://schemas.openxmlformats.org/presentationml/2006/main" xmlns:c="http://schemas.openxmlformats.org/drawingml/2006/chart" xmlns:dgm="http://schemas.openxmlformats.org/drawingml/2006/diagram" xmlns:o="urn:schemas-microsoft-com:office:office" xmlns:v="urn:schemas-microsoft-com:vml" xmlns:pvml="urn:schemas-microsoft-com:office:powerpoint" xmlns:com="http://schemas.openxmlformats.org/drawingml/2006/compatibility" xmlns:p14="http://schemas.microsoft.com/office/powerpoint/2010/main">
   <p:cSld>
     <p:spTree>
@@ -9863,7 +9945,7 @@
 </p:sld>
 </file>
 
-<file path=ppt/slides/slide28.xml><?xml version="1.0" encoding="utf-8"?>
+<file path=ppt/slides/slide29.xml><?xml version="1.0" encoding="utf-8"?>
 <p:sld xmlns:a="http://schemas.openxmlformats.org/drawingml/2006/main" xmlns:r="http://schemas.openxmlformats.org/officeDocument/2006/relationships" xmlns:mc="http://schemas.openxmlformats.org/markup-compatibility/2006" xmlns:mv="urn:schemas-microsoft-com:mac:vml" xmlns:p="http://schemas.openxmlformats.org/presentationml/2006/main" xmlns:c="http://schemas.openxmlformats.org/drawingml/2006/chart" xmlns:dgm="http://schemas.openxmlformats.org/drawingml/2006/diagram" xmlns:o="urn:schemas-microsoft-com:office:office" xmlns:v="urn:schemas-microsoft-com:vml" xmlns:pvml="urn:schemas-microsoft-com:office:powerpoint" xmlns:com="http://schemas.openxmlformats.org/drawingml/2006/compatibility" xmlns:p14="http://schemas.microsoft.com/office/powerpoint/2010/main">
   <p:cSld>
     <p:spTree>
@@ -9931,7 +10013,7 @@
             <a:tbl>
               <a:tblPr>
                 <a:noFill/>
-                <a:tableStyleId>{1358CBC1-C401-46A0-9C68-2384639C17DD}</a:tableStyleId>
+                <a:tableStyleId>{3A852F4D-D79D-4A98-BE97-3EEEA5825D54}</a:tableStyleId>
               </a:tblPr>
               <a:tblGrid>
                 <a:gridCol w="3943575"/>
@@ -10288,7 +10370,135 @@
 </p:sld>
 </file>
 
-<file path=ppt/slides/slide29.xml><?xml version="1.0" encoding="utf-8"?>
+<file path=ppt/slides/slide3.xml><?xml version="1.0" encoding="utf-8"?>
+<p:sld xmlns:a="http://schemas.openxmlformats.org/drawingml/2006/main" xmlns:r="http://schemas.openxmlformats.org/officeDocument/2006/relationships" xmlns:mc="http://schemas.openxmlformats.org/markup-compatibility/2006" xmlns:mv="urn:schemas-microsoft-com:mac:vml" xmlns:p="http://schemas.openxmlformats.org/presentationml/2006/main" xmlns:c="http://schemas.openxmlformats.org/drawingml/2006/chart" xmlns:dgm="http://schemas.openxmlformats.org/drawingml/2006/diagram" xmlns:o="urn:schemas-microsoft-com:office:office" xmlns:v="urn:schemas-microsoft-com:vml" xmlns:pvml="urn:schemas-microsoft-com:office:powerpoint" xmlns:com="http://schemas.openxmlformats.org/drawingml/2006/compatibility" xmlns:p14="http://schemas.microsoft.com/office/powerpoint/2010/main">
+  <p:cSld>
+    <p:spTree>
+      <p:nvGrpSpPr>
+        <p:cNvPr id="56" name="Shape 56"/>
+        <p:cNvGrpSpPr/>
+        <p:nvPr/>
+      </p:nvGrpSpPr>
+      <p:grpSpPr>
+        <a:xfrm>
+          <a:off x="0" y="0"/>
+          <a:ext cx="0" cy="0"/>
+          <a:chOff x="0" y="0"/>
+          <a:chExt cx="0" cy="0"/>
+        </a:xfrm>
+      </p:grpSpPr>
+      <p:sp>
+        <p:nvSpPr>
+          <p:cNvPr id="57" name="Shape 57"/>
+          <p:cNvSpPr txBox="1"/>
+          <p:nvPr>
+            <p:ph type="title"/>
+          </p:nvPr>
+        </p:nvSpPr>
+        <p:spPr>
+          <a:xfrm>
+            <a:off x="457200" y="139527"/>
+            <a:ext cx="8229600" cy="857400"/>
+          </a:xfrm>
+          <a:prstGeom prst="rect">
+            <a:avLst/>
+          </a:prstGeom>
+        </p:spPr>
+        <p:txBody>
+          <a:bodyPr anchorCtr="0" anchor="b" bIns="91425" lIns="91425" rIns="91425" tIns="91425">
+            <a:noAutofit/>
+          </a:bodyPr>
+          <a:lstStyle/>
+          <a:p>
+            <a:pPr lvl="0">
+              <a:spcBef>
+                <a:spcPts val="0"/>
+              </a:spcBef>
+              <a:buNone/>
+            </a:pPr>
+            <a:r>
+              <a:rPr lang="es"/>
+              <a:t>Conceptos generales</a:t>
+            </a:r>
+          </a:p>
+        </p:txBody>
+      </p:sp>
+      <p:sp>
+        <p:nvSpPr>
+          <p:cNvPr id="58" name="Shape 58"/>
+          <p:cNvSpPr txBox="1"/>
+          <p:nvPr>
+            <p:ph idx="1" type="body"/>
+          </p:nvPr>
+        </p:nvSpPr>
+        <p:spPr>
+          <a:xfrm>
+            <a:off x="457200" y="1200150"/>
+            <a:ext cx="8229600" cy="3725699"/>
+          </a:xfrm>
+          <a:prstGeom prst="rect">
+            <a:avLst/>
+          </a:prstGeom>
+        </p:spPr>
+        <p:txBody>
+          <a:bodyPr anchorCtr="0" anchor="t" bIns="91425" lIns="91425" rIns="91425" tIns="91425">
+            <a:noAutofit/>
+          </a:bodyPr>
+          <a:lstStyle/>
+          <a:p>
+            <a:pPr indent="-400050" lvl="0" marL="457200" rtl="0">
+              <a:spcBef>
+                <a:spcPts val="0"/>
+              </a:spcBef>
+              <a:buSzPct val="100000"/>
+            </a:pPr>
+            <a:r>
+              <a:rPr lang="es" sz="2700"/>
+              <a:t>JSP (Java Server Pages) es una tecnología que nos ayuda a crear páginas web dinámicas a base de incrustar código JAVA dentro de código HTML</a:t>
+            </a:r>
+          </a:p>
+          <a:p>
+            <a:pPr indent="-400050" lvl="0" marL="457200">
+              <a:spcBef>
+                <a:spcPts val="0"/>
+              </a:spcBef>
+              <a:buSzPct val="100000"/>
+            </a:pPr>
+            <a:r>
+              <a:rPr lang="es" sz="2700"/>
+              <a:t>Un fichero JSP (HTML con código JAVA embebido) </a:t>
+            </a:r>
+            <a:r>
+              <a:rPr lang="es" sz="2700" u="sng"/>
+              <a:t>es un servlet</a:t>
+            </a:r>
+            <a:r>
+              <a:rPr lang="es" sz="2700"/>
+              <a:t>, de hecho lo primero que hace el contenedor de servlets es </a:t>
+            </a:r>
+            <a:r>
+              <a:rPr lang="es" sz="2700" u="sng"/>
+              <a:t>traducir y compilar el JSP invocado</a:t>
+            </a:r>
+            <a:r>
+              <a:rPr lang="es" sz="2700"/>
+              <a:t> a un servlet.</a:t>
+            </a:r>
+          </a:p>
+        </p:txBody>
+      </p:sp>
+    </p:spTree>
+  </p:cSld>
+  <p:clrMapOvr>
+    <a:masterClrMapping/>
+  </p:clrMapOvr>
+  <p:transition spd="slow">
+    <p:cut/>
+  </p:transition>
+</p:sld>
+</file>
+
+<file path=ppt/slides/slide30.xml><?xml version="1.0" encoding="utf-8"?>
 <p:sld xmlns:a="http://schemas.openxmlformats.org/drawingml/2006/main" xmlns:r="http://schemas.openxmlformats.org/officeDocument/2006/relationships" xmlns:mc="http://schemas.openxmlformats.org/markup-compatibility/2006" xmlns:mv="urn:schemas-microsoft-com:mac:vml" xmlns:p="http://schemas.openxmlformats.org/presentationml/2006/main" xmlns:c="http://schemas.openxmlformats.org/drawingml/2006/chart" xmlns:dgm="http://schemas.openxmlformats.org/drawingml/2006/diagram" xmlns:o="urn:schemas-microsoft-com:office:office" xmlns:v="urn:schemas-microsoft-com:vml" xmlns:pvml="urn:schemas-microsoft-com:office:powerpoint" xmlns:com="http://schemas.openxmlformats.org/drawingml/2006/compatibility" xmlns:p14="http://schemas.microsoft.com/office/powerpoint/2010/main">
   <p:cSld>
     <p:spTree>
@@ -10356,7 +10566,7 @@
             <a:tbl>
               <a:tblPr>
                 <a:noFill/>
-                <a:tableStyleId>{1358CBC1-C401-46A0-9C68-2384639C17DD}</a:tableStyleId>
+                <a:tableStyleId>{3A852F4D-D79D-4A98-BE97-3EEEA5825D54}</a:tableStyleId>
               </a:tblPr>
               <a:tblGrid>
                 <a:gridCol w="4183300"/>
@@ -10680,7 +10890,7 @@
 </p:sld>
 </file>
 
-<file path=ppt/slides/slide3.xml><?xml version="1.0" encoding="utf-8"?>
+<file path=ppt/slides/slide4.xml><?xml version="1.0" encoding="utf-8"?>
 <p:sld xmlns:a="http://schemas.openxmlformats.org/drawingml/2006/main" xmlns:r="http://schemas.openxmlformats.org/officeDocument/2006/relationships" xmlns:mc="http://schemas.openxmlformats.org/markup-compatibility/2006" xmlns:mv="urn:schemas-microsoft-com:mac:vml" xmlns:p="http://schemas.openxmlformats.org/presentationml/2006/main" xmlns:c="http://schemas.openxmlformats.org/drawingml/2006/chart" xmlns:dgm="http://schemas.openxmlformats.org/drawingml/2006/diagram" xmlns:o="urn:schemas-microsoft-com:office:office" xmlns:v="urn:schemas-microsoft-com:vml" xmlns:pvml="urn:schemas-microsoft-com:office:powerpoint" xmlns:com="http://schemas.openxmlformats.org/drawingml/2006/compatibility" xmlns:p14="http://schemas.microsoft.com/office/powerpoint/2010/main">
   <p:cSld>
     <p:spTree>
@@ -10825,7 +11035,7 @@
 </p:sld>
 </file>
 
-<file path=ppt/slides/slide4.xml><?xml version="1.0" encoding="utf-8"?>
+<file path=ppt/slides/slide5.xml><?xml version="1.0" encoding="utf-8"?>
 <p:sld xmlns:a="http://schemas.openxmlformats.org/drawingml/2006/main" xmlns:r="http://schemas.openxmlformats.org/officeDocument/2006/relationships" xmlns:mc="http://schemas.openxmlformats.org/markup-compatibility/2006" xmlns:mv="urn:schemas-microsoft-com:mac:vml" xmlns:p="http://schemas.openxmlformats.org/presentationml/2006/main" xmlns:c="http://schemas.openxmlformats.org/drawingml/2006/chart" xmlns:dgm="http://schemas.openxmlformats.org/drawingml/2006/diagram" xmlns:o="urn:schemas-microsoft-com:office:office" xmlns:v="urn:schemas-microsoft-com:vml" xmlns:pvml="urn:schemas-microsoft-com:office:powerpoint" xmlns:com="http://schemas.openxmlformats.org/drawingml/2006/compatibility" xmlns:p14="http://schemas.microsoft.com/office/powerpoint/2010/main">
   <p:cSld>
     <p:spTree>
@@ -11053,7 +11263,7 @@
 </p:sld>
 </file>
 
-<file path=ppt/slides/slide5.xml><?xml version="1.0" encoding="utf-8"?>
+<file path=ppt/slides/slide6.xml><?xml version="1.0" encoding="utf-8"?>
 <p:sld xmlns:a="http://schemas.openxmlformats.org/drawingml/2006/main" xmlns:r="http://schemas.openxmlformats.org/officeDocument/2006/relationships" xmlns:mc="http://schemas.openxmlformats.org/markup-compatibility/2006" xmlns:mv="urn:schemas-microsoft-com:mac:vml" xmlns:p="http://schemas.openxmlformats.org/presentationml/2006/main" xmlns:c="http://schemas.openxmlformats.org/drawingml/2006/chart" xmlns:dgm="http://schemas.openxmlformats.org/drawingml/2006/diagram" xmlns:o="urn:schemas-microsoft-com:office:office" xmlns:v="urn:schemas-microsoft-com:vml" xmlns:pvml="urn:schemas-microsoft-com:office:powerpoint" xmlns:com="http://schemas.openxmlformats.org/drawingml/2006/compatibility" xmlns:p14="http://schemas.microsoft.com/office/powerpoint/2010/main">
   <p:cSld>
     <p:spTree>
@@ -11252,7 +11462,7 @@
 </p:sld>
 </file>
 
-<file path=ppt/slides/slide6.xml><?xml version="1.0" encoding="utf-8"?>
+<file path=ppt/slides/slide7.xml><?xml version="1.0" encoding="utf-8"?>
 <p:sld xmlns:a="http://schemas.openxmlformats.org/drawingml/2006/main" xmlns:r="http://schemas.openxmlformats.org/officeDocument/2006/relationships" xmlns:mc="http://schemas.openxmlformats.org/markup-compatibility/2006" xmlns:mv="urn:schemas-microsoft-com:mac:vml" xmlns:p="http://schemas.openxmlformats.org/presentationml/2006/main" xmlns:c="http://schemas.openxmlformats.org/drawingml/2006/chart" xmlns:dgm="http://schemas.openxmlformats.org/drawingml/2006/diagram" xmlns:o="urn:schemas-microsoft-com:office:office" xmlns:v="urn:schemas-microsoft-com:vml" xmlns:pvml="urn:schemas-microsoft-com:office:powerpoint" xmlns:com="http://schemas.openxmlformats.org/drawingml/2006/compatibility" xmlns:p14="http://schemas.microsoft.com/office/powerpoint/2010/main">
   <p:cSld>
     <p:spTree>
@@ -11305,102 +11515,602 @@
           </a:p>
         </p:txBody>
       </p:sp>
-      <p:sp>
-        <p:nvSpPr>
+      <p:graphicFrame>
+        <p:nvGraphicFramePr>
           <p:cNvPr id="82" name="Shape 82"/>
-          <p:cNvSpPr txBox="1"/>
-          <p:nvPr>
-            <p:ph idx="1" type="body"/>
-          </p:nvPr>
-        </p:nvSpPr>
-        <p:spPr>
-          <a:xfrm>
-            <a:off x="457200" y="1200150"/>
-            <a:ext cx="8229600" cy="3725699"/>
-          </a:xfrm>
-          <a:prstGeom prst="rect">
-            <a:avLst/>
-          </a:prstGeom>
-        </p:spPr>
-        <p:txBody>
-          <a:bodyPr anchorCtr="0" anchor="t" bIns="91425" lIns="91425" rIns="91425" tIns="91425">
-            <a:noAutofit/>
-          </a:bodyPr>
-          <a:lstStyle/>
-          <a:p>
-            <a:pPr lvl="0" rtl="0">
-              <a:spcBef>
-                <a:spcPts val="0"/>
-              </a:spcBef>
-              <a:buNone/>
-            </a:pPr>
-            <a:r>
-              <a:rPr lang="es"/>
-              <a:t>Scriptlets</a:t>
-            </a:r>
-          </a:p>
-          <a:p>
-            <a:pPr lvl="0" rtl="0">
-              <a:spcBef>
-                <a:spcPts val="0"/>
-              </a:spcBef>
-              <a:buNone/>
-            </a:pPr>
-            <a:r>
-              <a:rPr lang="es"/>
-              <a:t>Declaraciones</a:t>
-            </a:r>
-          </a:p>
-          <a:p>
-            <a:pPr lvl="0" rtl="0">
-              <a:spcBef>
-                <a:spcPts val="0"/>
-              </a:spcBef>
-              <a:buNone/>
-            </a:pPr>
-            <a:r>
-              <a:rPr lang="es"/>
-              <a:t>Expresiones</a:t>
-            </a:r>
-          </a:p>
-          <a:p>
-            <a:pPr lvl="0" rtl="0">
-              <a:spcBef>
-                <a:spcPts val="0"/>
-              </a:spcBef>
-              <a:buNone/>
-            </a:pPr>
-            <a:r>
-              <a:rPr lang="es"/>
-              <a:t>Comentarios</a:t>
-            </a:r>
-          </a:p>
-          <a:p>
-            <a:pPr lvl="0" rtl="0">
-              <a:spcBef>
-                <a:spcPts val="0"/>
-              </a:spcBef>
-              <a:buNone/>
-            </a:pPr>
-            <a:r>
-              <a:rPr lang="es"/>
-              <a:t>Directivas</a:t>
-            </a:r>
-          </a:p>
-          <a:p>
-            <a:pPr lvl="0">
-              <a:spcBef>
-                <a:spcPts val="0"/>
-              </a:spcBef>
-              <a:buNone/>
-            </a:pPr>
-            <a:r>
-              <a:rPr lang="es"/>
-              <a:t>Acciones</a:t>
-            </a:r>
-          </a:p>
-        </p:txBody>
-      </p:sp>
+          <p:cNvGraphicFramePr/>
+          <p:nvPr/>
+        </p:nvGraphicFramePr>
+        <p:xfrm>
+          <a:off x="479600" y="1250400"/>
+          <a:ext cx="3000000" cy="3000000"/>
+        </p:xfrm>
+        <a:graphic>
+          <a:graphicData uri="http://schemas.openxmlformats.org/drawingml/2006/table">
+            <a:tbl>
+              <a:tblPr>
+                <a:noFill/>
+                <a:tableStyleId>{3F9BF6D0-B393-42BB-B083-11573A1A0EE0}</a:tableStyleId>
+              </a:tblPr>
+              <a:tblGrid>
+                <a:gridCol w="1852600"/>
+                <a:gridCol w="2591850"/>
+                <a:gridCol w="3663775"/>
+              </a:tblGrid>
+              <a:tr h="563200">
+                <a:tc>
+                  <a:txBody>
+                    <a:bodyPr>
+                      <a:noAutofit/>
+                    </a:bodyPr>
+                    <a:lstStyle/>
+                    <a:p>
+                      <a:pPr lvl="0" rtl="0">
+                        <a:spcBef>
+                          <a:spcPts val="600"/>
+                        </a:spcBef>
+                        <a:buNone/>
+                      </a:pPr>
+                      <a:r>
+                        <a:rPr lang="es" sz="2000">
+                          <a:solidFill>
+                            <a:schemeClr val="dk1"/>
+                          </a:solidFill>
+                        </a:rPr>
+                        <a:t>Scriptlets</a:t>
+                      </a:r>
+                    </a:p>
+                  </a:txBody>
+                  <a:tcPr marT="91425" marB="91425" marR="91425" marL="91425" anchor="ctr"/>
+                </a:tc>
+                <a:tc>
+                  <a:txBody>
+                    <a:bodyPr>
+                      <a:noAutofit/>
+                    </a:bodyPr>
+                    <a:lstStyle/>
+                    <a:p>
+                      <a:pPr lvl="0">
+                        <a:spcBef>
+                          <a:spcPts val="0"/>
+                        </a:spcBef>
+                        <a:buNone/>
+                      </a:pPr>
+                      <a:r>
+                        <a:rPr lang="es" sz="2000"/>
+                        <a:t>&lt;% … %&gt;</a:t>
+                      </a:r>
+                    </a:p>
+                  </a:txBody>
+                  <a:tcPr marT="91425" marB="91425" marR="91425" marL="91425" anchor="ctr"/>
+                </a:tc>
+                <a:tc>
+                  <a:txBody>
+                    <a:bodyPr>
+                      <a:noAutofit/>
+                    </a:bodyPr>
+                    <a:lstStyle/>
+                    <a:p>
+                      <a:pPr lvl="0" rtl="0">
+                        <a:spcBef>
+                          <a:spcPts val="0"/>
+                        </a:spcBef>
+                        <a:buNone/>
+                      </a:pPr>
+                      <a:r>
+                        <a:rPr lang="es" sz="1500"/>
+                        <a:t>Código JAVA puro</a:t>
+                      </a:r>
+                    </a:p>
+                  </a:txBody>
+                  <a:tcPr marT="91425" marB="91425" marR="91425" marL="91425" anchor="ctr"/>
+                </a:tc>
+              </a:tr>
+              <a:tr h="563200">
+                <a:tc>
+                  <a:txBody>
+                    <a:bodyPr>
+                      <a:noAutofit/>
+                    </a:bodyPr>
+                    <a:lstStyle/>
+                    <a:p>
+                      <a:pPr lvl="0" rtl="0">
+                        <a:spcBef>
+                          <a:spcPts val="600"/>
+                        </a:spcBef>
+                        <a:buNone/>
+                      </a:pPr>
+                      <a:r>
+                        <a:rPr lang="es" sz="2000">
+                          <a:solidFill>
+                            <a:schemeClr val="dk1"/>
+                          </a:solidFill>
+                        </a:rPr>
+                        <a:t>Declaraciones</a:t>
+                      </a:r>
+                    </a:p>
+                  </a:txBody>
+                  <a:tcPr marT="91425" marB="91425" marR="91425" marL="91425" anchor="ctr"/>
+                </a:tc>
+                <a:tc>
+                  <a:txBody>
+                    <a:bodyPr>
+                      <a:noAutofit/>
+                    </a:bodyPr>
+                    <a:lstStyle/>
+                    <a:p>
+                      <a:pPr lvl="0">
+                        <a:spcBef>
+                          <a:spcPts val="0"/>
+                        </a:spcBef>
+                        <a:buNone/>
+                      </a:pPr>
+                      <a:r>
+                        <a:rPr lang="es" sz="2000"/>
+                        <a:t>&lt;%</a:t>
+                      </a:r>
+                      <a:r>
+                        <a:rPr b="1" lang="es" sz="2000">
+                          <a:solidFill>
+                            <a:srgbClr val="0000FF"/>
+                          </a:solidFill>
+                        </a:rPr>
+                        <a:t>!</a:t>
+                      </a:r>
+                      <a:r>
+                        <a:rPr lang="es" sz="2000"/>
+                        <a:t> … %&gt;</a:t>
+                      </a:r>
+                    </a:p>
+                  </a:txBody>
+                  <a:tcPr marT="91425" marB="91425" marR="91425" marL="91425" anchor="ctr"/>
+                </a:tc>
+                <a:tc>
+                  <a:txBody>
+                    <a:bodyPr>
+                      <a:noAutofit/>
+                    </a:bodyPr>
+                    <a:lstStyle/>
+                    <a:p>
+                      <a:pPr lvl="0" rtl="0">
+                        <a:spcBef>
+                          <a:spcPts val="0"/>
+                        </a:spcBef>
+                        <a:buNone/>
+                      </a:pPr>
+                      <a:r>
+                        <a:rPr lang="es" sz="1500"/>
+                        <a:t>Métodos</a:t>
+                      </a:r>
+                    </a:p>
+                  </a:txBody>
+                  <a:tcPr marT="91425" marB="91425" marR="91425" marL="91425" anchor="ctr"/>
+                </a:tc>
+              </a:tr>
+              <a:tr h="563200">
+                <a:tc>
+                  <a:txBody>
+                    <a:bodyPr>
+                      <a:noAutofit/>
+                    </a:bodyPr>
+                    <a:lstStyle/>
+                    <a:p>
+                      <a:pPr lvl="0" rtl="0">
+                        <a:spcBef>
+                          <a:spcPts val="600"/>
+                        </a:spcBef>
+                        <a:buNone/>
+                      </a:pPr>
+                      <a:r>
+                        <a:rPr lang="es" sz="2000">
+                          <a:solidFill>
+                            <a:schemeClr val="dk1"/>
+                          </a:solidFill>
+                        </a:rPr>
+                        <a:t>Expresiones</a:t>
+                      </a:r>
+                    </a:p>
+                  </a:txBody>
+                  <a:tcPr marT="91425" marB="91425" marR="91425" marL="91425" anchor="ctr"/>
+                </a:tc>
+                <a:tc>
+                  <a:txBody>
+                    <a:bodyPr>
+                      <a:noAutofit/>
+                    </a:bodyPr>
+                    <a:lstStyle/>
+                    <a:p>
+                      <a:pPr lvl="0">
+                        <a:spcBef>
+                          <a:spcPts val="0"/>
+                        </a:spcBef>
+                        <a:buNone/>
+                      </a:pPr>
+                      <a:r>
+                        <a:rPr lang="es" sz="2000"/>
+                        <a:t>&lt;%</a:t>
+                      </a:r>
+                      <a:r>
+                        <a:rPr b="1" lang="es" sz="2000">
+                          <a:solidFill>
+                            <a:srgbClr val="0000FF"/>
+                          </a:solidFill>
+                        </a:rPr>
+                        <a:t>=</a:t>
+                      </a:r>
+                      <a:r>
+                        <a:rPr lang="es" sz="2000"/>
+                        <a:t> … %&gt;</a:t>
+                      </a:r>
+                    </a:p>
+                  </a:txBody>
+                  <a:tcPr marT="91425" marB="91425" marR="91425" marL="91425" anchor="ctr"/>
+                </a:tc>
+                <a:tc>
+                  <a:txBody>
+                    <a:bodyPr>
+                      <a:noAutofit/>
+                    </a:bodyPr>
+                    <a:lstStyle/>
+                    <a:p>
+                      <a:pPr lvl="0" rtl="0">
+                        <a:spcBef>
+                          <a:spcPts val="0"/>
+                        </a:spcBef>
+                        <a:buNone/>
+                      </a:pPr>
+                      <a:r>
+                        <a:rPr lang="es" sz="1500"/>
+                        <a:t>salida de una expresión</a:t>
+                      </a:r>
+                    </a:p>
+                  </a:txBody>
+                  <a:tcPr marT="91425" marB="91425" marR="91425" marL="91425" anchor="ctr"/>
+                </a:tc>
+              </a:tr>
+              <a:tr h="563200">
+                <a:tc>
+                  <a:txBody>
+                    <a:bodyPr>
+                      <a:noAutofit/>
+                    </a:bodyPr>
+                    <a:lstStyle/>
+                    <a:p>
+                      <a:pPr lvl="0" rtl="0">
+                        <a:spcBef>
+                          <a:spcPts val="600"/>
+                        </a:spcBef>
+                        <a:buNone/>
+                      </a:pPr>
+                      <a:r>
+                        <a:rPr lang="es" sz="2000">
+                          <a:solidFill>
+                            <a:schemeClr val="dk1"/>
+                          </a:solidFill>
+                        </a:rPr>
+                        <a:t>Comentarios</a:t>
+                      </a:r>
+                    </a:p>
+                  </a:txBody>
+                  <a:tcPr marT="91425" marB="91425" marR="91425" marL="91425" anchor="ctr"/>
+                </a:tc>
+                <a:tc>
+                  <a:txBody>
+                    <a:bodyPr>
+                      <a:noAutofit/>
+                    </a:bodyPr>
+                    <a:lstStyle/>
+                    <a:p>
+                      <a:pPr lvl="0">
+                        <a:spcBef>
+                          <a:spcPts val="0"/>
+                        </a:spcBef>
+                        <a:buNone/>
+                      </a:pPr>
+                      <a:r>
+                        <a:rPr lang="es" sz="2000"/>
+                        <a:t>&lt;%</a:t>
+                      </a:r>
+                      <a:r>
+                        <a:rPr b="1" lang="es" sz="2000">
+                          <a:solidFill>
+                            <a:srgbClr val="0000FF"/>
+                          </a:solidFill>
+                        </a:rPr>
+                        <a:t>--</a:t>
+                      </a:r>
+                      <a:r>
+                        <a:rPr lang="es" sz="2000"/>
+                        <a:t> … </a:t>
+                      </a:r>
+                      <a:r>
+                        <a:rPr b="1" lang="es" sz="2000">
+                          <a:solidFill>
+                            <a:srgbClr val="0000FF"/>
+                          </a:solidFill>
+                        </a:rPr>
+                        <a:t>--</a:t>
+                      </a:r>
+                      <a:r>
+                        <a:rPr lang="es" sz="2000"/>
+                        <a:t>%&gt;</a:t>
+                      </a:r>
+                    </a:p>
+                  </a:txBody>
+                  <a:tcPr marT="91425" marB="91425" marR="91425" marL="91425" anchor="ctr"/>
+                </a:tc>
+                <a:tc>
+                  <a:txBody>
+                    <a:bodyPr>
+                      <a:noAutofit/>
+                    </a:bodyPr>
+                    <a:lstStyle/>
+                    <a:p>
+                      <a:pPr lvl="0" rtl="0">
+                        <a:spcBef>
+                          <a:spcPts val="0"/>
+                        </a:spcBef>
+                        <a:buNone/>
+                      </a:pPr>
+                      <a:r>
+                        <a:rPr lang="es" sz="1500"/>
+                        <a:t>comentarios</a:t>
+                      </a:r>
+                    </a:p>
+                  </a:txBody>
+                  <a:tcPr marT="91425" marB="91425" marR="91425" marL="91425" anchor="ctr"/>
+                </a:tc>
+              </a:tr>
+              <a:tr h="848825">
+                <a:tc>
+                  <a:txBody>
+                    <a:bodyPr>
+                      <a:noAutofit/>
+                    </a:bodyPr>
+                    <a:lstStyle/>
+                    <a:p>
+                      <a:pPr lvl="0" rtl="0">
+                        <a:spcBef>
+                          <a:spcPts val="600"/>
+                        </a:spcBef>
+                        <a:buNone/>
+                      </a:pPr>
+                      <a:r>
+                        <a:rPr lang="es" sz="2000">
+                          <a:solidFill>
+                            <a:schemeClr val="dk1"/>
+                          </a:solidFill>
+                        </a:rPr>
+                        <a:t>Directivas</a:t>
+                      </a:r>
+                    </a:p>
+                  </a:txBody>
+                  <a:tcPr marT="91425" marB="91425" marR="91425" marL="91425" anchor="ctr"/>
+                </a:tc>
+                <a:tc>
+                  <a:txBody>
+                    <a:bodyPr>
+                      <a:noAutofit/>
+                    </a:bodyPr>
+                    <a:lstStyle/>
+                    <a:p>
+                      <a:pPr lvl="0" rtl="0">
+                        <a:spcBef>
+                          <a:spcPts val="0"/>
+                        </a:spcBef>
+                        <a:buNone/>
+                      </a:pPr>
+                      <a:r>
+                        <a:rPr lang="es" sz="1500"/>
+                        <a:t>&lt;%</a:t>
+                      </a:r>
+                      <a:r>
+                        <a:rPr b="1" lang="es" sz="1500">
+                          <a:solidFill>
+                            <a:srgbClr val="0000FF"/>
+                          </a:solidFill>
+                        </a:rPr>
+                        <a:t>@page</a:t>
+                      </a:r>
+                      <a:r>
+                        <a:rPr lang="es" sz="1500"/>
+                        <a:t> … %&gt;</a:t>
+                      </a:r>
+                    </a:p>
+                    <a:p>
+                      <a:pPr lvl="0" rtl="0">
+                        <a:spcBef>
+                          <a:spcPts val="0"/>
+                        </a:spcBef>
+                        <a:buNone/>
+                      </a:pPr>
+                      <a:r>
+                        <a:rPr lang="es" sz="1500"/>
+                        <a:t>&lt;%</a:t>
+                      </a:r>
+                      <a:r>
+                        <a:rPr b="1" lang="es" sz="1500">
+                          <a:solidFill>
+                            <a:srgbClr val="980000"/>
+                          </a:solidFill>
+                        </a:rPr>
+                        <a:t>@include</a:t>
+                      </a:r>
+                      <a:r>
+                        <a:rPr lang="es" sz="1500"/>
+                        <a:t> … %&gt;</a:t>
+                      </a:r>
+                    </a:p>
+                    <a:p>
+                      <a:pPr lvl="0">
+                        <a:spcBef>
+                          <a:spcPts val="0"/>
+                        </a:spcBef>
+                        <a:buNone/>
+                      </a:pPr>
+                      <a:r>
+                        <a:rPr lang="es" sz="1500"/>
+                        <a:t>&lt;%</a:t>
+                      </a:r>
+                      <a:r>
+                        <a:rPr b="1" lang="es" sz="1500">
+                          <a:solidFill>
+                            <a:srgbClr val="38761D"/>
+                          </a:solidFill>
+                        </a:rPr>
+                        <a:t>@taglib</a:t>
+                      </a:r>
+                      <a:r>
+                        <a:rPr lang="es" sz="1500"/>
+                        <a:t> … %&gt;</a:t>
+                      </a:r>
+                    </a:p>
+                  </a:txBody>
+                  <a:tcPr marT="91425" marB="91425" marR="91425" marL="91425" anchor="ctr"/>
+                </a:tc>
+                <a:tc>
+                  <a:txBody>
+                    <a:bodyPr>
+                      <a:noAutofit/>
+                    </a:bodyPr>
+                    <a:lstStyle/>
+                    <a:p>
+                      <a:pPr indent="0" lvl="0" marL="0" rtl="0">
+                        <a:spcBef>
+                          <a:spcPts val="480"/>
+                        </a:spcBef>
+                        <a:buNone/>
+                      </a:pPr>
+                      <a:r>
+                        <a:rPr b="1" lang="es" sz="900">
+                          <a:solidFill>
+                            <a:srgbClr val="0000FF"/>
+                          </a:solidFill>
+                        </a:rPr>
+                        <a:t>import, contentType, errorPage, extends, session, language</a:t>
+                      </a:r>
+                    </a:p>
+                    <a:p>
+                      <a:pPr indent="0" lvl="0" marL="0" rtl="0">
+                        <a:spcBef>
+                          <a:spcPts val="480"/>
+                        </a:spcBef>
+                        <a:buNone/>
+                      </a:pPr>
+                      <a:r>
+                        <a:rPr b="1" lang="es" sz="900">
+                          <a:solidFill>
+                            <a:srgbClr val="980000"/>
+                          </a:solidFill>
+                        </a:rPr>
+                        <a:t>ficheros estáticos</a:t>
+                      </a:r>
+                    </a:p>
+                    <a:p>
+                      <a:pPr indent="0" lvl="0" marL="0" rtl="0">
+                        <a:spcBef>
+                          <a:spcPts val="480"/>
+                        </a:spcBef>
+                        <a:buNone/>
+                      </a:pPr>
+                      <a:r>
+                        <a:rPr b="1" lang="es" sz="900">
+                          <a:solidFill>
+                            <a:srgbClr val="38761D"/>
+                          </a:solidFill>
+                        </a:rPr>
+                        <a:t>librerías de etiquetas</a:t>
+                      </a:r>
+                    </a:p>
+                  </a:txBody>
+                  <a:tcPr marT="91425" marB="91425" marR="91425" marL="91425" anchor="ctr"/>
+                </a:tc>
+              </a:tr>
+              <a:tr h="563200">
+                <a:tc>
+                  <a:txBody>
+                    <a:bodyPr>
+                      <a:noAutofit/>
+                    </a:bodyPr>
+                    <a:lstStyle/>
+                    <a:p>
+                      <a:pPr lvl="0" rtl="0">
+                        <a:spcBef>
+                          <a:spcPts val="600"/>
+                        </a:spcBef>
+                        <a:buNone/>
+                      </a:pPr>
+                      <a:r>
+                        <a:rPr lang="es" sz="2000">
+                          <a:solidFill>
+                            <a:schemeClr val="dk1"/>
+                          </a:solidFill>
+                        </a:rPr>
+                        <a:t>Acciones</a:t>
+                      </a:r>
+                    </a:p>
+                  </a:txBody>
+                  <a:tcPr marT="91425" marB="91425" marR="91425" marL="91425" anchor="ctr"/>
+                </a:tc>
+                <a:tc>
+                  <a:txBody>
+                    <a:bodyPr>
+                      <a:noAutofit/>
+                    </a:bodyPr>
+                    <a:lstStyle/>
+                    <a:p>
+                      <a:pPr lvl="0">
+                        <a:spcBef>
+                          <a:spcPts val="0"/>
+                        </a:spcBef>
+                        <a:buNone/>
+                      </a:pPr>
+                      <a:r>
+                        <a:rPr lang="es" sz="2000"/>
+                        <a:t>&lt;</a:t>
+                      </a:r>
+                      <a:r>
+                        <a:rPr b="1" lang="es" sz="2000">
+                          <a:solidFill>
+                            <a:srgbClr val="0000FF"/>
+                          </a:solidFill>
+                        </a:rPr>
+                        <a:t>jsp:accion</a:t>
+                      </a:r>
+                      <a:r>
+                        <a:rPr lang="es" sz="2000"/>
+                        <a:t> … &gt;</a:t>
+                      </a:r>
+                    </a:p>
+                  </a:txBody>
+                  <a:tcPr marT="91425" marB="91425" marR="91425" marL="91425" anchor="ctr"/>
+                </a:tc>
+                <a:tc>
+                  <a:txBody>
+                    <a:bodyPr>
+                      <a:noAutofit/>
+                    </a:bodyPr>
+                    <a:lstStyle/>
+                    <a:p>
+                      <a:pPr lvl="0" rtl="0">
+                        <a:spcBef>
+                          <a:spcPts val="0"/>
+                        </a:spcBef>
+                        <a:buNone/>
+                      </a:pPr>
+                      <a:r>
+                        <a:rPr lang="es" sz="1000"/>
+                        <a:t>include, useBean, setProperty, getProperty, forward, plugin, element, attribute, body, text, param, params</a:t>
+                      </a:r>
+                    </a:p>
+                  </a:txBody>
+                  <a:tcPr marT="91425" marB="91425" marR="91425" marL="91425" anchor="ctr"/>
+                </a:tc>
+              </a:tr>
+            </a:tbl>
+          </a:graphicData>
+        </a:graphic>
+      </p:graphicFrame>
     </p:spTree>
   </p:cSld>
   <p:clrMapOvr>
@@ -11412,7 +12122,7 @@
 </p:sld>
 </file>
 
-<file path=ppt/slides/slide7.xml><?xml version="1.0" encoding="utf-8"?>
+<file path=ppt/slides/slide8.xml><?xml version="1.0" encoding="utf-8"?>
 <p:sld xmlns:a="http://schemas.openxmlformats.org/drawingml/2006/main" xmlns:r="http://schemas.openxmlformats.org/officeDocument/2006/relationships" xmlns:mc="http://schemas.openxmlformats.org/markup-compatibility/2006" xmlns:mv="urn:schemas-microsoft-com:mac:vml" xmlns:p="http://schemas.openxmlformats.org/presentationml/2006/main" xmlns:c="http://schemas.openxmlformats.org/drawingml/2006/chart" xmlns:dgm="http://schemas.openxmlformats.org/drawingml/2006/diagram" xmlns:o="urn:schemas-microsoft-com:office:office" xmlns:v="urn:schemas-microsoft-com:vml" xmlns:pvml="urn:schemas-microsoft-com:office:powerpoint" xmlns:com="http://schemas.openxmlformats.org/drawingml/2006/compatibility" xmlns:p14="http://schemas.microsoft.com/office/powerpoint/2010/main">
   <p:cSld>
     <p:spTree>
@@ -11640,7 +12350,7 @@
             <a:r>
               <a:rPr lang="es" sz="2200">
                 <a:solidFill>
-                  <a:srgbClr val="0000FF"/>
+                  <a:srgbClr val="6AA84F"/>
                 </a:solidFill>
               </a:rPr>
               <a:t>getWriter</a:t>
@@ -11652,7 +12362,7 @@
             <a:r>
               <a:rPr lang="es" sz="2200">
                 <a:solidFill>
-                  <a:srgbClr val="0000FF"/>
+                  <a:srgbClr val="6AA84F"/>
                 </a:solidFill>
               </a:rPr>
               <a:t>println</a:t>
@@ -11683,7 +12393,7 @@
 </p:sld>
 </file>
 
-<file path=ppt/slides/slide8.xml><?xml version="1.0" encoding="utf-8"?>
+<file path=ppt/slides/slide9.xml><?xml version="1.0" encoding="utf-8"?>
 <p:sld xmlns:a="http://schemas.openxmlformats.org/drawingml/2006/main" xmlns:r="http://schemas.openxmlformats.org/officeDocument/2006/relationships" xmlns:mc="http://schemas.openxmlformats.org/markup-compatibility/2006" xmlns:mv="urn:schemas-microsoft-com:mac:vml" xmlns:p="http://schemas.openxmlformats.org/presentationml/2006/main" xmlns:c="http://schemas.openxmlformats.org/drawingml/2006/chart" xmlns:dgm="http://schemas.openxmlformats.org/drawingml/2006/diagram" xmlns:o="urn:schemas-microsoft-com:office:office" xmlns:v="urn:schemas-microsoft-com:vml" xmlns:pvml="urn:schemas-microsoft-com:office:powerpoint" xmlns:com="http://schemas.openxmlformats.org/drawingml/2006/compatibility" xmlns:p14="http://schemas.microsoft.com/office/powerpoint/2010/main">
   <p:cSld>
     <p:spTree>
@@ -11766,7 +12476,15 @@
             </a:pPr>
             <a:r>
               <a:rPr lang="es"/>
-              <a:t>Declaraciones de métodos. Su validez (ámbito) abarca el JSP exclusivamente.</a:t>
+              <a:t>Declaraciones de </a:t>
+            </a:r>
+            <a:r>
+              <a:rPr lang="es" u="sng"/>
+              <a:t>métodos</a:t>
+            </a:r>
+            <a:r>
+              <a:rPr lang="es"/>
+              <a:t>. Su validez (ámbito) abarca el JSP exclusivamente.</a:t>
             </a:r>
           </a:p>
           <a:p>
@@ -11909,233 +12627,7 @@
 </p:sld>
 </file>
 
-<file path=ppt/slides/slide9.xml><?xml version="1.0" encoding="utf-8"?>
-<p:sld xmlns:a="http://schemas.openxmlformats.org/drawingml/2006/main" xmlns:r="http://schemas.openxmlformats.org/officeDocument/2006/relationships" xmlns:mc="http://schemas.openxmlformats.org/markup-compatibility/2006" xmlns:mv="urn:schemas-microsoft-com:mac:vml" xmlns:p="http://schemas.openxmlformats.org/presentationml/2006/main" xmlns:c="http://schemas.openxmlformats.org/drawingml/2006/chart" xmlns:dgm="http://schemas.openxmlformats.org/drawingml/2006/diagram" xmlns:o="urn:schemas-microsoft-com:office:office" xmlns:v="urn:schemas-microsoft-com:vml" xmlns:pvml="urn:schemas-microsoft-com:office:powerpoint" xmlns:com="http://schemas.openxmlformats.org/drawingml/2006/compatibility" xmlns:p14="http://schemas.microsoft.com/office/powerpoint/2010/main">
-  <p:cSld>
-    <p:spTree>
-      <p:nvGrpSpPr>
-        <p:cNvPr id="98" name="Shape 98"/>
-        <p:cNvGrpSpPr/>
-        <p:nvPr/>
-      </p:nvGrpSpPr>
-      <p:grpSpPr>
-        <a:xfrm>
-          <a:off x="0" y="0"/>
-          <a:ext cx="0" cy="0"/>
-          <a:chOff x="0" y="0"/>
-          <a:chExt cx="0" cy="0"/>
-        </a:xfrm>
-      </p:grpSpPr>
-      <p:sp>
-        <p:nvSpPr>
-          <p:cNvPr id="99" name="Shape 99"/>
-          <p:cNvSpPr txBox="1"/>
-          <p:nvPr>
-            <p:ph type="title"/>
-          </p:nvPr>
-        </p:nvSpPr>
-        <p:spPr>
-          <a:xfrm>
-            <a:off x="457200" y="139527"/>
-            <a:ext cx="8229600" cy="857400"/>
-          </a:xfrm>
-          <a:prstGeom prst="rect">
-            <a:avLst/>
-          </a:prstGeom>
-        </p:spPr>
-        <p:txBody>
-          <a:bodyPr anchorCtr="0" anchor="b" bIns="91425" lIns="91425" rIns="91425" tIns="91425">
-            <a:noAutofit/>
-          </a:bodyPr>
-          <a:lstStyle/>
-          <a:p>
-            <a:pPr lvl="0">
-              <a:spcBef>
-                <a:spcPts val="0"/>
-              </a:spcBef>
-              <a:buNone/>
-            </a:pPr>
-            <a:r>
-              <a:rPr lang="es"/>
-              <a:t>Expresiones</a:t>
-            </a:r>
-          </a:p>
-        </p:txBody>
-      </p:sp>
-      <p:sp>
-        <p:nvSpPr>
-          <p:cNvPr id="100" name="Shape 100"/>
-          <p:cNvSpPr txBox="1"/>
-          <p:nvPr>
-            <p:ph idx="1" type="body"/>
-          </p:nvPr>
-        </p:nvSpPr>
-        <p:spPr>
-          <a:xfrm>
-            <a:off x="457200" y="1200150"/>
-            <a:ext cx="8229600" cy="3725699"/>
-          </a:xfrm>
-          <a:prstGeom prst="rect">
-            <a:avLst/>
-          </a:prstGeom>
-        </p:spPr>
-        <p:txBody>
-          <a:bodyPr anchorCtr="0" anchor="t" bIns="91425" lIns="91425" rIns="91425" tIns="91425">
-            <a:noAutofit/>
-          </a:bodyPr>
-          <a:lstStyle/>
-          <a:p>
-            <a:pPr indent="-228600" lvl="0" marL="457200" rtl="0">
-              <a:spcBef>
-                <a:spcPts val="0"/>
-              </a:spcBef>
-            </a:pPr>
-            <a:r>
-              <a:rPr lang="es"/>
-              <a:t>Hacen eco de cualquier expresión que pueda ser resuelta.</a:t>
-            </a:r>
-          </a:p>
-          <a:p>
-            <a:pPr indent="-228600" lvl="0" marL="457200" rtl="0">
-              <a:spcBef>
-                <a:spcPts val="0"/>
-              </a:spcBef>
-            </a:pPr>
-            <a:r>
-              <a:rPr lang="es"/>
-              <a:t>Dos formas</a:t>
-            </a:r>
-          </a:p>
-          <a:p>
-            <a:pPr indent="-228600" lvl="1" marL="914400" rtl="0">
-              <a:spcBef>
-                <a:spcPts val="0"/>
-              </a:spcBef>
-            </a:pPr>
-            <a:r>
-              <a:rPr lang="es">
-                <a:solidFill>
-                  <a:srgbClr val="0000FF"/>
-                </a:solidFill>
-              </a:rPr>
-              <a:t>&lt;%=</a:t>
-            </a:r>
-            <a:r>
-              <a:rPr lang="es"/>
-              <a:t>					</a:t>
-            </a:r>
-            <a:r>
-              <a:rPr lang="es">
-                <a:solidFill>
-                  <a:srgbClr val="980000"/>
-                </a:solidFill>
-              </a:rPr>
-              <a:t>expresión</a:t>
-            </a:r>
-            <a:r>
-              <a:rPr lang="es"/>
-              <a:t>		</a:t>
-            </a:r>
-            <a:r>
-              <a:rPr lang="es">
-                <a:solidFill>
-                  <a:srgbClr val="0000FF"/>
-                </a:solidFill>
-              </a:rPr>
-              <a:t>%&gt;</a:t>
-            </a:r>
-          </a:p>
-          <a:p>
-            <a:pPr indent="-228600" lvl="1" marL="914400" rtl="0">
-              <a:spcBef>
-                <a:spcPts val="0"/>
-              </a:spcBef>
-            </a:pPr>
-            <a:r>
-              <a:rPr lang="es">
-                <a:solidFill>
-                  <a:srgbClr val="0000FF"/>
-                </a:solidFill>
-              </a:rPr>
-              <a:t>&lt;jsp:expression&gt;</a:t>
-            </a:r>
-            <a:r>
-              <a:rPr lang="es"/>
-              <a:t>	</a:t>
-            </a:r>
-            <a:r>
-              <a:rPr lang="es">
-                <a:solidFill>
-                  <a:srgbClr val="980000"/>
-                </a:solidFill>
-              </a:rPr>
-              <a:t>expresión</a:t>
-            </a:r>
-            <a:r>
-              <a:rPr lang="es"/>
-              <a:t>		</a:t>
-            </a:r>
-            <a:r>
-              <a:rPr lang="es">
-                <a:solidFill>
-                  <a:srgbClr val="0000FF"/>
-                </a:solidFill>
-              </a:rPr>
-              <a:t>&lt;/jsp:expression&gt;</a:t>
-            </a:r>
-          </a:p>
-          <a:p>
-            <a:pPr indent="-228600" lvl="0" marL="457200" rtl="0">
-              <a:spcBef>
-                <a:spcPts val="0"/>
-              </a:spcBef>
-            </a:pPr>
-            <a:r>
-              <a:rPr lang="es"/>
-              <a:t>Ejemplo</a:t>
-            </a:r>
-          </a:p>
-          <a:p>
-            <a:pPr indent="-228600" lvl="1" marL="914400">
-              <a:spcBef>
-                <a:spcPts val="0"/>
-              </a:spcBef>
-            </a:pPr>
-            <a:r>
-              <a:rPr lang="es">
-                <a:solidFill>
-                  <a:srgbClr val="0000FF"/>
-                </a:solidFill>
-              </a:rPr>
-              <a:t>&lt;%=</a:t>
-            </a:r>
-            <a:r>
-              <a:rPr lang="es"/>
-              <a:t>	doble(8)	</a:t>
-            </a:r>
-            <a:r>
-              <a:rPr lang="es">
-                <a:solidFill>
-                  <a:srgbClr val="0000FF"/>
-                </a:solidFill>
-              </a:rPr>
-              <a:t>%&gt; </a:t>
-            </a:r>
-          </a:p>
-        </p:txBody>
-      </p:sp>
-    </p:spTree>
-  </p:cSld>
-  <p:clrMapOvr>
-    <a:masterClrMapping/>
-  </p:clrMapOvr>
-  <p:transition spd="slow">
-    <p:cut/>
-  </p:transition>
-</p:sld>
-</file>
-
-<file path=ppt/theme/theme.xml><?xml version="1.0" encoding="utf-8"?>
+<file path=ppt/theme/theme1.xml><?xml version="1.0" encoding="utf-8"?>
 <a:theme xmlns:a="http://schemas.openxmlformats.org/drawingml/2006/main" xmlns:r="http://schemas.openxmlformats.org/officeDocument/2006/relationships" name="Custom Theme">
   <a:themeElements>
     <a:clrScheme name="Default">
@@ -12414,7 +12906,7 @@
 </a:theme>
 </file>
 
-<file path=ppt/theme/theme1.xml><?xml version="1.0" encoding="utf-8"?>
+<file path=ppt/theme/theme2.xml><?xml version="1.0" encoding="utf-8"?>
 <a:theme xmlns:a="http://schemas.openxmlformats.org/drawingml/2006/main" xmlns:r="http://schemas.openxmlformats.org/officeDocument/2006/relationships" name="label">
   <a:themeElements>
     <a:clrScheme name="Custom 352">
